--- a/Group Readings/Assignment 1/references/SHAP Presentation.pptx
+++ b/Group Readings/Assignment 1/references/SHAP Presentation.pptx
@@ -5,48 +5,49 @@
     <p:sldMasterId id="2147483680" r:id="rId1"/>
   </p:sldMasterIdLst>
   <p:notesMasterIdLst>
-    <p:notesMasterId r:id="rId10"/>
+    <p:notesMasterId r:id="rId11"/>
   </p:notesMasterIdLst>
   <p:sldIdLst>
     <p:sldId id="256" r:id="rId2"/>
     <p:sldId id="381" r:id="rId3"/>
-    <p:sldId id="383" r:id="rId4"/>
-    <p:sldId id="385" r:id="rId5"/>
-    <p:sldId id="382" r:id="rId6"/>
-    <p:sldId id="386" r:id="rId7"/>
-    <p:sldId id="388" r:id="rId8"/>
-    <p:sldId id="389" r:id="rId9"/>
+    <p:sldId id="382" r:id="rId4"/>
+    <p:sldId id="383" r:id="rId5"/>
+    <p:sldId id="385" r:id="rId6"/>
+    <p:sldId id="390" r:id="rId7"/>
+    <p:sldId id="386" r:id="rId8"/>
+    <p:sldId id="388" r:id="rId9"/>
+    <p:sldId id="389" r:id="rId10"/>
   </p:sldIdLst>
   <p:sldSz cx="9144000" cy="5143500" type="screen16x9"/>
   <p:notesSz cx="6858000" cy="9144000"/>
   <p:embeddedFontLst>
     <p:embeddedFont>
       <p:font typeface="Abadi" panose="020B0604020104020204" pitchFamily="34" charset="0"/>
-      <p:regular r:id="rId11"/>
+      <p:regular r:id="rId12"/>
     </p:embeddedFont>
     <p:embeddedFont>
       <p:font typeface="Amasis MT Pro Medium" panose="02040604050005020304" pitchFamily="18" charset="0"/>
-      <p:regular r:id="rId12"/>
-      <p:italic r:id="rId13"/>
+      <p:regular r:id="rId13"/>
+      <p:italic r:id="rId14"/>
     </p:embeddedFont>
     <p:embeddedFont>
       <p:font typeface="Assistant" pitchFamily="2" charset="-79"/>
-      <p:regular r:id="rId14"/>
-      <p:bold r:id="rId15"/>
+      <p:regular r:id="rId15"/>
+      <p:bold r:id="rId16"/>
     </p:embeddedFont>
     <p:embeddedFont>
       <p:font typeface="Cambria Math" panose="02040503050406030204" pitchFamily="18" charset="0"/>
-      <p:regular r:id="rId16"/>
+      <p:regular r:id="rId17"/>
     </p:embeddedFont>
     <p:embeddedFont>
       <p:font typeface="Lexend Deca" panose="020B0604020202020204" charset="0"/>
-      <p:regular r:id="rId17"/>
-      <p:bold r:id="rId18"/>
+      <p:regular r:id="rId18"/>
+      <p:bold r:id="rId19"/>
     </p:embeddedFont>
     <p:embeddedFont>
       <p:font typeface="Montserrat" panose="00000500000000000000" pitchFamily="2" charset="0"/>
-      <p:regular r:id="rId19"/>
-      <p:bold r:id="rId20"/>
+      <p:regular r:id="rId20"/>
+      <p:bold r:id="rId21"/>
     </p:embeddedFont>
   </p:embeddedFontLst>
   <p:defaultTextStyle>
@@ -959,7 +960,7 @@
     </p:spTree>
     <p:extLst>
       <p:ext uri="{BB962C8B-B14F-4D97-AF65-F5344CB8AC3E}">
-        <p14:creationId xmlns:p14="http://schemas.microsoft.com/office/powerpoint/2010/main" val="3993543622"/>
+        <p14:creationId xmlns:p14="http://schemas.microsoft.com/office/powerpoint/2010/main" val="3068475786"/>
       </p:ext>
     </p:extLst>
   </p:cSld>
@@ -1028,7 +1029,7 @@
     </p:spTree>
     <p:extLst>
       <p:ext uri="{BB962C8B-B14F-4D97-AF65-F5344CB8AC3E}">
-        <p14:creationId xmlns:p14="http://schemas.microsoft.com/office/powerpoint/2010/main" val="1058397857"/>
+        <p14:creationId xmlns:p14="http://schemas.microsoft.com/office/powerpoint/2010/main" val="3993543622"/>
       </p:ext>
     </p:extLst>
   </p:cSld>
@@ -1097,7 +1098,7 @@
     </p:spTree>
     <p:extLst>
       <p:ext uri="{BB962C8B-B14F-4D97-AF65-F5344CB8AC3E}">
-        <p14:creationId xmlns:p14="http://schemas.microsoft.com/office/powerpoint/2010/main" val="3068475786"/>
+        <p14:creationId xmlns:p14="http://schemas.microsoft.com/office/powerpoint/2010/main" val="1058397857"/>
       </p:ext>
     </p:extLst>
   </p:cSld>
@@ -1166,7 +1167,7 @@
     </p:spTree>
     <p:extLst>
       <p:ext uri="{BB962C8B-B14F-4D97-AF65-F5344CB8AC3E}">
-        <p14:creationId xmlns:p14="http://schemas.microsoft.com/office/powerpoint/2010/main" val="2006691524"/>
+        <p14:creationId xmlns:p14="http://schemas.microsoft.com/office/powerpoint/2010/main" val="3411422804"/>
       </p:ext>
     </p:extLst>
   </p:cSld>
@@ -1235,6 +1236,75 @@
     </p:spTree>
     <p:extLst>
       <p:ext uri="{BB962C8B-B14F-4D97-AF65-F5344CB8AC3E}">
+        <p14:creationId xmlns:p14="http://schemas.microsoft.com/office/powerpoint/2010/main" val="2006691524"/>
+      </p:ext>
+    </p:extLst>
+  </p:cSld>
+  <p:clrMapOvr>
+    <a:masterClrMapping/>
+  </p:clrMapOvr>
+</p:notes>
+</file>
+
+<file path=ppt/notesSlides/notesSlide8.xml><?xml version="1.0" encoding="utf-8"?>
+<p:notes xmlns:a="http://schemas.openxmlformats.org/drawingml/2006/main" xmlns:r="http://schemas.openxmlformats.org/officeDocument/2006/relationships" xmlns:p="http://schemas.openxmlformats.org/presentationml/2006/main">
+  <p:cSld>
+    <p:spTree>
+      <p:nvGrpSpPr>
+        <p:cNvPr id="1" name=""/>
+        <p:cNvGrpSpPr/>
+        <p:nvPr/>
+      </p:nvGrpSpPr>
+      <p:grpSpPr>
+        <a:xfrm>
+          <a:off x="0" y="0"/>
+          <a:ext cx="0" cy="0"/>
+          <a:chOff x="0" y="0"/>
+          <a:chExt cx="0" cy="0"/>
+        </a:xfrm>
+      </p:grpSpPr>
+      <p:sp>
+        <p:nvSpPr>
+          <p:cNvPr id="2" name="Slide Image Placeholder 1"/>
+          <p:cNvSpPr>
+            <a:spLocks noGrp="1" noRot="1" noChangeAspect="1"/>
+          </p:cNvSpPr>
+          <p:nvPr>
+            <p:ph type="sldImg"/>
+          </p:nvPr>
+        </p:nvSpPr>
+        <p:spPr>
+          <a:xfrm>
+            <a:off x="381000" y="685800"/>
+            <a:ext cx="6096000" cy="3429000"/>
+          </a:xfrm>
+        </p:spPr>
+      </p:sp>
+      <p:sp>
+        <p:nvSpPr>
+          <p:cNvPr id="3" name="Notes Placeholder 2"/>
+          <p:cNvSpPr>
+            <a:spLocks noGrp="1"/>
+          </p:cNvSpPr>
+          <p:nvPr>
+            <p:ph type="body" idx="1"/>
+          </p:nvPr>
+        </p:nvSpPr>
+        <p:spPr/>
+        <p:txBody>
+          <a:bodyPr/>
+          <a:lstStyle/>
+          <a:p>
+            <a:pPr marL="158750" indent="0">
+              <a:buNone/>
+            </a:pPr>
+            <a:endParaRPr lang="en-US" dirty="0"/>
+          </a:p>
+        </p:txBody>
+      </p:sp>
+    </p:spTree>
+    <p:extLst>
+      <p:ext uri="{BB962C8B-B14F-4D97-AF65-F5344CB8AC3E}">
         <p14:creationId xmlns:p14="http://schemas.microsoft.com/office/powerpoint/2010/main" val="2696077655"/>
       </p:ext>
     </p:extLst>
@@ -1245,7 +1315,7 @@
 </p:notes>
 </file>
 
-<file path=ppt/notesSlides/notesSlide8.xml><?xml version="1.0" encoding="utf-8"?>
+<file path=ppt/notesSlides/notesSlide9.xml><?xml version="1.0" encoding="utf-8"?>
 <p:notes xmlns:a="http://schemas.openxmlformats.org/drawingml/2006/main" xmlns:r="http://schemas.openxmlformats.org/officeDocument/2006/relationships" xmlns:p="http://schemas.openxmlformats.org/presentationml/2006/main">
   <p:cSld>
     <p:spTree>
@@ -6086,7 +6156,7 @@
         </p:nvSpPr>
         <p:spPr>
           <a:xfrm>
-            <a:off x="337399" y="1972227"/>
+            <a:off x="302763" y="1659608"/>
             <a:ext cx="6011784" cy="261610"/>
           </a:xfrm>
           <a:prstGeom prst="rect">
@@ -7670,2153 +7740,6 @@
             </p:nvSpPr>
             <p:spPr>
               <a:xfrm>
-                <a:off x="723960" y="1287937"/>
-                <a:ext cx="8000940" cy="646331"/>
-              </a:xfrm>
-              <a:prstGeom prst="rect">
-                <a:avLst/>
-              </a:prstGeom>
-              <a:noFill/>
-            </p:spPr>
-            <p:txBody>
-              <a:bodyPr wrap="square">
-                <a:spAutoFit/>
-              </a:bodyPr>
-              <a:lstStyle/>
-              <a:p>
-                <a:pPr algn="just"/>
-                <a:r>
-                  <a:rPr lang="en-US" sz="1200" i="1" dirty="0">
-                    <a:latin typeface="Amasis MT Pro Medium" panose="02040604050005020304" pitchFamily="18" charset="0"/>
-                    <a:ea typeface="CMU Serif Roman" panose="02000603000000000000" pitchFamily="2" charset="0"/>
-                    <a:cs typeface="CMU Serif Roman" panose="02000603000000000000" pitchFamily="2" charset="0"/>
-                  </a:rPr>
-                  <a:t>Property 1.</a:t>
-                </a:r>
-                <a:r>
-                  <a:rPr lang="en-US" sz="1100" i="1" dirty="0">
-                    <a:latin typeface="Amasis MT Pro Medium" panose="02040604050005020304" pitchFamily="18" charset="0"/>
-                    <a:ea typeface="CMU Serif Roman" panose="02000603000000000000" pitchFamily="2" charset="0"/>
-                    <a:cs typeface="CMU Serif Roman" panose="02000603000000000000" pitchFamily="2" charset="0"/>
-                  </a:rPr>
-                  <a:t> </a:t>
-                </a:r>
-                <a:r>
-                  <a:rPr lang="en-US" sz="1100" b="1" dirty="0">
-                    <a:latin typeface="Montserrat" panose="00000500000000000000" pitchFamily="2" charset="0"/>
-                    <a:ea typeface="CMU Serif Roman" panose="02000603000000000000" pitchFamily="2" charset="0"/>
-                    <a:cs typeface="CMU Serif Roman" panose="02000603000000000000" pitchFamily="2" charset="0"/>
-                  </a:rPr>
-                  <a:t>Local accuracy. </a:t>
-                </a:r>
-              </a:p>
-              <a:p>
-                <a:pPr algn="just"/>
-                <a:r>
-                  <a:rPr lang="en-US" sz="1200" dirty="0">
-                    <a:latin typeface="Amasis MT Pro Medium" panose="02040604050005020304" pitchFamily="18" charset="0"/>
-                    <a:ea typeface="CMU Serif Roman" panose="02000603000000000000" pitchFamily="2" charset="0"/>
-                    <a:cs typeface="CMU Serif Roman" panose="02000603000000000000" pitchFamily="2" charset="0"/>
-                  </a:rPr>
-                  <a:t>It requires the explanation model </a:t>
-                </a:r>
-                <a14:m>
-                  <m:oMath xmlns:m="http://schemas.openxmlformats.org/officeDocument/2006/math">
-                    <m:r>
-                      <a:rPr lang="en-US" sz="1200" b="0" i="1" smtClean="0">
-                        <a:latin typeface="Cambria Math" panose="02040503050406030204" pitchFamily="18" charset="0"/>
-                        <a:ea typeface="CMU Serif Roman" panose="02000603000000000000" pitchFamily="2" charset="0"/>
-                        <a:cs typeface="CMU Serif Roman" panose="02000603000000000000" pitchFamily="2" charset="0"/>
-                      </a:rPr>
-                      <m:t>𝑔</m:t>
-                    </m:r>
-                  </m:oMath>
-                </a14:m>
-                <a:r>
-                  <a:rPr lang="en-US" sz="1200" dirty="0">
-                    <a:latin typeface="Amasis MT Pro Medium" panose="02040604050005020304" pitchFamily="18" charset="0"/>
-                    <a:ea typeface="CMU Serif Roman" panose="02000603000000000000" pitchFamily="2" charset="0"/>
-                    <a:cs typeface="CMU Serif Roman" panose="02000603000000000000" pitchFamily="2" charset="0"/>
-                  </a:rPr>
-                  <a:t> to at least match the output of the original model </a:t>
-                </a:r>
-                <a14:m>
-                  <m:oMath xmlns:m="http://schemas.openxmlformats.org/officeDocument/2006/math">
-                    <m:r>
-                      <a:rPr lang="en-US" sz="1200" i="1">
-                        <a:latin typeface="Cambria Math" panose="02040503050406030204" pitchFamily="18" charset="0"/>
-                        <a:ea typeface="CMU Serif Roman" panose="02000603000000000000" pitchFamily="2" charset="0"/>
-                        <a:cs typeface="CMU Serif Roman" panose="02000603000000000000" pitchFamily="2" charset="0"/>
-                      </a:rPr>
-                      <m:t>𝑓</m:t>
-                    </m:r>
-                  </m:oMath>
-                </a14:m>
-                <a:r>
-                  <a:rPr lang="en-US" sz="1200" dirty="0">
-                    <a:latin typeface="Amasis MT Pro Medium" panose="02040604050005020304" pitchFamily="18" charset="0"/>
-                    <a:ea typeface="CMU Serif Roman" panose="02000603000000000000" pitchFamily="2" charset="0"/>
-                    <a:cs typeface="CMU Serif Roman" panose="02000603000000000000" pitchFamily="2" charset="0"/>
-                  </a:rPr>
-                  <a:t> for the simplified input </a:t>
-                </a:r>
-                <a14:m>
-                  <m:oMath xmlns:m="http://schemas.openxmlformats.org/officeDocument/2006/math">
-                    <m:sSup>
-                      <m:sSupPr>
-                        <m:ctrlPr>
-                          <a:rPr lang="en-US" sz="1200" b="1" i="1" smtClean="0">
-                            <a:latin typeface="Cambria Math" panose="02040503050406030204" pitchFamily="18" charset="0"/>
-                            <a:ea typeface="CMU Serif Roman" panose="02000603000000000000" pitchFamily="2" charset="0"/>
-                            <a:cs typeface="CMU Serif Roman" panose="02000603000000000000" pitchFamily="2" charset="0"/>
-                          </a:rPr>
-                        </m:ctrlPr>
-                      </m:sSupPr>
-                      <m:e>
-                        <m:r>
-                          <a:rPr lang="en-US" sz="1200" b="1" i="1">
-                            <a:latin typeface="Cambria Math" panose="02040503050406030204" pitchFamily="18" charset="0"/>
-                            <a:ea typeface="CMU Serif Roman" panose="02000603000000000000" pitchFamily="2" charset="0"/>
-                            <a:cs typeface="CMU Serif Roman" panose="02000603000000000000" pitchFamily="2" charset="0"/>
-                          </a:rPr>
-                          <m:t>𝒙</m:t>
-                        </m:r>
-                      </m:e>
-                      <m:sup>
-                        <m:r>
-                          <a:rPr lang="en-US" sz="1200" b="1" i="1" smtClean="0">
-                            <a:latin typeface="Cambria Math" panose="02040503050406030204" pitchFamily="18" charset="0"/>
-                            <a:ea typeface="CMU Serif Roman" panose="02000603000000000000" pitchFamily="2" charset="0"/>
-                            <a:cs typeface="CMU Serif Roman" panose="02000603000000000000" pitchFamily="2" charset="0"/>
-                          </a:rPr>
-                          <m:t>′</m:t>
-                        </m:r>
-                      </m:sup>
-                    </m:sSup>
-                  </m:oMath>
-                </a14:m>
-                <a:r>
-                  <a:rPr lang="en-US" sz="1200" dirty="0">
-                    <a:latin typeface="Amasis MT Pro Medium" panose="02040604050005020304" pitchFamily="18" charset="0"/>
-                    <a:ea typeface="CMU Serif Roman" panose="02000603000000000000" pitchFamily="2" charset="0"/>
-                    <a:cs typeface="CMU Serif Roman" panose="02000603000000000000" pitchFamily="2" charset="0"/>
-                  </a:rPr>
-                  <a:t> when approximating </a:t>
-                </a:r>
-                <a14:m>
-                  <m:oMath xmlns:m="http://schemas.openxmlformats.org/officeDocument/2006/math">
-                    <m:r>
-                      <a:rPr lang="en-US" sz="1200" i="1">
-                        <a:latin typeface="Cambria Math" panose="02040503050406030204" pitchFamily="18" charset="0"/>
-                        <a:ea typeface="CMU Serif Roman" panose="02000603000000000000" pitchFamily="2" charset="0"/>
-                        <a:cs typeface="CMU Serif Roman" panose="02000603000000000000" pitchFamily="2" charset="0"/>
-                      </a:rPr>
-                      <m:t>𝑓</m:t>
-                    </m:r>
-                  </m:oMath>
-                </a14:m>
-                <a:r>
-                  <a:rPr lang="en-US" sz="1200" dirty="0">
-                    <a:latin typeface="Amasis MT Pro Medium" panose="02040604050005020304" pitchFamily="18" charset="0"/>
-                    <a:ea typeface="CMU Serif Roman" panose="02000603000000000000" pitchFamily="2" charset="0"/>
-                    <a:cs typeface="CMU Serif Roman" panose="02000603000000000000" pitchFamily="2" charset="0"/>
-                  </a:rPr>
-                  <a:t> for a specific input </a:t>
-                </a:r>
-                <a14:m>
-                  <m:oMath xmlns:m="http://schemas.openxmlformats.org/officeDocument/2006/math">
-                    <m:r>
-                      <a:rPr lang="en-US" sz="1200" b="1" i="1" smtClean="0">
-                        <a:latin typeface="Cambria Math" panose="02040503050406030204" pitchFamily="18" charset="0"/>
-                        <a:ea typeface="CMU Serif Roman" panose="02000603000000000000" pitchFamily="2" charset="0"/>
-                        <a:cs typeface="CMU Serif Roman" panose="02000603000000000000" pitchFamily="2" charset="0"/>
-                      </a:rPr>
-                      <m:t>𝒙</m:t>
-                    </m:r>
-                  </m:oMath>
-                </a14:m>
-                <a:r>
-                  <a:rPr lang="en-US" sz="1100" b="1" dirty="0">
-                    <a:latin typeface="Amasis MT Pro Medium" panose="02040604050005020304" pitchFamily="18" charset="0"/>
-                    <a:ea typeface="CMU Serif Roman" panose="02000603000000000000" pitchFamily="2" charset="0"/>
-                    <a:cs typeface="CMU Serif Roman" panose="02000603000000000000" pitchFamily="2" charset="0"/>
-                  </a:rPr>
-                  <a:t>.</a:t>
-                </a:r>
-              </a:p>
-            </p:txBody>
-          </p:sp>
-        </mc:Choice>
-        <mc:Fallback xmlns="">
-          <p:sp>
-            <p:nvSpPr>
-              <p:cNvPr id="6" name="TextBox 5">
-                <a:extLst>
-                  <a:ext uri="{FF2B5EF4-FFF2-40B4-BE49-F238E27FC236}">
-                    <a16:creationId xmlns:a16="http://schemas.microsoft.com/office/drawing/2014/main" id="{E4F6AAE0-6423-A6C8-E61C-515E2FE85713}"/>
-                  </a:ext>
-                </a:extLst>
-              </p:cNvPr>
-              <p:cNvSpPr txBox="1">
-                <a:spLocks noRot="1" noChangeAspect="1" noMove="1" noResize="1" noEditPoints="1" noAdjustHandles="1" noChangeArrowheads="1" noChangeShapeType="1" noTextEdit="1"/>
-              </p:cNvSpPr>
-              <p:nvPr/>
-            </p:nvSpPr>
-            <p:spPr>
-              <a:xfrm>
-                <a:off x="723960" y="1287937"/>
-                <a:ext cx="8000940" cy="646331"/>
-              </a:xfrm>
-              <a:prstGeom prst="rect">
-                <a:avLst/>
-              </a:prstGeom>
-              <a:blipFill>
-                <a:blip r:embed="rId4"/>
-                <a:stretch>
-                  <a:fillRect l="-76" b="-6604"/>
-                </a:stretch>
-              </a:blipFill>
-            </p:spPr>
-            <p:txBody>
-              <a:bodyPr/>
-              <a:lstStyle/>
-              <a:p>
-                <a:r>
-                  <a:rPr lang="en-US">
-                    <a:noFill/>
-                  </a:rPr>
-                  <a:t> </a:t>
-                </a:r>
-              </a:p>
-            </p:txBody>
-          </p:sp>
-        </mc:Fallback>
-      </mc:AlternateContent>
-      <mc:AlternateContent xmlns:mc="http://schemas.openxmlformats.org/markup-compatibility/2006" xmlns:a14="http://schemas.microsoft.com/office/drawing/2010/main">
-        <mc:Choice Requires="a14">
-          <p:sp>
-            <p:nvSpPr>
-              <p:cNvPr id="2" name="TextBox 1">
-                <a:extLst>
-                  <a:ext uri="{FF2B5EF4-FFF2-40B4-BE49-F238E27FC236}">
-                    <a16:creationId xmlns:a16="http://schemas.microsoft.com/office/drawing/2014/main" id="{6EA4298D-5F44-BED8-C658-600C737FDBA5}"/>
-                  </a:ext>
-                </a:extLst>
-              </p:cNvPr>
-              <p:cNvSpPr txBox="1"/>
-              <p:nvPr/>
-            </p:nvSpPr>
-            <p:spPr>
-              <a:xfrm>
-                <a:off x="3545764" y="1886205"/>
-                <a:ext cx="1737078" cy="605807"/>
-              </a:xfrm>
-              <a:prstGeom prst="rect">
-                <a:avLst/>
-              </a:prstGeom>
-              <a:noFill/>
-            </p:spPr>
-            <p:txBody>
-              <a:bodyPr wrap="none" lIns="0" tIns="0" rIns="0" bIns="0" rtlCol="0">
-                <a:spAutoFit/>
-              </a:bodyPr>
-              <a:lstStyle/>
-              <a:p>
-                <a:pPr/>
-                <a14:m>
-                  <m:oMathPara xmlns:m="http://schemas.openxmlformats.org/officeDocument/2006/math">
-                    <m:oMathParaPr>
-                      <m:jc m:val="centerGroup"/>
-                    </m:oMathParaPr>
-                    <m:oMath xmlns:m="http://schemas.openxmlformats.org/officeDocument/2006/math">
-                      <m:r>
-                        <a:rPr lang="en-US" b="0" i="1" smtClean="0">
-                          <a:latin typeface="Cambria Math" panose="02040503050406030204" pitchFamily="18" charset="0"/>
-                        </a:rPr>
-                        <m:t>𝑔</m:t>
-                      </m:r>
-                      <m:d>
-                        <m:dPr>
-                          <m:ctrlPr>
-                            <a:rPr lang="en-US" b="0" i="1" smtClean="0">
-                              <a:latin typeface="Cambria Math" panose="02040503050406030204" pitchFamily="18" charset="0"/>
-                            </a:rPr>
-                          </m:ctrlPr>
-                        </m:dPr>
-                        <m:e>
-                          <m:sSup>
-                            <m:sSupPr>
-                              <m:ctrlPr>
-                                <a:rPr lang="en-US" b="0" i="1" smtClean="0">
-                                  <a:latin typeface="Cambria Math" panose="02040503050406030204" pitchFamily="18" charset="0"/>
-                                </a:rPr>
-                              </m:ctrlPr>
-                            </m:sSupPr>
-                            <m:e>
-                              <m:r>
-                                <a:rPr lang="en-US" b="0" i="1" smtClean="0">
-                                  <a:latin typeface="Cambria Math" panose="02040503050406030204" pitchFamily="18" charset="0"/>
-                                </a:rPr>
-                                <m:t>𝑥</m:t>
-                              </m:r>
-                            </m:e>
-                            <m:sup>
-                              <m:r>
-                                <a:rPr lang="en-US" b="0" i="1" smtClean="0">
-                                  <a:latin typeface="Cambria Math" panose="02040503050406030204" pitchFamily="18" charset="0"/>
-                                </a:rPr>
-                                <m:t>′</m:t>
-                              </m:r>
-                            </m:sup>
-                          </m:sSup>
-                        </m:e>
-                      </m:d>
-                      <m:r>
-                        <a:rPr lang="en-US" b="0" i="1" smtClean="0">
-                          <a:latin typeface="Cambria Math" panose="02040503050406030204" pitchFamily="18" charset="0"/>
-                        </a:rPr>
-                        <m:t>=</m:t>
-                      </m:r>
-                      <m:sSub>
-                        <m:sSubPr>
-                          <m:ctrlPr>
-                            <a:rPr lang="en-US" b="0" i="1" smtClean="0">
-                              <a:latin typeface="Cambria Math" panose="02040503050406030204" pitchFamily="18" charset="0"/>
-                            </a:rPr>
-                          </m:ctrlPr>
-                        </m:sSubPr>
-                        <m:e>
-                          <m:r>
-                            <a:rPr lang="en-US" b="0" i="1" smtClean="0">
-                              <a:latin typeface="Cambria Math" panose="02040503050406030204" pitchFamily="18" charset="0"/>
-                            </a:rPr>
-                            <m:t>𝜙</m:t>
-                          </m:r>
-                        </m:e>
-                        <m:sub>
-                          <m:r>
-                            <a:rPr lang="en-US" b="0" i="1" smtClean="0">
-                              <a:latin typeface="Cambria Math" panose="02040503050406030204" pitchFamily="18" charset="0"/>
-                            </a:rPr>
-                            <m:t>0</m:t>
-                          </m:r>
-                        </m:sub>
-                      </m:sSub>
-                      <m:r>
-                        <a:rPr lang="en-US" b="0" i="1" smtClean="0">
-                          <a:latin typeface="Cambria Math" panose="02040503050406030204" pitchFamily="18" charset="0"/>
-                        </a:rPr>
-                        <m:t>+</m:t>
-                      </m:r>
-                      <m:nary>
-                        <m:naryPr>
-                          <m:chr m:val="∑"/>
-                          <m:ctrlPr>
-                            <a:rPr lang="en-US" b="0" i="1" smtClean="0">
-                              <a:latin typeface="Cambria Math" panose="02040503050406030204" pitchFamily="18" charset="0"/>
-                            </a:rPr>
-                          </m:ctrlPr>
-                        </m:naryPr>
-                        <m:sub>
-                          <m:r>
-                            <a:rPr lang="en-US" b="0" i="1" smtClean="0">
-                              <a:latin typeface="Cambria Math" panose="02040503050406030204" pitchFamily="18" charset="0"/>
-                            </a:rPr>
-                            <m:t>𝑖</m:t>
-                          </m:r>
-                          <m:r>
-                            <a:rPr lang="en-US" b="0" i="1" smtClean="0">
-                              <a:latin typeface="Cambria Math" panose="02040503050406030204" pitchFamily="18" charset="0"/>
-                            </a:rPr>
-                            <m:t>=1</m:t>
-                          </m:r>
-                        </m:sub>
-                        <m:sup>
-                          <m:r>
-                            <a:rPr lang="en-US" b="0" i="1" smtClean="0">
-                              <a:latin typeface="Cambria Math" panose="02040503050406030204" pitchFamily="18" charset="0"/>
-                            </a:rPr>
-                            <m:t>𝑀</m:t>
-                          </m:r>
-                        </m:sup>
-                        <m:e>
-                          <m:sSub>
-                            <m:sSubPr>
-                              <m:ctrlPr>
-                                <a:rPr lang="en-US" b="0" i="1" smtClean="0">
-                                  <a:latin typeface="Cambria Math" panose="02040503050406030204" pitchFamily="18" charset="0"/>
-                                </a:rPr>
-                              </m:ctrlPr>
-                            </m:sSubPr>
-                            <m:e>
-                              <m:r>
-                                <a:rPr lang="en-US" b="0" i="1" smtClean="0">
-                                  <a:latin typeface="Cambria Math" panose="02040503050406030204" pitchFamily="18" charset="0"/>
-                                </a:rPr>
-                                <m:t>𝜙</m:t>
-                              </m:r>
-                            </m:e>
-                            <m:sub>
-                              <m:r>
-                                <a:rPr lang="en-US" b="0" i="1" smtClean="0">
-                                  <a:latin typeface="Cambria Math" panose="02040503050406030204" pitchFamily="18" charset="0"/>
-                                </a:rPr>
-                                <m:t>𝑖</m:t>
-                              </m:r>
-                            </m:sub>
-                          </m:sSub>
-                          <m:sSubSup>
-                            <m:sSubSupPr>
-                              <m:ctrlPr>
-                                <a:rPr lang="en-US" b="0" i="1" smtClean="0">
-                                  <a:latin typeface="Cambria Math" panose="02040503050406030204" pitchFamily="18" charset="0"/>
-                                </a:rPr>
-                              </m:ctrlPr>
-                            </m:sSubSupPr>
-                            <m:e>
-                              <m:r>
-                                <a:rPr lang="en-US" b="0" i="1" smtClean="0">
-                                  <a:latin typeface="Cambria Math" panose="02040503050406030204" pitchFamily="18" charset="0"/>
-                                </a:rPr>
-                                <m:t>𝑥</m:t>
-                              </m:r>
-                            </m:e>
-                            <m:sub>
-                              <m:r>
-                                <a:rPr lang="en-US" b="0" i="1" smtClean="0">
-                                  <a:latin typeface="Cambria Math" panose="02040503050406030204" pitchFamily="18" charset="0"/>
-                                </a:rPr>
-                                <m:t>𝑖</m:t>
-                              </m:r>
-                            </m:sub>
-                            <m:sup>
-                              <m:r>
-                                <a:rPr lang="en-US" b="0" i="1" smtClean="0">
-                                  <a:latin typeface="Cambria Math" panose="02040503050406030204" pitchFamily="18" charset="0"/>
-                                </a:rPr>
-                                <m:t>′</m:t>
-                              </m:r>
-                            </m:sup>
-                          </m:sSubSup>
-                        </m:e>
-                      </m:nary>
-                    </m:oMath>
-                  </m:oMathPara>
-                </a14:m>
-                <a:endParaRPr lang="en-US" dirty="0"/>
-              </a:p>
-            </p:txBody>
-          </p:sp>
-        </mc:Choice>
-        <mc:Fallback xmlns="">
-          <p:sp>
-            <p:nvSpPr>
-              <p:cNvPr id="2" name="TextBox 1">
-                <a:extLst>
-                  <a:ext uri="{FF2B5EF4-FFF2-40B4-BE49-F238E27FC236}">
-                    <a16:creationId xmlns:a16="http://schemas.microsoft.com/office/drawing/2014/main" id="{6EA4298D-5F44-BED8-C658-600C737FDBA5}"/>
-                  </a:ext>
-                </a:extLst>
-              </p:cNvPr>
-              <p:cNvSpPr txBox="1">
-                <a:spLocks noRot="1" noChangeAspect="1" noMove="1" noResize="1" noEditPoints="1" noAdjustHandles="1" noChangeArrowheads="1" noChangeShapeType="1" noTextEdit="1"/>
-              </p:cNvSpPr>
-              <p:nvPr/>
-            </p:nvSpPr>
-            <p:spPr>
-              <a:xfrm>
-                <a:off x="3545764" y="1886205"/>
-                <a:ext cx="1737078" cy="605807"/>
-              </a:xfrm>
-              <a:prstGeom prst="rect">
-                <a:avLst/>
-              </a:prstGeom>
-              <a:blipFill>
-                <a:blip r:embed="rId5"/>
-                <a:stretch>
-                  <a:fillRect/>
-                </a:stretch>
-              </a:blipFill>
-            </p:spPr>
-            <p:txBody>
-              <a:bodyPr/>
-              <a:lstStyle/>
-              <a:p>
-                <a:r>
-                  <a:rPr lang="en-US">
-                    <a:noFill/>
-                  </a:rPr>
-                  <a:t> </a:t>
-                </a:r>
-              </a:p>
-            </p:txBody>
-          </p:sp>
-        </mc:Fallback>
-      </mc:AlternateContent>
-      <mc:AlternateContent xmlns:mc="http://schemas.openxmlformats.org/markup-compatibility/2006" xmlns:a14="http://schemas.microsoft.com/office/drawing/2010/main">
-        <mc:Choice Requires="a14">
-          <p:sp>
-            <p:nvSpPr>
-              <p:cNvPr id="7" name="TextBox 6">
-                <a:extLst>
-                  <a:ext uri="{FF2B5EF4-FFF2-40B4-BE49-F238E27FC236}">
-                    <a16:creationId xmlns:a16="http://schemas.microsoft.com/office/drawing/2014/main" id="{747E3D42-0B81-C07C-1DCB-B0A1467D0262}"/>
-                  </a:ext>
-                </a:extLst>
-              </p:cNvPr>
-              <p:cNvSpPr txBox="1"/>
-              <p:nvPr/>
-            </p:nvSpPr>
-            <p:spPr>
-              <a:xfrm>
-                <a:off x="3545764" y="2481815"/>
-                <a:ext cx="4023024" cy="630173"/>
-              </a:xfrm>
-              <a:prstGeom prst="rect">
-                <a:avLst/>
-              </a:prstGeom>
-              <a:noFill/>
-            </p:spPr>
-            <p:txBody>
-              <a:bodyPr wrap="none" lIns="0" tIns="0" rIns="0" bIns="0" rtlCol="0">
-                <a:spAutoFit/>
-              </a:bodyPr>
-              <a:lstStyle/>
-              <a:p>
-                <a:pPr/>
-                <a14:m>
-                  <m:oMathPara xmlns:m="http://schemas.openxmlformats.org/officeDocument/2006/math">
-                    <m:oMathParaPr>
-                      <m:jc m:val="centerGroup"/>
-                    </m:oMathParaPr>
-                    <m:oMath xmlns:m="http://schemas.openxmlformats.org/officeDocument/2006/math">
-                      <m:acc>
-                        <m:accPr>
-                          <m:chr m:val="̂"/>
-                          <m:ctrlPr>
-                            <a:rPr lang="en-US" i="1" smtClean="0">
-                              <a:latin typeface="Cambria Math" panose="02040503050406030204" pitchFamily="18" charset="0"/>
-                            </a:rPr>
-                          </m:ctrlPr>
-                        </m:accPr>
-                        <m:e>
-                          <m:r>
-                            <a:rPr lang="en-US" i="1">
-                              <a:latin typeface="Cambria Math" panose="02040503050406030204" pitchFamily="18" charset="0"/>
-                            </a:rPr>
-                            <m:t>𝑓</m:t>
-                          </m:r>
-                        </m:e>
-                      </m:acc>
-                      <m:d>
-                        <m:dPr>
-                          <m:ctrlPr>
-                            <a:rPr lang="en-US" i="1">
-                              <a:latin typeface="Cambria Math" panose="02040503050406030204" pitchFamily="18" charset="0"/>
-                            </a:rPr>
-                          </m:ctrlPr>
-                        </m:dPr>
-                        <m:e>
-                          <m:r>
-                            <a:rPr lang="en-US" i="1">
-                              <a:latin typeface="Cambria Math" panose="02040503050406030204" pitchFamily="18" charset="0"/>
-                            </a:rPr>
-                            <m:t>𝑥</m:t>
-                          </m:r>
-                        </m:e>
-                      </m:d>
-                      <m:r>
-                        <a:rPr lang="en-US" b="0" i="1" smtClean="0">
-                          <a:latin typeface="Cambria Math" panose="02040503050406030204" pitchFamily="18" charset="0"/>
-                        </a:rPr>
-                        <m:t>=</m:t>
-                      </m:r>
-                      <m:r>
-                        <a:rPr lang="en-US" b="0" i="1" smtClean="0">
-                          <a:latin typeface="Cambria Math" panose="02040503050406030204" pitchFamily="18" charset="0"/>
-                        </a:rPr>
-                        <m:t>𝑔</m:t>
-                      </m:r>
-                      <m:d>
-                        <m:dPr>
-                          <m:ctrlPr>
-                            <a:rPr lang="en-US" b="0" i="1" smtClean="0">
-                              <a:latin typeface="Cambria Math" panose="02040503050406030204" pitchFamily="18" charset="0"/>
-                            </a:rPr>
-                          </m:ctrlPr>
-                        </m:dPr>
-                        <m:e>
-                          <m:sSup>
-                            <m:sSupPr>
-                              <m:ctrlPr>
-                                <a:rPr lang="en-US" b="0" i="1" smtClean="0">
-                                  <a:latin typeface="Cambria Math" panose="02040503050406030204" pitchFamily="18" charset="0"/>
-                                </a:rPr>
-                              </m:ctrlPr>
-                            </m:sSupPr>
-                            <m:e>
-                              <m:r>
-                                <a:rPr lang="en-US" b="0" i="1" smtClean="0">
-                                  <a:latin typeface="Cambria Math" panose="02040503050406030204" pitchFamily="18" charset="0"/>
-                                </a:rPr>
-                                <m:t>𝑥</m:t>
-                              </m:r>
-                            </m:e>
-                            <m:sup>
-                              <m:r>
-                                <a:rPr lang="en-US" b="0" i="1" smtClean="0">
-                                  <a:latin typeface="Cambria Math" panose="02040503050406030204" pitchFamily="18" charset="0"/>
-                                </a:rPr>
-                                <m:t>′</m:t>
-                              </m:r>
-                            </m:sup>
-                          </m:sSup>
-                        </m:e>
-                      </m:d>
-                      <m:r>
-                        <a:rPr lang="en-US" b="0" i="1" smtClean="0">
-                          <a:latin typeface="Cambria Math" panose="02040503050406030204" pitchFamily="18" charset="0"/>
-                        </a:rPr>
-                        <m:t>=</m:t>
-                      </m:r>
-                      <m:sSub>
-                        <m:sSubPr>
-                          <m:ctrlPr>
-                            <a:rPr lang="en-US" b="0" i="1" smtClean="0">
-                              <a:latin typeface="Cambria Math" panose="02040503050406030204" pitchFamily="18" charset="0"/>
-                            </a:rPr>
-                          </m:ctrlPr>
-                        </m:sSubPr>
-                        <m:e>
-                          <m:r>
-                            <a:rPr lang="en-US" b="0" i="1" smtClean="0">
-                              <a:latin typeface="Cambria Math" panose="02040503050406030204" pitchFamily="18" charset="0"/>
-                            </a:rPr>
-                            <m:t>𝜙</m:t>
-                          </m:r>
-                        </m:e>
-                        <m:sub>
-                          <m:r>
-                            <a:rPr lang="en-US" b="0" i="1" smtClean="0">
-                              <a:latin typeface="Cambria Math" panose="02040503050406030204" pitchFamily="18" charset="0"/>
-                            </a:rPr>
-                            <m:t>0</m:t>
-                          </m:r>
-                        </m:sub>
-                      </m:sSub>
-                      <m:r>
-                        <a:rPr lang="en-US" b="0" i="1" smtClean="0">
-                          <a:latin typeface="Cambria Math" panose="02040503050406030204" pitchFamily="18" charset="0"/>
-                        </a:rPr>
-                        <m:t>+</m:t>
-                      </m:r>
-                      <m:nary>
-                        <m:naryPr>
-                          <m:chr m:val="∑"/>
-                          <m:ctrlPr>
-                            <a:rPr lang="en-US" b="0" i="1" smtClean="0">
-                              <a:latin typeface="Cambria Math" panose="02040503050406030204" pitchFamily="18" charset="0"/>
-                            </a:rPr>
-                          </m:ctrlPr>
-                        </m:naryPr>
-                        <m:sub>
-                          <m:r>
-                            <a:rPr lang="en-US" b="0" i="1" smtClean="0">
-                              <a:latin typeface="Cambria Math" panose="02040503050406030204" pitchFamily="18" charset="0"/>
-                            </a:rPr>
-                            <m:t>𝑖</m:t>
-                          </m:r>
-                          <m:r>
-                            <a:rPr lang="en-US" b="0" i="1" smtClean="0">
-                              <a:latin typeface="Cambria Math" panose="02040503050406030204" pitchFamily="18" charset="0"/>
-                            </a:rPr>
-                            <m:t>=1</m:t>
-                          </m:r>
-                        </m:sub>
-                        <m:sup>
-                          <m:r>
-                            <a:rPr lang="en-US" b="0" i="1" smtClean="0">
-                              <a:latin typeface="Cambria Math" panose="02040503050406030204" pitchFamily="18" charset="0"/>
-                            </a:rPr>
-                            <m:t>𝑀</m:t>
-                          </m:r>
-                        </m:sup>
-                        <m:e>
-                          <m:sSub>
-                            <m:sSubPr>
-                              <m:ctrlPr>
-                                <a:rPr lang="en-US" b="0" i="1" smtClean="0">
-                                  <a:latin typeface="Cambria Math" panose="02040503050406030204" pitchFamily="18" charset="0"/>
-                                </a:rPr>
-                              </m:ctrlPr>
-                            </m:sSubPr>
-                            <m:e>
-                              <m:r>
-                                <a:rPr lang="en-US" b="0" i="1" smtClean="0">
-                                  <a:latin typeface="Cambria Math" panose="02040503050406030204" pitchFamily="18" charset="0"/>
-                                </a:rPr>
-                                <m:t>𝜙</m:t>
-                              </m:r>
-                            </m:e>
-                            <m:sub>
-                              <m:r>
-                                <a:rPr lang="en-US" b="0" i="1" smtClean="0">
-                                  <a:latin typeface="Cambria Math" panose="02040503050406030204" pitchFamily="18" charset="0"/>
-                                </a:rPr>
-                                <m:t>𝑖</m:t>
-                              </m:r>
-                            </m:sub>
-                          </m:sSub>
-                          <m:sSubSup>
-                            <m:sSubSupPr>
-                              <m:ctrlPr>
-                                <a:rPr lang="en-US" b="0" i="1" smtClean="0">
-                                  <a:latin typeface="Cambria Math" panose="02040503050406030204" pitchFamily="18" charset="0"/>
-                                </a:rPr>
-                              </m:ctrlPr>
-                            </m:sSubSupPr>
-                            <m:e>
-                              <m:r>
-                                <a:rPr lang="en-US" b="0" i="1" smtClean="0">
-                                  <a:latin typeface="Cambria Math" panose="02040503050406030204" pitchFamily="18" charset="0"/>
-                                </a:rPr>
-                                <m:t>𝑥</m:t>
-                              </m:r>
-                            </m:e>
-                            <m:sub>
-                              <m:r>
-                                <a:rPr lang="en-US" b="0" i="1" smtClean="0">
-                                  <a:latin typeface="Cambria Math" panose="02040503050406030204" pitchFamily="18" charset="0"/>
-                                </a:rPr>
-                                <m:t>𝑖</m:t>
-                              </m:r>
-                            </m:sub>
-                            <m:sup>
-                              <m:r>
-                                <a:rPr lang="en-US" b="0" i="1" smtClean="0">
-                                  <a:latin typeface="Cambria Math" panose="02040503050406030204" pitchFamily="18" charset="0"/>
-                                </a:rPr>
-                                <m:t>′</m:t>
-                              </m:r>
-                            </m:sup>
-                          </m:sSubSup>
-                        </m:e>
-                      </m:nary>
-                      <m:r>
-                        <a:rPr lang="en-US" b="0" i="1" smtClean="0">
-                          <a:latin typeface="Cambria Math" panose="02040503050406030204" pitchFamily="18" charset="0"/>
-                        </a:rPr>
-                        <m:t>=</m:t>
-                      </m:r>
-                      <m:sSub>
-                        <m:sSubPr>
-                          <m:ctrlPr>
-                            <a:rPr lang="en-US" i="1">
-                              <a:latin typeface="Cambria Math" panose="02040503050406030204" pitchFamily="18" charset="0"/>
-                            </a:rPr>
-                          </m:ctrlPr>
-                        </m:sSubPr>
-                        <m:e>
-                          <m:r>
-                            <a:rPr lang="en-US" i="1">
-                              <a:latin typeface="Cambria Math" panose="02040503050406030204" pitchFamily="18" charset="0"/>
-                            </a:rPr>
-                            <m:t>𝔼</m:t>
-                          </m:r>
-                        </m:e>
-                        <m:sub>
-                          <m:r>
-                            <a:rPr lang="en-US" i="1">
-                              <a:latin typeface="Cambria Math" panose="02040503050406030204" pitchFamily="18" charset="0"/>
-                            </a:rPr>
-                            <m:t>𝑋</m:t>
-                          </m:r>
-                        </m:sub>
-                      </m:sSub>
-                      <m:d>
-                        <m:dPr>
-                          <m:ctrlPr>
-                            <a:rPr lang="en-US" i="1">
-                              <a:latin typeface="Cambria Math" panose="02040503050406030204" pitchFamily="18" charset="0"/>
-                            </a:rPr>
-                          </m:ctrlPr>
-                        </m:dPr>
-                        <m:e>
-                          <m:acc>
-                            <m:accPr>
-                              <m:chr m:val="̅"/>
-                              <m:ctrlPr>
-                                <a:rPr lang="en-US" i="1">
-                                  <a:latin typeface="Cambria Math" panose="02040503050406030204" pitchFamily="18" charset="0"/>
-                                </a:rPr>
-                              </m:ctrlPr>
-                            </m:accPr>
-                            <m:e>
-                              <m:r>
-                                <a:rPr lang="en-US" i="1">
-                                  <a:latin typeface="Cambria Math" panose="02040503050406030204" pitchFamily="18" charset="0"/>
-                                </a:rPr>
-                                <m:t>𝑓</m:t>
-                              </m:r>
-                            </m:e>
-                          </m:acc>
-                          <m:d>
-                            <m:dPr>
-                              <m:ctrlPr>
-                                <a:rPr lang="en-US" i="1">
-                                  <a:latin typeface="Cambria Math" panose="02040503050406030204" pitchFamily="18" charset="0"/>
-                                </a:rPr>
-                              </m:ctrlPr>
-                            </m:dPr>
-                            <m:e>
-                              <m:r>
-                                <a:rPr lang="en-US" i="1">
-                                  <a:latin typeface="Cambria Math" panose="02040503050406030204" pitchFamily="18" charset="0"/>
-                                </a:rPr>
-                                <m:t>𝑋</m:t>
-                              </m:r>
-                            </m:e>
-                          </m:d>
-                        </m:e>
-                      </m:d>
-                      <m:r>
-                        <a:rPr lang="en-US" i="1">
-                          <a:latin typeface="Cambria Math" panose="02040503050406030204" pitchFamily="18" charset="0"/>
-                        </a:rPr>
-                        <m:t>+</m:t>
-                      </m:r>
-                      <m:nary>
-                        <m:naryPr>
-                          <m:chr m:val="∑"/>
-                          <m:ctrlPr>
-                            <a:rPr lang="en-US" i="1">
-                              <a:latin typeface="Cambria Math" panose="02040503050406030204" pitchFamily="18" charset="0"/>
-                            </a:rPr>
-                          </m:ctrlPr>
-                        </m:naryPr>
-                        <m:sub>
-                          <m:r>
-                            <a:rPr lang="en-US" i="1">
-                              <a:latin typeface="Cambria Math" panose="02040503050406030204" pitchFamily="18" charset="0"/>
-                            </a:rPr>
-                            <m:t>𝑗</m:t>
-                          </m:r>
-                          <m:r>
-                            <a:rPr lang="en-US" i="1">
-                              <a:latin typeface="Cambria Math" panose="02040503050406030204" pitchFamily="18" charset="0"/>
-                            </a:rPr>
-                            <m:t>=1</m:t>
-                          </m:r>
-                        </m:sub>
-                        <m:sup>
-                          <m:r>
-                            <a:rPr lang="en-US" i="1">
-                              <a:latin typeface="Cambria Math" panose="02040503050406030204" pitchFamily="18" charset="0"/>
-                            </a:rPr>
-                            <m:t>𝑀</m:t>
-                          </m:r>
-                        </m:sup>
-                        <m:e>
-                          <m:sSub>
-                            <m:sSubPr>
-                              <m:ctrlPr>
-                                <a:rPr lang="en-US" i="1">
-                                  <a:latin typeface="Cambria Math" panose="02040503050406030204" pitchFamily="18" charset="0"/>
-                                </a:rPr>
-                              </m:ctrlPr>
-                            </m:sSubPr>
-                            <m:e>
-                              <m:r>
-                                <a:rPr lang="en-US" i="1">
-                                  <a:latin typeface="Cambria Math" panose="02040503050406030204" pitchFamily="18" charset="0"/>
-                                </a:rPr>
-                                <m:t>𝜙</m:t>
-                              </m:r>
-                            </m:e>
-                            <m:sub>
-                              <m:r>
-                                <a:rPr lang="en-US" i="1">
-                                  <a:latin typeface="Cambria Math" panose="02040503050406030204" pitchFamily="18" charset="0"/>
-                                </a:rPr>
-                                <m:t>𝑗</m:t>
-                              </m:r>
-                            </m:sub>
-                          </m:sSub>
-                        </m:e>
-                      </m:nary>
-                    </m:oMath>
-                  </m:oMathPara>
-                </a14:m>
-                <a:endParaRPr lang="en-US" dirty="0"/>
-              </a:p>
-            </p:txBody>
-          </p:sp>
-        </mc:Choice>
-        <mc:Fallback xmlns="">
-          <p:sp>
-            <p:nvSpPr>
-              <p:cNvPr id="7" name="TextBox 6">
-                <a:extLst>
-                  <a:ext uri="{FF2B5EF4-FFF2-40B4-BE49-F238E27FC236}">
-                    <a16:creationId xmlns:a16="http://schemas.microsoft.com/office/drawing/2014/main" id="{747E3D42-0B81-C07C-1DCB-B0A1467D0262}"/>
-                  </a:ext>
-                </a:extLst>
-              </p:cNvPr>
-              <p:cNvSpPr txBox="1">
-                <a:spLocks noRot="1" noChangeAspect="1" noMove="1" noResize="1" noEditPoints="1" noAdjustHandles="1" noChangeArrowheads="1" noChangeShapeType="1" noTextEdit="1"/>
-              </p:cNvSpPr>
-              <p:nvPr/>
-            </p:nvSpPr>
-            <p:spPr>
-              <a:xfrm>
-                <a:off x="3545764" y="2481815"/>
-                <a:ext cx="4023024" cy="630173"/>
-              </a:xfrm>
-              <a:prstGeom prst="rect">
-                <a:avLst/>
-              </a:prstGeom>
-              <a:blipFill>
-                <a:blip r:embed="rId6"/>
-                <a:stretch>
-                  <a:fillRect b="-971"/>
-                </a:stretch>
-              </a:blipFill>
-            </p:spPr>
-            <p:txBody>
-              <a:bodyPr/>
-              <a:lstStyle/>
-              <a:p>
-                <a:r>
-                  <a:rPr lang="en-US">
-                    <a:noFill/>
-                  </a:rPr>
-                  <a:t> </a:t>
-                </a:r>
-              </a:p>
-            </p:txBody>
-          </p:sp>
-        </mc:Fallback>
-      </mc:AlternateContent>
-      <mc:AlternateContent xmlns:mc="http://schemas.openxmlformats.org/markup-compatibility/2006" xmlns:a14="http://schemas.microsoft.com/office/drawing/2010/main">
-        <mc:Choice Requires="a14">
-          <p:sp>
-            <p:nvSpPr>
-              <p:cNvPr id="4" name="TextBox 3">
-                <a:extLst>
-                  <a:ext uri="{FF2B5EF4-FFF2-40B4-BE49-F238E27FC236}">
-                    <a16:creationId xmlns:a16="http://schemas.microsoft.com/office/drawing/2014/main" id="{2F8B6BD0-1622-FAA3-3D92-A63F9A8B4964}"/>
-                  </a:ext>
-                </a:extLst>
-              </p:cNvPr>
-              <p:cNvSpPr txBox="1"/>
-              <p:nvPr/>
-            </p:nvSpPr>
-            <p:spPr>
-              <a:xfrm>
-                <a:off x="723960" y="3286166"/>
-                <a:ext cx="8000940" cy="1223412"/>
-              </a:xfrm>
-              <a:prstGeom prst="rect">
-                <a:avLst/>
-              </a:prstGeom>
-              <a:noFill/>
-            </p:spPr>
-            <p:txBody>
-              <a:bodyPr wrap="square">
-                <a:spAutoFit/>
-              </a:bodyPr>
-              <a:lstStyle/>
-              <a:p>
-                <a:pPr algn="just"/>
-                <a:r>
-                  <a:rPr lang="en-US" sz="1200" i="1" dirty="0">
-                    <a:latin typeface="Amasis MT Pro Medium" panose="02040604050005020304" pitchFamily="18" charset="0"/>
-                    <a:ea typeface="CMU Serif Roman" panose="02000603000000000000" pitchFamily="2" charset="0"/>
-                    <a:cs typeface="CMU Serif Roman" panose="02000603000000000000" pitchFamily="2" charset="0"/>
-                  </a:rPr>
-                  <a:t>Property 2.</a:t>
-                </a:r>
-                <a:r>
-                  <a:rPr lang="en-US" sz="1100" i="1" dirty="0">
-                    <a:latin typeface="Amasis MT Pro Medium" panose="02040604050005020304" pitchFamily="18" charset="0"/>
-                    <a:ea typeface="CMU Serif Roman" panose="02000603000000000000" pitchFamily="2" charset="0"/>
-                    <a:cs typeface="CMU Serif Roman" panose="02000603000000000000" pitchFamily="2" charset="0"/>
-                  </a:rPr>
-                  <a:t> </a:t>
-                </a:r>
-                <a:r>
-                  <a:rPr lang="en-US" sz="1100" b="1" dirty="0">
-                    <a:latin typeface="Montserrat" panose="00000500000000000000" pitchFamily="2" charset="0"/>
-                    <a:ea typeface="CMU Serif Roman" panose="02000603000000000000" pitchFamily="2" charset="0"/>
-                    <a:cs typeface="CMU Serif Roman" panose="02000603000000000000" pitchFamily="2" charset="0"/>
-                  </a:rPr>
-                  <a:t>Missingness</a:t>
-                </a:r>
-              </a:p>
-              <a:p>
-                <a:pPr algn="just"/>
-                <a:r>
-                  <a:rPr lang="en-US" sz="1200" dirty="0">
-                    <a:latin typeface="Amasis MT Pro Medium" panose="02040604050005020304" pitchFamily="18" charset="0"/>
-                    <a:ea typeface="CMU Serif Roman" panose="02000603000000000000" pitchFamily="2" charset="0"/>
-                    <a:cs typeface="CMU Serif Roman" panose="02000603000000000000" pitchFamily="2" charset="0"/>
-                  </a:rPr>
-                  <a:t>The Missingness property enforces that </a:t>
-                </a:r>
-                <a:r>
-                  <a:rPr lang="en-US" sz="1200" u="sng" dirty="0">
-                    <a:latin typeface="Amasis MT Pro Medium" panose="02040604050005020304" pitchFamily="18" charset="0"/>
-                    <a:ea typeface="CMU Serif Roman" panose="02000603000000000000" pitchFamily="2" charset="0"/>
-                    <a:cs typeface="CMU Serif Roman" panose="02000603000000000000" pitchFamily="2" charset="0"/>
-                  </a:rPr>
-                  <a:t>missing features get a Shapley value of 0</a:t>
-                </a:r>
-                <a:r>
-                  <a:rPr lang="en-US" sz="1200" dirty="0">
-                    <a:latin typeface="Amasis MT Pro Medium" panose="02040604050005020304" pitchFamily="18" charset="0"/>
-                    <a:ea typeface="CMU Serif Roman" panose="02000603000000000000" pitchFamily="2" charset="0"/>
-                    <a:cs typeface="CMU Serif Roman" panose="02000603000000000000" pitchFamily="2" charset="0"/>
-                  </a:rPr>
-                  <a:t>.</a:t>
-                </a:r>
-              </a:p>
-              <a:p>
-                <a:pPr algn="just"/>
-                <a:endParaRPr lang="en-US" sz="1200" dirty="0">
-                  <a:latin typeface="Amasis MT Pro Medium" panose="02040604050005020304" pitchFamily="18" charset="0"/>
-                  <a:ea typeface="CMU Serif Roman" panose="02000603000000000000" pitchFamily="2" charset="0"/>
-                  <a:cs typeface="CMU Serif Roman" panose="02000603000000000000" pitchFamily="2" charset="0"/>
-                </a:endParaRPr>
-              </a:p>
-              <a:p>
-                <a:pPr algn="just"/>
-                <a:r>
-                  <a:rPr lang="en-US" sz="1200" dirty="0">
-                    <a:latin typeface="Amasis MT Pro Medium" panose="02040604050005020304" pitchFamily="18" charset="0"/>
-                    <a:ea typeface="CMU Serif Roman" panose="02000603000000000000" pitchFamily="2" charset="0"/>
-                    <a:cs typeface="CMU Serif Roman" panose="02000603000000000000" pitchFamily="2" charset="0"/>
-                  </a:rPr>
-                  <a:t>This property is not among the properties of the </a:t>
-                </a:r>
-                <a:r>
-                  <a:rPr lang="en-US" sz="1200" i="1" dirty="0">
-                    <a:latin typeface="Amasis MT Pro Medium" panose="02040604050005020304" pitchFamily="18" charset="0"/>
-                    <a:ea typeface="CMU Serif Roman" panose="02000603000000000000" pitchFamily="2" charset="0"/>
-                    <a:cs typeface="CMU Serif Roman" panose="02000603000000000000" pitchFamily="2" charset="0"/>
-                  </a:rPr>
-                  <a:t>normal </a:t>
-                </a:r>
-                <a:r>
-                  <a:rPr lang="en-US" sz="1200" dirty="0">
-                    <a:latin typeface="Amasis MT Pro Medium" panose="02040604050005020304" pitchFamily="18" charset="0"/>
-                    <a:ea typeface="CMU Serif Roman" panose="02000603000000000000" pitchFamily="2" charset="0"/>
-                    <a:cs typeface="CMU Serif Roman" panose="02000603000000000000" pitchFamily="2" charset="0"/>
-                  </a:rPr>
-                  <a:t>Shapley values. So </a:t>
-                </a:r>
-                <a:r>
-                  <a:rPr lang="en-US" sz="1200" u="sng" dirty="0">
-                    <a:latin typeface="Amasis MT Pro Medium" panose="02040604050005020304" pitchFamily="18" charset="0"/>
-                    <a:ea typeface="CMU Serif Roman" panose="02000603000000000000" pitchFamily="2" charset="0"/>
-                    <a:cs typeface="CMU Serif Roman" panose="02000603000000000000" pitchFamily="2" charset="0"/>
-                  </a:rPr>
-                  <a:t>why do we need it for SHAP? </a:t>
-                </a:r>
-              </a:p>
-              <a:p>
-                <a:pPr algn="just">
-                  <a:tabLst>
-                    <a:tab pos="403225" algn="l"/>
-                  </a:tabLst>
-                </a:pPr>
-                <a:r>
-                  <a:rPr lang="en-US" sz="1200" dirty="0">
-                    <a:latin typeface="Amasis MT Pro Medium" panose="02040604050005020304" pitchFamily="18" charset="0"/>
-                    <a:ea typeface="CMU Serif Roman" panose="02000603000000000000" pitchFamily="2" charset="0"/>
-                    <a:cs typeface="CMU Serif Roman" panose="02000603000000000000" pitchFamily="2" charset="0"/>
-                  </a:rPr>
-                  <a:t>	A missing feature could – in theory – have an arbitrary Shapley value without hurting the local accuracy property, since it is multiplied with </a:t>
-                </a:r>
-                <a14:m>
-                  <m:oMath xmlns:m="http://schemas.openxmlformats.org/officeDocument/2006/math">
-                    <m:sSubSup>
-                      <m:sSubSupPr>
-                        <m:ctrlPr>
-                          <a:rPr lang="en-US" sz="1200" b="1" i="1" dirty="0" smtClean="0">
-                            <a:latin typeface="Cambria Math" panose="02040503050406030204" pitchFamily="18" charset="0"/>
-                            <a:ea typeface="CMU Serif Roman" panose="02000603000000000000" pitchFamily="2" charset="0"/>
-                            <a:cs typeface="CMU Serif Roman" panose="02000603000000000000" pitchFamily="2" charset="0"/>
-                          </a:rPr>
-                        </m:ctrlPr>
-                      </m:sSubSupPr>
-                      <m:e>
-                        <m:r>
-                          <a:rPr lang="en-US" sz="1200" b="1" i="1" dirty="0" smtClean="0">
-                            <a:latin typeface="Cambria Math" panose="02040503050406030204" pitchFamily="18" charset="0"/>
-                            <a:ea typeface="CMU Serif Roman" panose="02000603000000000000" pitchFamily="2" charset="0"/>
-                            <a:cs typeface="CMU Serif Roman" panose="02000603000000000000" pitchFamily="2" charset="0"/>
-                          </a:rPr>
-                          <m:t>𝒙</m:t>
-                        </m:r>
-                      </m:e>
-                      <m:sub>
-                        <m:r>
-                          <a:rPr lang="en-US" sz="1200" b="1" i="1" dirty="0" smtClean="0">
-                            <a:latin typeface="Cambria Math" panose="02040503050406030204" pitchFamily="18" charset="0"/>
-                            <a:ea typeface="CMU Serif Roman" panose="02000603000000000000" pitchFamily="2" charset="0"/>
-                            <a:cs typeface="CMU Serif Roman" panose="02000603000000000000" pitchFamily="2" charset="0"/>
-                          </a:rPr>
-                          <m:t>𝒋</m:t>
-                        </m:r>
-                      </m:sub>
-                      <m:sup>
-                        <m:r>
-                          <a:rPr lang="en-US" sz="1200" b="1" i="1" dirty="0" smtClean="0">
-                            <a:latin typeface="Cambria Math" panose="02040503050406030204" pitchFamily="18" charset="0"/>
-                            <a:ea typeface="CMU Serif Roman" panose="02000603000000000000" pitchFamily="2" charset="0"/>
-                            <a:cs typeface="CMU Serif Roman" panose="02000603000000000000" pitchFamily="2" charset="0"/>
-                          </a:rPr>
-                          <m:t>′</m:t>
-                        </m:r>
-                      </m:sup>
-                    </m:sSubSup>
-                    <m:r>
-                      <a:rPr lang="en-US" sz="1200" b="1" i="1" dirty="0">
-                        <a:latin typeface="Cambria Math" panose="02040503050406030204" pitchFamily="18" charset="0"/>
-                        <a:ea typeface="CMU Serif Roman" panose="02000603000000000000" pitchFamily="2" charset="0"/>
-                        <a:cs typeface="CMU Serif Roman" panose="02000603000000000000" pitchFamily="2" charset="0"/>
-                      </a:rPr>
-                      <m:t>=</m:t>
-                    </m:r>
-                    <m:r>
-                      <a:rPr lang="en-US" sz="1200" b="1" i="1" dirty="0">
-                        <a:latin typeface="Cambria Math" panose="02040503050406030204" pitchFamily="18" charset="0"/>
-                        <a:ea typeface="CMU Serif Roman" panose="02000603000000000000" pitchFamily="2" charset="0"/>
-                        <a:cs typeface="CMU Serif Roman" panose="02000603000000000000" pitchFamily="2" charset="0"/>
-                      </a:rPr>
-                      <m:t>𝟎</m:t>
-                    </m:r>
-                  </m:oMath>
-                </a14:m>
-                <a:r>
-                  <a:rPr lang="en-US" sz="1200" dirty="0">
-                    <a:latin typeface="Amasis MT Pro Medium" panose="02040604050005020304" pitchFamily="18" charset="0"/>
-                    <a:ea typeface="CMU Serif Roman" panose="02000603000000000000" pitchFamily="2" charset="0"/>
-                    <a:cs typeface="CMU Serif Roman" panose="02000603000000000000" pitchFamily="2" charset="0"/>
-                  </a:rPr>
-                  <a:t>. </a:t>
-                </a:r>
-              </a:p>
-            </p:txBody>
-          </p:sp>
-        </mc:Choice>
-        <mc:Fallback xmlns="">
-          <p:sp>
-            <p:nvSpPr>
-              <p:cNvPr id="4" name="TextBox 3">
-                <a:extLst>
-                  <a:ext uri="{FF2B5EF4-FFF2-40B4-BE49-F238E27FC236}">
-                    <a16:creationId xmlns:a16="http://schemas.microsoft.com/office/drawing/2014/main" id="{2F8B6BD0-1622-FAA3-3D92-A63F9A8B4964}"/>
-                  </a:ext>
-                </a:extLst>
-              </p:cNvPr>
-              <p:cNvSpPr txBox="1">
-                <a:spLocks noRot="1" noChangeAspect="1" noMove="1" noResize="1" noEditPoints="1" noAdjustHandles="1" noChangeArrowheads="1" noChangeShapeType="1" noTextEdit="1"/>
-              </p:cNvSpPr>
-              <p:nvPr/>
-            </p:nvSpPr>
-            <p:spPr>
-              <a:xfrm>
-                <a:off x="723960" y="3286166"/>
-                <a:ext cx="8000940" cy="1223412"/>
-              </a:xfrm>
-              <a:prstGeom prst="rect">
-                <a:avLst/>
-              </a:prstGeom>
-              <a:blipFill>
-                <a:blip r:embed="rId7"/>
-                <a:stretch>
-                  <a:fillRect l="-76" b="-995"/>
-                </a:stretch>
-              </a:blipFill>
-            </p:spPr>
-            <p:txBody>
-              <a:bodyPr/>
-              <a:lstStyle/>
-              <a:p>
-                <a:r>
-                  <a:rPr lang="en-US">
-                    <a:noFill/>
-                  </a:rPr>
-                  <a:t> </a:t>
-                </a:r>
-              </a:p>
-            </p:txBody>
-          </p:sp>
-        </mc:Fallback>
-      </mc:AlternateContent>
-    </p:spTree>
-    <p:extLst>
-      <p:ext uri="{BB962C8B-B14F-4D97-AF65-F5344CB8AC3E}">
-        <p14:creationId xmlns:p14="http://schemas.microsoft.com/office/powerpoint/2010/main" val="2926714031"/>
-      </p:ext>
-    </p:extLst>
-  </p:cSld>
-  <p:clrMapOvr>
-    <a:masterClrMapping/>
-  </p:clrMapOvr>
-</p:sld>
-</file>
-
-<file path=ppt/slides/slide4.xml><?xml version="1.0" encoding="utf-8"?>
-<p:sld xmlns:a="http://schemas.openxmlformats.org/drawingml/2006/main" xmlns:r="http://schemas.openxmlformats.org/officeDocument/2006/relationships" xmlns:p="http://schemas.openxmlformats.org/presentationml/2006/main">
-  <p:cSld>
-    <p:bg>
-      <p:bgPr>
-        <a:solidFill>
-          <a:schemeClr val="bg1"/>
-        </a:solidFill>
-        <a:effectLst/>
-      </p:bgPr>
-    </p:bg>
-    <p:spTree>
-      <p:nvGrpSpPr>
-        <p:cNvPr id="1" name=""/>
-        <p:cNvGrpSpPr/>
-        <p:nvPr/>
-      </p:nvGrpSpPr>
-      <p:grpSpPr>
-        <a:xfrm>
-          <a:off x="0" y="0"/>
-          <a:ext cx="0" cy="0"/>
-          <a:chOff x="0" y="0"/>
-          <a:chExt cx="0" cy="0"/>
-        </a:xfrm>
-      </p:grpSpPr>
-      <p:pic>
-        <p:nvPicPr>
-          <p:cNvPr id="3" name="Picture 2">
-            <a:extLst>
-              <a:ext uri="{FF2B5EF4-FFF2-40B4-BE49-F238E27FC236}">
-                <a16:creationId xmlns:a16="http://schemas.microsoft.com/office/drawing/2014/main" id="{46700E87-8086-48A9-8693-D0E60E156A3F}"/>
-              </a:ext>
-            </a:extLst>
-          </p:cNvPr>
-          <p:cNvPicPr>
-            <a:picLocks noChangeAspect="1"/>
-          </p:cNvPicPr>
-          <p:nvPr/>
-        </p:nvPicPr>
-        <p:blipFill rotWithShape="1">
-          <a:blip r:embed="rId3"/>
-          <a:srcRect l="-1939" t="65082" r="1939" b="12904"/>
-          <a:stretch/>
-        </p:blipFill>
-        <p:spPr>
-          <a:xfrm flipH="1">
-            <a:off x="-7088" y="-5779"/>
-            <a:ext cx="9342476" cy="431082"/>
-          </a:xfrm>
-          <a:prstGeom prst="rect">
-            <a:avLst/>
-          </a:prstGeom>
-        </p:spPr>
-      </p:pic>
-      <p:grpSp>
-        <p:nvGrpSpPr>
-          <p:cNvPr id="10" name="Group 9">
-            <a:extLst>
-              <a:ext uri="{FF2B5EF4-FFF2-40B4-BE49-F238E27FC236}">
-                <a16:creationId xmlns:a16="http://schemas.microsoft.com/office/drawing/2014/main" id="{8DDF8A9A-450D-4521-82DF-2DD77E890AB9}"/>
-              </a:ext>
-            </a:extLst>
-          </p:cNvPr>
-          <p:cNvGrpSpPr/>
-          <p:nvPr/>
-        </p:nvGrpSpPr>
-        <p:grpSpPr>
-          <a:xfrm>
-            <a:off x="-591509" y="4803813"/>
-            <a:ext cx="9919809" cy="339687"/>
-            <a:chOff x="-591509" y="4803813"/>
-            <a:chExt cx="9919809" cy="339687"/>
-          </a:xfrm>
-        </p:grpSpPr>
-        <p:pic>
-          <p:nvPicPr>
-            <p:cNvPr id="11" name="Picture 10">
-              <a:extLst>
-                <a:ext uri="{FF2B5EF4-FFF2-40B4-BE49-F238E27FC236}">
-                  <a16:creationId xmlns:a16="http://schemas.microsoft.com/office/drawing/2014/main" id="{AFADB262-AFBC-4F27-8CB1-14B3A8846B0A}"/>
-                </a:ext>
-              </a:extLst>
-            </p:cNvPr>
-            <p:cNvPicPr>
-              <a:picLocks noChangeAspect="1"/>
-            </p:cNvPicPr>
-            <p:nvPr/>
-          </p:nvPicPr>
-          <p:blipFill rotWithShape="1">
-            <a:blip r:embed="rId3"/>
-            <a:srcRect l="-1939" t="65082" r="1939" b="12904"/>
-            <a:stretch/>
-          </p:blipFill>
-          <p:spPr>
-            <a:xfrm flipH="1">
-              <a:off x="-14176" y="4889584"/>
-              <a:ext cx="9342476" cy="253916"/>
-            </a:xfrm>
-            <a:prstGeom prst="rect">
-              <a:avLst/>
-            </a:prstGeom>
-          </p:spPr>
-        </p:pic>
-        <p:sp>
-          <p:nvSpPr>
-            <p:cNvPr id="12" name="Title 1">
-              <a:extLst>
-                <a:ext uri="{FF2B5EF4-FFF2-40B4-BE49-F238E27FC236}">
-                  <a16:creationId xmlns:a16="http://schemas.microsoft.com/office/drawing/2014/main" id="{308218D6-C6AD-4ED5-897D-BDD05FD9B357}"/>
-                </a:ext>
-              </a:extLst>
-            </p:cNvPr>
-            <p:cNvSpPr txBox="1">
-              <a:spLocks/>
-            </p:cNvSpPr>
-            <p:nvPr/>
-          </p:nvSpPr>
-          <p:spPr>
-            <a:xfrm>
-              <a:off x="-591509" y="4817310"/>
-              <a:ext cx="8083610" cy="325191"/>
-            </a:xfrm>
-            <a:prstGeom prst="rect">
-              <a:avLst/>
-            </a:prstGeom>
-          </p:spPr>
-          <p:txBody>
-            <a:bodyPr vert="horz" lIns="91440" tIns="45720" rIns="91440" bIns="45720" rtlCol="0" anchor="b">
-              <a:noAutofit/>
-            </a:bodyPr>
-            <a:lstStyle>
-              <a:lvl1pPr algn="ctr" defTabSz="914400" rtl="0" eaLnBrk="1" latinLnBrk="0" hangingPunct="1">
-                <a:lnSpc>
-                  <a:spcPct val="90000"/>
-                </a:lnSpc>
-                <a:spcBef>
-                  <a:spcPct val="0"/>
-                </a:spcBef>
-                <a:buNone/>
-                <a:defRPr sz="6000" kern="1200">
-                  <a:solidFill>
-                    <a:schemeClr val="tx1"/>
-                  </a:solidFill>
-                  <a:latin typeface="+mj-lt"/>
-                  <a:ea typeface="+mj-ea"/>
-                  <a:cs typeface="+mj-cs"/>
-                </a:defRPr>
-              </a:lvl1pPr>
-            </a:lstStyle>
-            <a:p>
-              <a:r>
-                <a:rPr lang="en-US" sz="900" b="1" dirty="0">
-                  <a:solidFill>
-                    <a:schemeClr val="bg1"/>
-                  </a:solidFill>
-                  <a:latin typeface="Lexend Deca" panose="020B0604020202020204" charset="0"/>
-                  <a:ea typeface="Open Sans ExtraBold" panose="020B0906030804020204" pitchFamily="34" charset="0"/>
-                  <a:cs typeface="Poppins" panose="00000500000000000000" pitchFamily="50" charset="0"/>
-                </a:rPr>
-                <a:t>CLINICAL EPIDEMIOLOGY AND BIOSTATISTICS | </a:t>
-              </a:r>
-              <a:r>
-                <a:rPr lang="en-US" sz="900" dirty="0">
-                  <a:solidFill>
-                    <a:schemeClr val="bg1"/>
-                  </a:solidFill>
-                  <a:latin typeface="Lexend Deca" panose="020B0604020202020204" charset="0"/>
-                  <a:ea typeface="Open Sans ExtraBold" panose="020B0906030804020204" pitchFamily="34" charset="0"/>
-                  <a:cs typeface="Poppins" panose="00000500000000000000" pitchFamily="50" charset="0"/>
-                </a:rPr>
-                <a:t>DATA SCIENCE IN HEALTHCARE AND CLINICAL INFORMATICS</a:t>
-              </a:r>
-            </a:p>
-          </p:txBody>
-        </p:sp>
-        <p:sp>
-          <p:nvSpPr>
-            <p:cNvPr id="13" name="Title 1">
-              <a:extLst>
-                <a:ext uri="{FF2B5EF4-FFF2-40B4-BE49-F238E27FC236}">
-                  <a16:creationId xmlns:a16="http://schemas.microsoft.com/office/drawing/2014/main" id="{9D9AB90A-84B4-462E-9E2B-D2188E8A3C71}"/>
-                </a:ext>
-              </a:extLst>
-            </p:cNvPr>
-            <p:cNvSpPr txBox="1">
-              <a:spLocks/>
-            </p:cNvSpPr>
-            <p:nvPr/>
-          </p:nvSpPr>
-          <p:spPr>
-            <a:xfrm>
-              <a:off x="7910623" y="4803813"/>
-              <a:ext cx="1226289" cy="325191"/>
-            </a:xfrm>
-            <a:prstGeom prst="rect">
-              <a:avLst/>
-            </a:prstGeom>
-          </p:spPr>
-          <p:txBody>
-            <a:bodyPr vert="horz" lIns="91440" tIns="45720" rIns="91440" bIns="45720" rtlCol="0" anchor="b">
-              <a:noAutofit/>
-            </a:bodyPr>
-            <a:lstStyle>
-              <a:lvl1pPr algn="ctr" defTabSz="914400" rtl="0" eaLnBrk="1" latinLnBrk="0" hangingPunct="1">
-                <a:lnSpc>
-                  <a:spcPct val="90000"/>
-                </a:lnSpc>
-                <a:spcBef>
-                  <a:spcPct val="0"/>
-                </a:spcBef>
-                <a:buNone/>
-                <a:defRPr sz="6000" kern="1200">
-                  <a:solidFill>
-                    <a:schemeClr val="tx1"/>
-                  </a:solidFill>
-                  <a:latin typeface="+mj-lt"/>
-                  <a:ea typeface="+mj-ea"/>
-                  <a:cs typeface="+mj-cs"/>
-                </a:defRPr>
-              </a:lvl1pPr>
-            </a:lstStyle>
-            <a:p>
-              <a:r>
-                <a:rPr lang="en-US" sz="900" b="1" dirty="0">
-                  <a:solidFill>
-                    <a:schemeClr val="bg1"/>
-                  </a:solidFill>
-                  <a:latin typeface="Lexend Deca" panose="020B0604020202020204" charset="0"/>
-                  <a:ea typeface="Open Sans ExtraBold" panose="020B0906030804020204" pitchFamily="34" charset="0"/>
-                  <a:cs typeface="Poppins" panose="00000500000000000000" pitchFamily="50" charset="0"/>
-                </a:rPr>
-                <a:t>NOVEMBER </a:t>
-              </a:r>
-              <a:r>
-                <a:rPr lang="en-US" sz="900" dirty="0">
-                  <a:solidFill>
-                    <a:schemeClr val="bg1"/>
-                  </a:solidFill>
-                  <a:latin typeface="Lexend Deca" panose="020B0604020202020204" charset="0"/>
-                  <a:ea typeface="Open Sans ExtraBold" panose="020B0906030804020204" pitchFamily="34" charset="0"/>
-                  <a:cs typeface="Poppins" panose="00000500000000000000" pitchFamily="50" charset="0"/>
-                </a:rPr>
-                <a:t>2022</a:t>
-              </a:r>
-            </a:p>
-          </p:txBody>
-        </p:sp>
-      </p:grpSp>
-      <p:sp>
-        <p:nvSpPr>
-          <p:cNvPr id="14" name="TextBox 13">
-            <a:extLst>
-              <a:ext uri="{FF2B5EF4-FFF2-40B4-BE49-F238E27FC236}">
-                <a16:creationId xmlns:a16="http://schemas.microsoft.com/office/drawing/2014/main" id="{D4452BC4-9C91-4F71-BFF2-3060B60F5201}"/>
-              </a:ext>
-            </a:extLst>
-          </p:cNvPr>
-          <p:cNvSpPr txBox="1"/>
-          <p:nvPr/>
-        </p:nvSpPr>
-        <p:spPr>
-          <a:xfrm>
-            <a:off x="468200" y="877109"/>
-            <a:ext cx="7055675" cy="338554"/>
-          </a:xfrm>
-          <a:prstGeom prst="rect">
-            <a:avLst/>
-          </a:prstGeom>
-          <a:noFill/>
-        </p:spPr>
-        <p:txBody>
-          <a:bodyPr wrap="square">
-            <a:spAutoFit/>
-          </a:bodyPr>
-          <a:lstStyle/>
-          <a:p>
-            <a:pPr algn="just"/>
-            <a:r>
-              <a:rPr lang="en-US" sz="1600" dirty="0">
-                <a:latin typeface="Amasis MT Pro Medium" panose="020B0604020202020204" pitchFamily="18" charset="0"/>
-                <a:ea typeface="CMU Serif Roman" panose="02000603000000000000" pitchFamily="2" charset="0"/>
-                <a:cs typeface="CMU Serif Roman" panose="02000603000000000000" pitchFamily="2" charset="0"/>
-              </a:rPr>
-              <a:t>Properties Uniquely Determine</a:t>
-            </a:r>
-            <a:r>
-              <a:rPr lang="en-US" sz="1600" b="1" dirty="0">
-                <a:latin typeface="Amasis MT Pro Medium" panose="020B0604020202020204" pitchFamily="18" charset="0"/>
-                <a:ea typeface="CMU Serif Roman" panose="02000603000000000000" pitchFamily="2" charset="0"/>
-                <a:cs typeface="CMU Serif Roman" panose="02000603000000000000" pitchFamily="2" charset="0"/>
-              </a:rPr>
-              <a:t> Additive Feature Attributions </a:t>
-            </a:r>
-          </a:p>
-        </p:txBody>
-      </p:sp>
-      <p:sp>
-        <p:nvSpPr>
-          <p:cNvPr id="6" name="TextBox 5">
-            <a:extLst>
-              <a:ext uri="{FF2B5EF4-FFF2-40B4-BE49-F238E27FC236}">
-                <a16:creationId xmlns:a16="http://schemas.microsoft.com/office/drawing/2014/main" id="{E4F6AAE0-6423-A6C8-E61C-515E2FE85713}"/>
-              </a:ext>
-            </a:extLst>
-          </p:cNvPr>
-          <p:cNvSpPr txBox="1"/>
-          <p:nvPr/>
-        </p:nvSpPr>
-        <p:spPr>
-          <a:xfrm>
-            <a:off x="723960" y="1287937"/>
-            <a:ext cx="8000940" cy="646331"/>
-          </a:xfrm>
-          <a:prstGeom prst="rect">
-            <a:avLst/>
-          </a:prstGeom>
-          <a:noFill/>
-        </p:spPr>
-        <p:txBody>
-          <a:bodyPr wrap="square">
-            <a:spAutoFit/>
-          </a:bodyPr>
-          <a:lstStyle/>
-          <a:p>
-            <a:pPr algn="just"/>
-            <a:r>
-              <a:rPr lang="en-US" sz="1200" i="1" dirty="0">
-                <a:latin typeface="Amasis MT Pro Medium" panose="02040604050005020304" pitchFamily="18" charset="0"/>
-                <a:ea typeface="CMU Serif Roman" panose="02000603000000000000" pitchFamily="2" charset="0"/>
-                <a:cs typeface="CMU Serif Roman" panose="02000603000000000000" pitchFamily="2" charset="0"/>
-              </a:rPr>
-              <a:t>Property 3.</a:t>
-            </a:r>
-            <a:r>
-              <a:rPr lang="en-US" sz="1100" i="1" dirty="0">
-                <a:latin typeface="Amasis MT Pro Medium" panose="02040604050005020304" pitchFamily="18" charset="0"/>
-                <a:ea typeface="CMU Serif Roman" panose="02000603000000000000" pitchFamily="2" charset="0"/>
-                <a:cs typeface="CMU Serif Roman" panose="02000603000000000000" pitchFamily="2" charset="0"/>
-              </a:rPr>
-              <a:t> </a:t>
-            </a:r>
-            <a:r>
-              <a:rPr lang="en-US" sz="1100" b="1" dirty="0">
-                <a:latin typeface="Montserrat" panose="00000500000000000000" pitchFamily="2" charset="0"/>
-                <a:ea typeface="CMU Serif Roman" panose="02000603000000000000" pitchFamily="2" charset="0"/>
-                <a:cs typeface="CMU Serif Roman" panose="02000603000000000000" pitchFamily="2" charset="0"/>
-              </a:rPr>
-              <a:t>Consistency</a:t>
-            </a:r>
-          </a:p>
-          <a:p>
-            <a:pPr algn="just"/>
-            <a:r>
-              <a:rPr lang="en-US" sz="1200" dirty="0">
-                <a:latin typeface="Amasis MT Pro Medium" panose="02040604050005020304" pitchFamily="18" charset="0"/>
-                <a:ea typeface="CMU Serif Roman" panose="02000603000000000000" pitchFamily="2" charset="0"/>
-                <a:cs typeface="CMU Serif Roman" panose="02000603000000000000" pitchFamily="2" charset="0"/>
-              </a:rPr>
-              <a:t>The consistency property says that if a model changes so that the marginal contribution of a feature value increases or stays the same (regardless of other features), the Shapley value also increases or stays the same. </a:t>
-            </a:r>
-          </a:p>
-        </p:txBody>
-      </p:sp>
-      <mc:AlternateContent xmlns:mc="http://schemas.openxmlformats.org/markup-compatibility/2006" xmlns:a14="http://schemas.microsoft.com/office/drawing/2010/main">
-        <mc:Choice Requires="a14">
-          <p:sp>
-            <p:nvSpPr>
-              <p:cNvPr id="2" name="TextBox 1">
-                <a:extLst>
-                  <a:ext uri="{FF2B5EF4-FFF2-40B4-BE49-F238E27FC236}">
-                    <a16:creationId xmlns:a16="http://schemas.microsoft.com/office/drawing/2014/main" id="{9E874626-014B-160A-40AC-BADC3736A1D8}"/>
-                  </a:ext>
-                </a:extLst>
-              </p:cNvPr>
-              <p:cNvSpPr txBox="1"/>
-              <p:nvPr/>
-            </p:nvSpPr>
-            <p:spPr>
-              <a:xfrm>
-                <a:off x="3545764" y="1886205"/>
-                <a:ext cx="1737078" cy="605807"/>
-              </a:xfrm>
-              <a:prstGeom prst="rect">
-                <a:avLst/>
-              </a:prstGeom>
-              <a:noFill/>
-            </p:spPr>
-            <p:txBody>
-              <a:bodyPr wrap="none" lIns="0" tIns="0" rIns="0" bIns="0" rtlCol="0">
-                <a:spAutoFit/>
-              </a:bodyPr>
-              <a:lstStyle/>
-              <a:p>
-                <a:pPr/>
-                <a14:m>
-                  <m:oMathPara xmlns:m="http://schemas.openxmlformats.org/officeDocument/2006/math">
-                    <m:oMathParaPr>
-                      <m:jc m:val="centerGroup"/>
-                    </m:oMathParaPr>
-                    <m:oMath xmlns:m="http://schemas.openxmlformats.org/officeDocument/2006/math">
-                      <m:r>
-                        <a:rPr lang="en-US" b="0" i="1" smtClean="0">
-                          <a:latin typeface="Cambria Math" panose="02040503050406030204" pitchFamily="18" charset="0"/>
-                        </a:rPr>
-                        <m:t>𝑔</m:t>
-                      </m:r>
-                      <m:d>
-                        <m:dPr>
-                          <m:ctrlPr>
-                            <a:rPr lang="en-US" b="0" i="1" smtClean="0">
-                              <a:latin typeface="Cambria Math" panose="02040503050406030204" pitchFamily="18" charset="0"/>
-                            </a:rPr>
-                          </m:ctrlPr>
-                        </m:dPr>
-                        <m:e>
-                          <m:sSup>
-                            <m:sSupPr>
-                              <m:ctrlPr>
-                                <a:rPr lang="en-US" b="0" i="1" smtClean="0">
-                                  <a:latin typeface="Cambria Math" panose="02040503050406030204" pitchFamily="18" charset="0"/>
-                                </a:rPr>
-                              </m:ctrlPr>
-                            </m:sSupPr>
-                            <m:e>
-                              <m:r>
-                                <a:rPr lang="en-US" b="0" i="1" smtClean="0">
-                                  <a:latin typeface="Cambria Math" panose="02040503050406030204" pitchFamily="18" charset="0"/>
-                                </a:rPr>
-                                <m:t>𝑥</m:t>
-                              </m:r>
-                            </m:e>
-                            <m:sup>
-                              <m:r>
-                                <a:rPr lang="en-US" b="0" i="1" smtClean="0">
-                                  <a:latin typeface="Cambria Math" panose="02040503050406030204" pitchFamily="18" charset="0"/>
-                                </a:rPr>
-                                <m:t>′</m:t>
-                              </m:r>
-                            </m:sup>
-                          </m:sSup>
-                        </m:e>
-                      </m:d>
-                      <m:r>
-                        <a:rPr lang="en-US" b="0" i="1" smtClean="0">
-                          <a:latin typeface="Cambria Math" panose="02040503050406030204" pitchFamily="18" charset="0"/>
-                        </a:rPr>
-                        <m:t>=</m:t>
-                      </m:r>
-                      <m:sSub>
-                        <m:sSubPr>
-                          <m:ctrlPr>
-                            <a:rPr lang="en-US" b="0" i="1" smtClean="0">
-                              <a:latin typeface="Cambria Math" panose="02040503050406030204" pitchFamily="18" charset="0"/>
-                            </a:rPr>
-                          </m:ctrlPr>
-                        </m:sSubPr>
-                        <m:e>
-                          <m:r>
-                            <a:rPr lang="en-US" b="0" i="1" smtClean="0">
-                              <a:latin typeface="Cambria Math" panose="02040503050406030204" pitchFamily="18" charset="0"/>
-                            </a:rPr>
-                            <m:t>𝜙</m:t>
-                          </m:r>
-                        </m:e>
-                        <m:sub>
-                          <m:r>
-                            <a:rPr lang="en-US" b="0" i="1" smtClean="0">
-                              <a:latin typeface="Cambria Math" panose="02040503050406030204" pitchFamily="18" charset="0"/>
-                            </a:rPr>
-                            <m:t>0</m:t>
-                          </m:r>
-                        </m:sub>
-                      </m:sSub>
-                      <m:r>
-                        <a:rPr lang="en-US" b="0" i="1" smtClean="0">
-                          <a:latin typeface="Cambria Math" panose="02040503050406030204" pitchFamily="18" charset="0"/>
-                        </a:rPr>
-                        <m:t>+</m:t>
-                      </m:r>
-                      <m:nary>
-                        <m:naryPr>
-                          <m:chr m:val="∑"/>
-                          <m:ctrlPr>
-                            <a:rPr lang="en-US" b="0" i="1" smtClean="0">
-                              <a:latin typeface="Cambria Math" panose="02040503050406030204" pitchFamily="18" charset="0"/>
-                            </a:rPr>
-                          </m:ctrlPr>
-                        </m:naryPr>
-                        <m:sub>
-                          <m:r>
-                            <a:rPr lang="en-US" b="0" i="1" smtClean="0">
-                              <a:latin typeface="Cambria Math" panose="02040503050406030204" pitchFamily="18" charset="0"/>
-                            </a:rPr>
-                            <m:t>𝑖</m:t>
-                          </m:r>
-                          <m:r>
-                            <a:rPr lang="en-US" b="0" i="1" smtClean="0">
-                              <a:latin typeface="Cambria Math" panose="02040503050406030204" pitchFamily="18" charset="0"/>
-                            </a:rPr>
-                            <m:t>=1</m:t>
-                          </m:r>
-                        </m:sub>
-                        <m:sup>
-                          <m:r>
-                            <a:rPr lang="en-US" b="0" i="1" smtClean="0">
-                              <a:latin typeface="Cambria Math" panose="02040503050406030204" pitchFamily="18" charset="0"/>
-                            </a:rPr>
-                            <m:t>𝑀</m:t>
-                          </m:r>
-                        </m:sup>
-                        <m:e>
-                          <m:sSub>
-                            <m:sSubPr>
-                              <m:ctrlPr>
-                                <a:rPr lang="en-US" b="0" i="1" smtClean="0">
-                                  <a:latin typeface="Cambria Math" panose="02040503050406030204" pitchFamily="18" charset="0"/>
-                                </a:rPr>
-                              </m:ctrlPr>
-                            </m:sSubPr>
-                            <m:e>
-                              <m:r>
-                                <a:rPr lang="en-US" b="0" i="1" smtClean="0">
-                                  <a:latin typeface="Cambria Math" panose="02040503050406030204" pitchFamily="18" charset="0"/>
-                                </a:rPr>
-                                <m:t>𝜙</m:t>
-                              </m:r>
-                            </m:e>
-                            <m:sub>
-                              <m:r>
-                                <a:rPr lang="en-US" b="0" i="1" smtClean="0">
-                                  <a:latin typeface="Cambria Math" panose="02040503050406030204" pitchFamily="18" charset="0"/>
-                                </a:rPr>
-                                <m:t>𝑖</m:t>
-                              </m:r>
-                            </m:sub>
-                          </m:sSub>
-                          <m:sSubSup>
-                            <m:sSubSupPr>
-                              <m:ctrlPr>
-                                <a:rPr lang="en-US" b="0" i="1" smtClean="0">
-                                  <a:latin typeface="Cambria Math" panose="02040503050406030204" pitchFamily="18" charset="0"/>
-                                </a:rPr>
-                              </m:ctrlPr>
-                            </m:sSubSupPr>
-                            <m:e>
-                              <m:r>
-                                <a:rPr lang="en-US" b="0" i="1" smtClean="0">
-                                  <a:latin typeface="Cambria Math" panose="02040503050406030204" pitchFamily="18" charset="0"/>
-                                </a:rPr>
-                                <m:t>𝑥</m:t>
-                              </m:r>
-                            </m:e>
-                            <m:sub>
-                              <m:r>
-                                <a:rPr lang="en-US" b="0" i="1" smtClean="0">
-                                  <a:latin typeface="Cambria Math" panose="02040503050406030204" pitchFamily="18" charset="0"/>
-                                </a:rPr>
-                                <m:t>𝑖</m:t>
-                              </m:r>
-                            </m:sub>
-                            <m:sup>
-                              <m:r>
-                                <a:rPr lang="en-US" b="0" i="1" smtClean="0">
-                                  <a:latin typeface="Cambria Math" panose="02040503050406030204" pitchFamily="18" charset="0"/>
-                                </a:rPr>
-                                <m:t>′</m:t>
-                              </m:r>
-                            </m:sup>
-                          </m:sSubSup>
-                        </m:e>
-                      </m:nary>
-                    </m:oMath>
-                  </m:oMathPara>
-                </a14:m>
-                <a:endParaRPr lang="en-US" dirty="0"/>
-              </a:p>
-            </p:txBody>
-          </p:sp>
-        </mc:Choice>
-        <mc:Fallback xmlns="">
-          <p:sp>
-            <p:nvSpPr>
-              <p:cNvPr id="2" name="TextBox 1">
-                <a:extLst>
-                  <a:ext uri="{FF2B5EF4-FFF2-40B4-BE49-F238E27FC236}">
-                    <a16:creationId xmlns:a16="http://schemas.microsoft.com/office/drawing/2014/main" id="{9E874626-014B-160A-40AC-BADC3736A1D8}"/>
-                  </a:ext>
-                </a:extLst>
-              </p:cNvPr>
-              <p:cNvSpPr txBox="1">
-                <a:spLocks noRot="1" noChangeAspect="1" noMove="1" noResize="1" noEditPoints="1" noAdjustHandles="1" noChangeArrowheads="1" noChangeShapeType="1" noTextEdit="1"/>
-              </p:cNvSpPr>
-              <p:nvPr/>
-            </p:nvSpPr>
-            <p:spPr>
-              <a:xfrm>
-                <a:off x="3545764" y="1886205"/>
-                <a:ext cx="1737078" cy="605807"/>
-              </a:xfrm>
-              <a:prstGeom prst="rect">
-                <a:avLst/>
-              </a:prstGeom>
-              <a:blipFill>
-                <a:blip r:embed="rId4"/>
-                <a:stretch>
-                  <a:fillRect/>
-                </a:stretch>
-              </a:blipFill>
-            </p:spPr>
-            <p:txBody>
-              <a:bodyPr/>
-              <a:lstStyle/>
-              <a:p>
-                <a:r>
-                  <a:rPr lang="en-US">
-                    <a:noFill/>
-                  </a:rPr>
-                  <a:t> </a:t>
-                </a:r>
-              </a:p>
-            </p:txBody>
-          </p:sp>
-        </mc:Fallback>
-      </mc:AlternateContent>
-    </p:spTree>
-    <p:extLst>
-      <p:ext uri="{BB962C8B-B14F-4D97-AF65-F5344CB8AC3E}">
-        <p14:creationId xmlns:p14="http://schemas.microsoft.com/office/powerpoint/2010/main" val="1759762482"/>
-      </p:ext>
-    </p:extLst>
-  </p:cSld>
-  <p:clrMapOvr>
-    <a:masterClrMapping/>
-  </p:clrMapOvr>
-</p:sld>
-</file>
-
-<file path=ppt/slides/slide5.xml><?xml version="1.0" encoding="utf-8"?>
-<p:sld xmlns:a="http://schemas.openxmlformats.org/drawingml/2006/main" xmlns:r="http://schemas.openxmlformats.org/officeDocument/2006/relationships" xmlns:p="http://schemas.openxmlformats.org/presentationml/2006/main">
-  <p:cSld>
-    <p:bg>
-      <p:bgPr>
-        <a:solidFill>
-          <a:schemeClr val="bg1"/>
-        </a:solidFill>
-        <a:effectLst/>
-      </p:bgPr>
-    </p:bg>
-    <p:spTree>
-      <p:nvGrpSpPr>
-        <p:cNvPr id="1" name=""/>
-        <p:cNvGrpSpPr/>
-        <p:nvPr/>
-      </p:nvGrpSpPr>
-      <p:grpSpPr>
-        <a:xfrm>
-          <a:off x="0" y="0"/>
-          <a:ext cx="0" cy="0"/>
-          <a:chOff x="0" y="0"/>
-          <a:chExt cx="0" cy="0"/>
-        </a:xfrm>
-      </p:grpSpPr>
-      <p:pic>
-        <p:nvPicPr>
-          <p:cNvPr id="3" name="Picture 2">
-            <a:extLst>
-              <a:ext uri="{FF2B5EF4-FFF2-40B4-BE49-F238E27FC236}">
-                <a16:creationId xmlns:a16="http://schemas.microsoft.com/office/drawing/2014/main" id="{46700E87-8086-48A9-8693-D0E60E156A3F}"/>
-              </a:ext>
-            </a:extLst>
-          </p:cNvPr>
-          <p:cNvPicPr>
-            <a:picLocks noChangeAspect="1"/>
-          </p:cNvPicPr>
-          <p:nvPr/>
-        </p:nvPicPr>
-        <p:blipFill rotWithShape="1">
-          <a:blip r:embed="rId3"/>
-          <a:srcRect l="-1939" t="65082" r="1939" b="12904"/>
-          <a:stretch/>
-        </p:blipFill>
-        <p:spPr>
-          <a:xfrm flipH="1">
-            <a:off x="-7088" y="-5779"/>
-            <a:ext cx="9342476" cy="431082"/>
-          </a:xfrm>
-          <a:prstGeom prst="rect">
-            <a:avLst/>
-          </a:prstGeom>
-        </p:spPr>
-      </p:pic>
-      <p:grpSp>
-        <p:nvGrpSpPr>
-          <p:cNvPr id="10" name="Group 9">
-            <a:extLst>
-              <a:ext uri="{FF2B5EF4-FFF2-40B4-BE49-F238E27FC236}">
-                <a16:creationId xmlns:a16="http://schemas.microsoft.com/office/drawing/2014/main" id="{8DDF8A9A-450D-4521-82DF-2DD77E890AB9}"/>
-              </a:ext>
-            </a:extLst>
-          </p:cNvPr>
-          <p:cNvGrpSpPr/>
-          <p:nvPr/>
-        </p:nvGrpSpPr>
-        <p:grpSpPr>
-          <a:xfrm>
-            <a:off x="-591509" y="4803813"/>
-            <a:ext cx="9919809" cy="339687"/>
-            <a:chOff x="-591509" y="4803813"/>
-            <a:chExt cx="9919809" cy="339687"/>
-          </a:xfrm>
-        </p:grpSpPr>
-        <p:pic>
-          <p:nvPicPr>
-            <p:cNvPr id="11" name="Picture 10">
-              <a:extLst>
-                <a:ext uri="{FF2B5EF4-FFF2-40B4-BE49-F238E27FC236}">
-                  <a16:creationId xmlns:a16="http://schemas.microsoft.com/office/drawing/2014/main" id="{AFADB262-AFBC-4F27-8CB1-14B3A8846B0A}"/>
-                </a:ext>
-              </a:extLst>
-            </p:cNvPr>
-            <p:cNvPicPr>
-              <a:picLocks noChangeAspect="1"/>
-            </p:cNvPicPr>
-            <p:nvPr/>
-          </p:nvPicPr>
-          <p:blipFill rotWithShape="1">
-            <a:blip r:embed="rId3"/>
-            <a:srcRect l="-1939" t="65082" r="1939" b="12904"/>
-            <a:stretch/>
-          </p:blipFill>
-          <p:spPr>
-            <a:xfrm flipH="1">
-              <a:off x="-14176" y="4889584"/>
-              <a:ext cx="9342476" cy="253916"/>
-            </a:xfrm>
-            <a:prstGeom prst="rect">
-              <a:avLst/>
-            </a:prstGeom>
-          </p:spPr>
-        </p:pic>
-        <p:sp>
-          <p:nvSpPr>
-            <p:cNvPr id="12" name="Title 1">
-              <a:extLst>
-                <a:ext uri="{FF2B5EF4-FFF2-40B4-BE49-F238E27FC236}">
-                  <a16:creationId xmlns:a16="http://schemas.microsoft.com/office/drawing/2014/main" id="{308218D6-C6AD-4ED5-897D-BDD05FD9B357}"/>
-                </a:ext>
-              </a:extLst>
-            </p:cNvPr>
-            <p:cNvSpPr txBox="1">
-              <a:spLocks/>
-            </p:cNvSpPr>
-            <p:nvPr/>
-          </p:nvSpPr>
-          <p:spPr>
-            <a:xfrm>
-              <a:off x="-591509" y="4817310"/>
-              <a:ext cx="8083610" cy="325191"/>
-            </a:xfrm>
-            <a:prstGeom prst="rect">
-              <a:avLst/>
-            </a:prstGeom>
-          </p:spPr>
-          <p:txBody>
-            <a:bodyPr vert="horz" lIns="91440" tIns="45720" rIns="91440" bIns="45720" rtlCol="0" anchor="b">
-              <a:noAutofit/>
-            </a:bodyPr>
-            <a:lstStyle>
-              <a:lvl1pPr algn="ctr" defTabSz="914400" rtl="0" eaLnBrk="1" latinLnBrk="0" hangingPunct="1">
-                <a:lnSpc>
-                  <a:spcPct val="90000"/>
-                </a:lnSpc>
-                <a:spcBef>
-                  <a:spcPct val="0"/>
-                </a:spcBef>
-                <a:buNone/>
-                <a:defRPr sz="6000" kern="1200">
-                  <a:solidFill>
-                    <a:schemeClr val="tx1"/>
-                  </a:solidFill>
-                  <a:latin typeface="+mj-lt"/>
-                  <a:ea typeface="+mj-ea"/>
-                  <a:cs typeface="+mj-cs"/>
-                </a:defRPr>
-              </a:lvl1pPr>
-            </a:lstStyle>
-            <a:p>
-              <a:r>
-                <a:rPr lang="en-US" sz="900" b="1" dirty="0">
-                  <a:solidFill>
-                    <a:schemeClr val="bg1"/>
-                  </a:solidFill>
-                  <a:latin typeface="Lexend Deca" panose="020B0604020202020204" charset="0"/>
-                  <a:ea typeface="Open Sans ExtraBold" panose="020B0906030804020204" pitchFamily="34" charset="0"/>
-                  <a:cs typeface="Poppins" panose="00000500000000000000" pitchFamily="50" charset="0"/>
-                </a:rPr>
-                <a:t>CLINICAL EPIDEMIOLOGY AND BIOSTATISTICS | </a:t>
-              </a:r>
-              <a:r>
-                <a:rPr lang="en-US" sz="900" dirty="0">
-                  <a:solidFill>
-                    <a:schemeClr val="bg1"/>
-                  </a:solidFill>
-                  <a:latin typeface="Lexend Deca" panose="020B0604020202020204" charset="0"/>
-                  <a:ea typeface="Open Sans ExtraBold" panose="020B0906030804020204" pitchFamily="34" charset="0"/>
-                  <a:cs typeface="Poppins" panose="00000500000000000000" pitchFamily="50" charset="0"/>
-                </a:rPr>
-                <a:t>DATA SCIENCE IN HEALTHCARE AND CLINICAL INFORMATICS</a:t>
-              </a:r>
-            </a:p>
-          </p:txBody>
-        </p:sp>
-        <p:sp>
-          <p:nvSpPr>
-            <p:cNvPr id="13" name="Title 1">
-              <a:extLst>
-                <a:ext uri="{FF2B5EF4-FFF2-40B4-BE49-F238E27FC236}">
-                  <a16:creationId xmlns:a16="http://schemas.microsoft.com/office/drawing/2014/main" id="{9D9AB90A-84B4-462E-9E2B-D2188E8A3C71}"/>
-                </a:ext>
-              </a:extLst>
-            </p:cNvPr>
-            <p:cNvSpPr txBox="1">
-              <a:spLocks/>
-            </p:cNvSpPr>
-            <p:nvPr/>
-          </p:nvSpPr>
-          <p:spPr>
-            <a:xfrm>
-              <a:off x="7910623" y="4803813"/>
-              <a:ext cx="1226289" cy="325191"/>
-            </a:xfrm>
-            <a:prstGeom prst="rect">
-              <a:avLst/>
-            </a:prstGeom>
-          </p:spPr>
-          <p:txBody>
-            <a:bodyPr vert="horz" lIns="91440" tIns="45720" rIns="91440" bIns="45720" rtlCol="0" anchor="b">
-              <a:noAutofit/>
-            </a:bodyPr>
-            <a:lstStyle>
-              <a:lvl1pPr algn="ctr" defTabSz="914400" rtl="0" eaLnBrk="1" latinLnBrk="0" hangingPunct="1">
-                <a:lnSpc>
-                  <a:spcPct val="90000"/>
-                </a:lnSpc>
-                <a:spcBef>
-                  <a:spcPct val="0"/>
-                </a:spcBef>
-                <a:buNone/>
-                <a:defRPr sz="6000" kern="1200">
-                  <a:solidFill>
-                    <a:schemeClr val="tx1"/>
-                  </a:solidFill>
-                  <a:latin typeface="+mj-lt"/>
-                  <a:ea typeface="+mj-ea"/>
-                  <a:cs typeface="+mj-cs"/>
-                </a:defRPr>
-              </a:lvl1pPr>
-            </a:lstStyle>
-            <a:p>
-              <a:r>
-                <a:rPr lang="en-US" sz="900" b="1" dirty="0">
-                  <a:solidFill>
-                    <a:schemeClr val="bg1"/>
-                  </a:solidFill>
-                  <a:latin typeface="Lexend Deca" panose="020B0604020202020204" charset="0"/>
-                  <a:ea typeface="Open Sans ExtraBold" panose="020B0906030804020204" pitchFamily="34" charset="0"/>
-                  <a:cs typeface="Poppins" panose="00000500000000000000" pitchFamily="50" charset="0"/>
-                </a:rPr>
-                <a:t>NOVEMBER </a:t>
-              </a:r>
-              <a:r>
-                <a:rPr lang="en-US" sz="900" dirty="0">
-                  <a:solidFill>
-                    <a:schemeClr val="bg1"/>
-                  </a:solidFill>
-                  <a:latin typeface="Lexend Deca" panose="020B0604020202020204" charset="0"/>
-                  <a:ea typeface="Open Sans ExtraBold" panose="020B0906030804020204" pitchFamily="34" charset="0"/>
-                  <a:cs typeface="Poppins" panose="00000500000000000000" pitchFamily="50" charset="0"/>
-                </a:rPr>
-                <a:t>2022</a:t>
-              </a:r>
-            </a:p>
-          </p:txBody>
-        </p:sp>
-      </p:grpSp>
-      <p:sp>
-        <p:nvSpPr>
-          <p:cNvPr id="14" name="TextBox 13">
-            <a:extLst>
-              <a:ext uri="{FF2B5EF4-FFF2-40B4-BE49-F238E27FC236}">
-                <a16:creationId xmlns:a16="http://schemas.microsoft.com/office/drawing/2014/main" id="{D4452BC4-9C91-4F71-BFF2-3060B60F5201}"/>
-              </a:ext>
-            </a:extLst>
-          </p:cNvPr>
-          <p:cNvSpPr txBox="1"/>
-          <p:nvPr/>
-        </p:nvSpPr>
-        <p:spPr>
-          <a:xfrm>
-            <a:off x="468200" y="877109"/>
-            <a:ext cx="7055675" cy="338554"/>
-          </a:xfrm>
-          <a:prstGeom prst="rect">
-            <a:avLst/>
-          </a:prstGeom>
-          <a:noFill/>
-        </p:spPr>
-        <p:txBody>
-          <a:bodyPr wrap="square">
-            <a:spAutoFit/>
-          </a:bodyPr>
-          <a:lstStyle/>
-          <a:p>
-            <a:pPr algn="just"/>
-            <a:r>
-              <a:rPr lang="en-US" sz="1600" dirty="0">
-                <a:latin typeface="Amasis MT Pro Medium" panose="020B0604020202020204" pitchFamily="18" charset="0"/>
-                <a:ea typeface="CMU Serif Roman" panose="02000603000000000000" pitchFamily="2" charset="0"/>
-                <a:cs typeface="CMU Serif Roman" panose="02000603000000000000" pitchFamily="2" charset="0"/>
-              </a:rPr>
-              <a:t>Properties Uniquely Determine</a:t>
-            </a:r>
-            <a:r>
-              <a:rPr lang="en-US" sz="1600" b="1" dirty="0">
-                <a:latin typeface="Amasis MT Pro Medium" panose="020B0604020202020204" pitchFamily="18" charset="0"/>
-                <a:ea typeface="CMU Serif Roman" panose="02000603000000000000" pitchFamily="2" charset="0"/>
-                <a:cs typeface="CMU Serif Roman" panose="02000603000000000000" pitchFamily="2" charset="0"/>
-              </a:rPr>
-              <a:t> Additive Feature Attributions </a:t>
-            </a:r>
-          </a:p>
-        </p:txBody>
-      </p:sp>
-      <mc:AlternateContent xmlns:mc="http://schemas.openxmlformats.org/markup-compatibility/2006" xmlns:a14="http://schemas.microsoft.com/office/drawing/2010/main">
-        <mc:Choice Requires="a14">
-          <p:sp>
-            <p:nvSpPr>
-              <p:cNvPr id="6" name="TextBox 5">
-                <a:extLst>
-                  <a:ext uri="{FF2B5EF4-FFF2-40B4-BE49-F238E27FC236}">
-                    <a16:creationId xmlns:a16="http://schemas.microsoft.com/office/drawing/2014/main" id="{E4F6AAE0-6423-A6C8-E61C-515E2FE85713}"/>
-                  </a:ext>
-                </a:extLst>
-              </p:cNvPr>
-              <p:cNvSpPr txBox="1"/>
-              <p:nvPr/>
-            </p:nvSpPr>
-            <p:spPr>
-              <a:xfrm>
                 <a:off x="1750032" y="2385086"/>
                 <a:ext cx="5814060" cy="1954381"/>
               </a:xfrm>
@@ -11053,7 +8976,4201 @@
 </p:sld>
 </file>
 
+<file path=ppt/slides/slide4.xml><?xml version="1.0" encoding="utf-8"?>
+<p:sld xmlns:a="http://schemas.openxmlformats.org/drawingml/2006/main" xmlns:r="http://schemas.openxmlformats.org/officeDocument/2006/relationships" xmlns:p="http://schemas.openxmlformats.org/presentationml/2006/main">
+  <p:cSld>
+    <p:bg>
+      <p:bgPr>
+        <a:solidFill>
+          <a:schemeClr val="bg1"/>
+        </a:solidFill>
+        <a:effectLst/>
+      </p:bgPr>
+    </p:bg>
+    <p:spTree>
+      <p:nvGrpSpPr>
+        <p:cNvPr id="1" name=""/>
+        <p:cNvGrpSpPr/>
+        <p:nvPr/>
+      </p:nvGrpSpPr>
+      <p:grpSpPr>
+        <a:xfrm>
+          <a:off x="0" y="0"/>
+          <a:ext cx="0" cy="0"/>
+          <a:chOff x="0" y="0"/>
+          <a:chExt cx="0" cy="0"/>
+        </a:xfrm>
+      </p:grpSpPr>
+      <p:pic>
+        <p:nvPicPr>
+          <p:cNvPr id="3" name="Picture 2">
+            <a:extLst>
+              <a:ext uri="{FF2B5EF4-FFF2-40B4-BE49-F238E27FC236}">
+                <a16:creationId xmlns:a16="http://schemas.microsoft.com/office/drawing/2014/main" id="{46700E87-8086-48A9-8693-D0E60E156A3F}"/>
+              </a:ext>
+            </a:extLst>
+          </p:cNvPr>
+          <p:cNvPicPr>
+            <a:picLocks noChangeAspect="1"/>
+          </p:cNvPicPr>
+          <p:nvPr/>
+        </p:nvPicPr>
+        <p:blipFill rotWithShape="1">
+          <a:blip r:embed="rId3"/>
+          <a:srcRect l="-1939" t="65082" r="1939" b="12904"/>
+          <a:stretch/>
+        </p:blipFill>
+        <p:spPr>
+          <a:xfrm flipH="1">
+            <a:off x="-7088" y="-5779"/>
+            <a:ext cx="9342476" cy="431082"/>
+          </a:xfrm>
+          <a:prstGeom prst="rect">
+            <a:avLst/>
+          </a:prstGeom>
+        </p:spPr>
+      </p:pic>
+      <p:grpSp>
+        <p:nvGrpSpPr>
+          <p:cNvPr id="10" name="Group 9">
+            <a:extLst>
+              <a:ext uri="{FF2B5EF4-FFF2-40B4-BE49-F238E27FC236}">
+                <a16:creationId xmlns:a16="http://schemas.microsoft.com/office/drawing/2014/main" id="{8DDF8A9A-450D-4521-82DF-2DD77E890AB9}"/>
+              </a:ext>
+            </a:extLst>
+          </p:cNvPr>
+          <p:cNvGrpSpPr/>
+          <p:nvPr/>
+        </p:nvGrpSpPr>
+        <p:grpSpPr>
+          <a:xfrm>
+            <a:off x="-591509" y="4803813"/>
+            <a:ext cx="9919809" cy="339687"/>
+            <a:chOff x="-591509" y="4803813"/>
+            <a:chExt cx="9919809" cy="339687"/>
+          </a:xfrm>
+        </p:grpSpPr>
+        <p:pic>
+          <p:nvPicPr>
+            <p:cNvPr id="11" name="Picture 10">
+              <a:extLst>
+                <a:ext uri="{FF2B5EF4-FFF2-40B4-BE49-F238E27FC236}">
+                  <a16:creationId xmlns:a16="http://schemas.microsoft.com/office/drawing/2014/main" id="{AFADB262-AFBC-4F27-8CB1-14B3A8846B0A}"/>
+                </a:ext>
+              </a:extLst>
+            </p:cNvPr>
+            <p:cNvPicPr>
+              <a:picLocks noChangeAspect="1"/>
+            </p:cNvPicPr>
+            <p:nvPr/>
+          </p:nvPicPr>
+          <p:blipFill rotWithShape="1">
+            <a:blip r:embed="rId3"/>
+            <a:srcRect l="-1939" t="65082" r="1939" b="12904"/>
+            <a:stretch/>
+          </p:blipFill>
+          <p:spPr>
+            <a:xfrm flipH="1">
+              <a:off x="-14176" y="4889584"/>
+              <a:ext cx="9342476" cy="253916"/>
+            </a:xfrm>
+            <a:prstGeom prst="rect">
+              <a:avLst/>
+            </a:prstGeom>
+          </p:spPr>
+        </p:pic>
+        <p:sp>
+          <p:nvSpPr>
+            <p:cNvPr id="12" name="Title 1">
+              <a:extLst>
+                <a:ext uri="{FF2B5EF4-FFF2-40B4-BE49-F238E27FC236}">
+                  <a16:creationId xmlns:a16="http://schemas.microsoft.com/office/drawing/2014/main" id="{308218D6-C6AD-4ED5-897D-BDD05FD9B357}"/>
+                </a:ext>
+              </a:extLst>
+            </p:cNvPr>
+            <p:cNvSpPr txBox="1">
+              <a:spLocks/>
+            </p:cNvSpPr>
+            <p:nvPr/>
+          </p:nvSpPr>
+          <p:spPr>
+            <a:xfrm>
+              <a:off x="-591509" y="4817310"/>
+              <a:ext cx="8083610" cy="325191"/>
+            </a:xfrm>
+            <a:prstGeom prst="rect">
+              <a:avLst/>
+            </a:prstGeom>
+          </p:spPr>
+          <p:txBody>
+            <a:bodyPr vert="horz" lIns="91440" tIns="45720" rIns="91440" bIns="45720" rtlCol="0" anchor="b">
+              <a:noAutofit/>
+            </a:bodyPr>
+            <a:lstStyle>
+              <a:lvl1pPr algn="ctr" defTabSz="914400" rtl="0" eaLnBrk="1" latinLnBrk="0" hangingPunct="1">
+                <a:lnSpc>
+                  <a:spcPct val="90000"/>
+                </a:lnSpc>
+                <a:spcBef>
+                  <a:spcPct val="0"/>
+                </a:spcBef>
+                <a:buNone/>
+                <a:defRPr sz="6000" kern="1200">
+                  <a:solidFill>
+                    <a:schemeClr val="tx1"/>
+                  </a:solidFill>
+                  <a:latin typeface="+mj-lt"/>
+                  <a:ea typeface="+mj-ea"/>
+                  <a:cs typeface="+mj-cs"/>
+                </a:defRPr>
+              </a:lvl1pPr>
+            </a:lstStyle>
+            <a:p>
+              <a:r>
+                <a:rPr lang="en-US" sz="900" b="1" dirty="0">
+                  <a:solidFill>
+                    <a:schemeClr val="bg1"/>
+                  </a:solidFill>
+                  <a:latin typeface="Lexend Deca" panose="020B0604020202020204" charset="0"/>
+                  <a:ea typeface="Open Sans ExtraBold" panose="020B0906030804020204" pitchFamily="34" charset="0"/>
+                  <a:cs typeface="Poppins" panose="00000500000000000000" pitchFamily="50" charset="0"/>
+                </a:rPr>
+                <a:t>CLINICAL EPIDEMIOLOGY AND BIOSTATISTICS | </a:t>
+              </a:r>
+              <a:r>
+                <a:rPr lang="en-US" sz="900" dirty="0">
+                  <a:solidFill>
+                    <a:schemeClr val="bg1"/>
+                  </a:solidFill>
+                  <a:latin typeface="Lexend Deca" panose="020B0604020202020204" charset="0"/>
+                  <a:ea typeface="Open Sans ExtraBold" panose="020B0906030804020204" pitchFamily="34" charset="0"/>
+                  <a:cs typeface="Poppins" panose="00000500000000000000" pitchFamily="50" charset="0"/>
+                </a:rPr>
+                <a:t>DATA SCIENCE IN HEALTHCARE AND CLINICAL INFORMATICS</a:t>
+              </a:r>
+            </a:p>
+          </p:txBody>
+        </p:sp>
+        <p:sp>
+          <p:nvSpPr>
+            <p:cNvPr id="13" name="Title 1">
+              <a:extLst>
+                <a:ext uri="{FF2B5EF4-FFF2-40B4-BE49-F238E27FC236}">
+                  <a16:creationId xmlns:a16="http://schemas.microsoft.com/office/drawing/2014/main" id="{9D9AB90A-84B4-462E-9E2B-D2188E8A3C71}"/>
+                </a:ext>
+              </a:extLst>
+            </p:cNvPr>
+            <p:cNvSpPr txBox="1">
+              <a:spLocks/>
+            </p:cNvSpPr>
+            <p:nvPr/>
+          </p:nvSpPr>
+          <p:spPr>
+            <a:xfrm>
+              <a:off x="7910623" y="4803813"/>
+              <a:ext cx="1226289" cy="325191"/>
+            </a:xfrm>
+            <a:prstGeom prst="rect">
+              <a:avLst/>
+            </a:prstGeom>
+          </p:spPr>
+          <p:txBody>
+            <a:bodyPr vert="horz" lIns="91440" tIns="45720" rIns="91440" bIns="45720" rtlCol="0" anchor="b">
+              <a:noAutofit/>
+            </a:bodyPr>
+            <a:lstStyle>
+              <a:lvl1pPr algn="ctr" defTabSz="914400" rtl="0" eaLnBrk="1" latinLnBrk="0" hangingPunct="1">
+                <a:lnSpc>
+                  <a:spcPct val="90000"/>
+                </a:lnSpc>
+                <a:spcBef>
+                  <a:spcPct val="0"/>
+                </a:spcBef>
+                <a:buNone/>
+                <a:defRPr sz="6000" kern="1200">
+                  <a:solidFill>
+                    <a:schemeClr val="tx1"/>
+                  </a:solidFill>
+                  <a:latin typeface="+mj-lt"/>
+                  <a:ea typeface="+mj-ea"/>
+                  <a:cs typeface="+mj-cs"/>
+                </a:defRPr>
+              </a:lvl1pPr>
+            </a:lstStyle>
+            <a:p>
+              <a:r>
+                <a:rPr lang="en-US" sz="900" b="1" dirty="0">
+                  <a:solidFill>
+                    <a:schemeClr val="bg1"/>
+                  </a:solidFill>
+                  <a:latin typeface="Lexend Deca" panose="020B0604020202020204" charset="0"/>
+                  <a:ea typeface="Open Sans ExtraBold" panose="020B0906030804020204" pitchFamily="34" charset="0"/>
+                  <a:cs typeface="Poppins" panose="00000500000000000000" pitchFamily="50" charset="0"/>
+                </a:rPr>
+                <a:t>NOVEMBER </a:t>
+              </a:r>
+              <a:r>
+                <a:rPr lang="en-US" sz="900" dirty="0">
+                  <a:solidFill>
+                    <a:schemeClr val="bg1"/>
+                  </a:solidFill>
+                  <a:latin typeface="Lexend Deca" panose="020B0604020202020204" charset="0"/>
+                  <a:ea typeface="Open Sans ExtraBold" panose="020B0906030804020204" pitchFamily="34" charset="0"/>
+                  <a:cs typeface="Poppins" panose="00000500000000000000" pitchFamily="50" charset="0"/>
+                </a:rPr>
+                <a:t>2022</a:t>
+              </a:r>
+            </a:p>
+          </p:txBody>
+        </p:sp>
+      </p:grpSp>
+      <p:sp>
+        <p:nvSpPr>
+          <p:cNvPr id="14" name="TextBox 13">
+            <a:extLst>
+              <a:ext uri="{FF2B5EF4-FFF2-40B4-BE49-F238E27FC236}">
+                <a16:creationId xmlns:a16="http://schemas.microsoft.com/office/drawing/2014/main" id="{D4452BC4-9C91-4F71-BFF2-3060B60F5201}"/>
+              </a:ext>
+            </a:extLst>
+          </p:cNvPr>
+          <p:cNvSpPr txBox="1"/>
+          <p:nvPr/>
+        </p:nvSpPr>
+        <p:spPr>
+          <a:xfrm>
+            <a:off x="468200" y="877109"/>
+            <a:ext cx="7055675" cy="338554"/>
+          </a:xfrm>
+          <a:prstGeom prst="rect">
+            <a:avLst/>
+          </a:prstGeom>
+          <a:noFill/>
+        </p:spPr>
+        <p:txBody>
+          <a:bodyPr wrap="square">
+            <a:spAutoFit/>
+          </a:bodyPr>
+          <a:lstStyle/>
+          <a:p>
+            <a:pPr algn="just"/>
+            <a:r>
+              <a:rPr lang="en-US" sz="1600" dirty="0">
+                <a:latin typeface="Amasis MT Pro Medium" panose="020B0604020202020204" pitchFamily="18" charset="0"/>
+                <a:ea typeface="CMU Serif Roman" panose="02000603000000000000" pitchFamily="2" charset="0"/>
+                <a:cs typeface="CMU Serif Roman" panose="02000603000000000000" pitchFamily="2" charset="0"/>
+              </a:rPr>
+              <a:t>Properties Uniquely Determine</a:t>
+            </a:r>
+            <a:r>
+              <a:rPr lang="en-US" sz="1600" b="1" dirty="0">
+                <a:latin typeface="Amasis MT Pro Medium" panose="020B0604020202020204" pitchFamily="18" charset="0"/>
+                <a:ea typeface="CMU Serif Roman" panose="02000603000000000000" pitchFamily="2" charset="0"/>
+                <a:cs typeface="CMU Serif Roman" panose="02000603000000000000" pitchFamily="2" charset="0"/>
+              </a:rPr>
+              <a:t> Additive Feature Attributions </a:t>
+            </a:r>
+          </a:p>
+        </p:txBody>
+      </p:sp>
+      <mc:AlternateContent xmlns:mc="http://schemas.openxmlformats.org/markup-compatibility/2006" xmlns:a14="http://schemas.microsoft.com/office/drawing/2010/main">
+        <mc:Choice Requires="a14">
+          <p:sp>
+            <p:nvSpPr>
+              <p:cNvPr id="6" name="TextBox 5">
+                <a:extLst>
+                  <a:ext uri="{FF2B5EF4-FFF2-40B4-BE49-F238E27FC236}">
+                    <a16:creationId xmlns:a16="http://schemas.microsoft.com/office/drawing/2014/main" id="{E4F6AAE0-6423-A6C8-E61C-515E2FE85713}"/>
+                  </a:ext>
+                </a:extLst>
+              </p:cNvPr>
+              <p:cNvSpPr txBox="1"/>
+              <p:nvPr/>
+            </p:nvSpPr>
+            <p:spPr>
+              <a:xfrm>
+                <a:off x="723960" y="1287937"/>
+                <a:ext cx="8000940" cy="646331"/>
+              </a:xfrm>
+              <a:prstGeom prst="rect">
+                <a:avLst/>
+              </a:prstGeom>
+              <a:noFill/>
+            </p:spPr>
+            <p:txBody>
+              <a:bodyPr wrap="square">
+                <a:spAutoFit/>
+              </a:bodyPr>
+              <a:lstStyle/>
+              <a:p>
+                <a:pPr algn="just"/>
+                <a:r>
+                  <a:rPr lang="en-US" sz="1200" i="1" dirty="0">
+                    <a:latin typeface="Amasis MT Pro Medium" panose="02040604050005020304" pitchFamily="18" charset="0"/>
+                    <a:ea typeface="CMU Serif Roman" panose="02000603000000000000" pitchFamily="2" charset="0"/>
+                    <a:cs typeface="CMU Serif Roman" panose="02000603000000000000" pitchFamily="2" charset="0"/>
+                  </a:rPr>
+                  <a:t>Property 1.</a:t>
+                </a:r>
+                <a:r>
+                  <a:rPr lang="en-US" sz="1100" i="1" dirty="0">
+                    <a:latin typeface="Amasis MT Pro Medium" panose="02040604050005020304" pitchFamily="18" charset="0"/>
+                    <a:ea typeface="CMU Serif Roman" panose="02000603000000000000" pitchFamily="2" charset="0"/>
+                    <a:cs typeface="CMU Serif Roman" panose="02000603000000000000" pitchFamily="2" charset="0"/>
+                  </a:rPr>
+                  <a:t> </a:t>
+                </a:r>
+                <a:r>
+                  <a:rPr lang="en-US" sz="1100" b="1" dirty="0">
+                    <a:latin typeface="Montserrat" panose="00000500000000000000" pitchFamily="2" charset="0"/>
+                    <a:ea typeface="CMU Serif Roman" panose="02000603000000000000" pitchFamily="2" charset="0"/>
+                    <a:cs typeface="CMU Serif Roman" panose="02000603000000000000" pitchFamily="2" charset="0"/>
+                  </a:rPr>
+                  <a:t>Local accuracy. </a:t>
+                </a:r>
+              </a:p>
+              <a:p>
+                <a:pPr algn="just"/>
+                <a:r>
+                  <a:rPr lang="en-US" sz="1200" dirty="0">
+                    <a:latin typeface="Amasis MT Pro Medium" panose="02040604050005020304" pitchFamily="18" charset="0"/>
+                    <a:ea typeface="CMU Serif Roman" panose="02000603000000000000" pitchFamily="2" charset="0"/>
+                    <a:cs typeface="CMU Serif Roman" panose="02000603000000000000" pitchFamily="2" charset="0"/>
+                  </a:rPr>
+                  <a:t>It requires the explanation model </a:t>
+                </a:r>
+                <a14:m>
+                  <m:oMath xmlns:m="http://schemas.openxmlformats.org/officeDocument/2006/math">
+                    <m:r>
+                      <a:rPr lang="en-US" sz="1200" b="0" i="1" smtClean="0">
+                        <a:latin typeface="Cambria Math" panose="02040503050406030204" pitchFamily="18" charset="0"/>
+                        <a:ea typeface="CMU Serif Roman" panose="02000603000000000000" pitchFamily="2" charset="0"/>
+                        <a:cs typeface="CMU Serif Roman" panose="02000603000000000000" pitchFamily="2" charset="0"/>
+                      </a:rPr>
+                      <m:t>𝑔</m:t>
+                    </m:r>
+                  </m:oMath>
+                </a14:m>
+                <a:r>
+                  <a:rPr lang="en-US" sz="1200" dirty="0">
+                    <a:latin typeface="Amasis MT Pro Medium" panose="02040604050005020304" pitchFamily="18" charset="0"/>
+                    <a:ea typeface="CMU Serif Roman" panose="02000603000000000000" pitchFamily="2" charset="0"/>
+                    <a:cs typeface="CMU Serif Roman" panose="02000603000000000000" pitchFamily="2" charset="0"/>
+                  </a:rPr>
+                  <a:t> to at least match the output of the original model </a:t>
+                </a:r>
+                <a14:m>
+                  <m:oMath xmlns:m="http://schemas.openxmlformats.org/officeDocument/2006/math">
+                    <m:r>
+                      <a:rPr lang="en-US" sz="1200" i="1">
+                        <a:latin typeface="Cambria Math" panose="02040503050406030204" pitchFamily="18" charset="0"/>
+                        <a:ea typeface="CMU Serif Roman" panose="02000603000000000000" pitchFamily="2" charset="0"/>
+                        <a:cs typeface="CMU Serif Roman" panose="02000603000000000000" pitchFamily="2" charset="0"/>
+                      </a:rPr>
+                      <m:t>𝑓</m:t>
+                    </m:r>
+                  </m:oMath>
+                </a14:m>
+                <a:r>
+                  <a:rPr lang="en-US" sz="1200" dirty="0">
+                    <a:latin typeface="Amasis MT Pro Medium" panose="02040604050005020304" pitchFamily="18" charset="0"/>
+                    <a:ea typeface="CMU Serif Roman" panose="02000603000000000000" pitchFamily="2" charset="0"/>
+                    <a:cs typeface="CMU Serif Roman" panose="02000603000000000000" pitchFamily="2" charset="0"/>
+                  </a:rPr>
+                  <a:t> for the simplified input </a:t>
+                </a:r>
+                <a14:m>
+                  <m:oMath xmlns:m="http://schemas.openxmlformats.org/officeDocument/2006/math">
+                    <m:sSup>
+                      <m:sSupPr>
+                        <m:ctrlPr>
+                          <a:rPr lang="en-US" sz="1200" b="1" i="1" smtClean="0">
+                            <a:latin typeface="Cambria Math" panose="02040503050406030204" pitchFamily="18" charset="0"/>
+                            <a:ea typeface="CMU Serif Roman" panose="02000603000000000000" pitchFamily="2" charset="0"/>
+                            <a:cs typeface="CMU Serif Roman" panose="02000603000000000000" pitchFamily="2" charset="0"/>
+                          </a:rPr>
+                        </m:ctrlPr>
+                      </m:sSupPr>
+                      <m:e>
+                        <m:r>
+                          <a:rPr lang="en-US" sz="1200" b="1" i="1">
+                            <a:latin typeface="Cambria Math" panose="02040503050406030204" pitchFamily="18" charset="0"/>
+                            <a:ea typeface="CMU Serif Roman" panose="02000603000000000000" pitchFamily="2" charset="0"/>
+                            <a:cs typeface="CMU Serif Roman" panose="02000603000000000000" pitchFamily="2" charset="0"/>
+                          </a:rPr>
+                          <m:t>𝒙</m:t>
+                        </m:r>
+                      </m:e>
+                      <m:sup>
+                        <m:r>
+                          <a:rPr lang="en-US" sz="1200" b="1" i="1" smtClean="0">
+                            <a:latin typeface="Cambria Math" panose="02040503050406030204" pitchFamily="18" charset="0"/>
+                            <a:ea typeface="CMU Serif Roman" panose="02000603000000000000" pitchFamily="2" charset="0"/>
+                            <a:cs typeface="CMU Serif Roman" panose="02000603000000000000" pitchFamily="2" charset="0"/>
+                          </a:rPr>
+                          <m:t>′</m:t>
+                        </m:r>
+                      </m:sup>
+                    </m:sSup>
+                  </m:oMath>
+                </a14:m>
+                <a:r>
+                  <a:rPr lang="en-US" sz="1200" dirty="0">
+                    <a:latin typeface="Amasis MT Pro Medium" panose="02040604050005020304" pitchFamily="18" charset="0"/>
+                    <a:ea typeface="CMU Serif Roman" panose="02000603000000000000" pitchFamily="2" charset="0"/>
+                    <a:cs typeface="CMU Serif Roman" panose="02000603000000000000" pitchFamily="2" charset="0"/>
+                  </a:rPr>
+                  <a:t> when approximating </a:t>
+                </a:r>
+                <a14:m>
+                  <m:oMath xmlns:m="http://schemas.openxmlformats.org/officeDocument/2006/math">
+                    <m:r>
+                      <a:rPr lang="en-US" sz="1200" i="1">
+                        <a:latin typeface="Cambria Math" panose="02040503050406030204" pitchFamily="18" charset="0"/>
+                        <a:ea typeface="CMU Serif Roman" panose="02000603000000000000" pitchFamily="2" charset="0"/>
+                        <a:cs typeface="CMU Serif Roman" panose="02000603000000000000" pitchFamily="2" charset="0"/>
+                      </a:rPr>
+                      <m:t>𝑓</m:t>
+                    </m:r>
+                  </m:oMath>
+                </a14:m>
+                <a:r>
+                  <a:rPr lang="en-US" sz="1200" dirty="0">
+                    <a:latin typeface="Amasis MT Pro Medium" panose="02040604050005020304" pitchFamily="18" charset="0"/>
+                    <a:ea typeface="CMU Serif Roman" panose="02000603000000000000" pitchFamily="2" charset="0"/>
+                    <a:cs typeface="CMU Serif Roman" panose="02000603000000000000" pitchFamily="2" charset="0"/>
+                  </a:rPr>
+                  <a:t> for a specific input </a:t>
+                </a:r>
+                <a14:m>
+                  <m:oMath xmlns:m="http://schemas.openxmlformats.org/officeDocument/2006/math">
+                    <m:r>
+                      <a:rPr lang="en-US" sz="1200" b="1" i="1" smtClean="0">
+                        <a:latin typeface="Cambria Math" panose="02040503050406030204" pitchFamily="18" charset="0"/>
+                        <a:ea typeface="CMU Serif Roman" panose="02000603000000000000" pitchFamily="2" charset="0"/>
+                        <a:cs typeface="CMU Serif Roman" panose="02000603000000000000" pitchFamily="2" charset="0"/>
+                      </a:rPr>
+                      <m:t>𝒙</m:t>
+                    </m:r>
+                  </m:oMath>
+                </a14:m>
+                <a:r>
+                  <a:rPr lang="en-US" sz="1100" b="1" dirty="0">
+                    <a:latin typeface="Amasis MT Pro Medium" panose="02040604050005020304" pitchFamily="18" charset="0"/>
+                    <a:ea typeface="CMU Serif Roman" panose="02000603000000000000" pitchFamily="2" charset="0"/>
+                    <a:cs typeface="CMU Serif Roman" panose="02000603000000000000" pitchFamily="2" charset="0"/>
+                  </a:rPr>
+                  <a:t>.</a:t>
+                </a:r>
+              </a:p>
+            </p:txBody>
+          </p:sp>
+        </mc:Choice>
+        <mc:Fallback xmlns="">
+          <p:sp>
+            <p:nvSpPr>
+              <p:cNvPr id="6" name="TextBox 5">
+                <a:extLst>
+                  <a:ext uri="{FF2B5EF4-FFF2-40B4-BE49-F238E27FC236}">
+                    <a16:creationId xmlns:a16="http://schemas.microsoft.com/office/drawing/2014/main" id="{E4F6AAE0-6423-A6C8-E61C-515E2FE85713}"/>
+                  </a:ext>
+                </a:extLst>
+              </p:cNvPr>
+              <p:cNvSpPr txBox="1">
+                <a:spLocks noRot="1" noChangeAspect="1" noMove="1" noResize="1" noEditPoints="1" noAdjustHandles="1" noChangeArrowheads="1" noChangeShapeType="1" noTextEdit="1"/>
+              </p:cNvSpPr>
+              <p:nvPr/>
+            </p:nvSpPr>
+            <p:spPr>
+              <a:xfrm>
+                <a:off x="723960" y="1287937"/>
+                <a:ext cx="8000940" cy="646331"/>
+              </a:xfrm>
+              <a:prstGeom prst="rect">
+                <a:avLst/>
+              </a:prstGeom>
+              <a:blipFill>
+                <a:blip r:embed="rId4"/>
+                <a:stretch>
+                  <a:fillRect l="-76" b="-6604"/>
+                </a:stretch>
+              </a:blipFill>
+            </p:spPr>
+            <p:txBody>
+              <a:bodyPr/>
+              <a:lstStyle/>
+              <a:p>
+                <a:r>
+                  <a:rPr lang="en-US">
+                    <a:noFill/>
+                  </a:rPr>
+                  <a:t> </a:t>
+                </a:r>
+              </a:p>
+            </p:txBody>
+          </p:sp>
+        </mc:Fallback>
+      </mc:AlternateContent>
+      <mc:AlternateContent xmlns:mc="http://schemas.openxmlformats.org/markup-compatibility/2006" xmlns:a14="http://schemas.microsoft.com/office/drawing/2010/main">
+        <mc:Choice Requires="a14">
+          <p:sp>
+            <p:nvSpPr>
+              <p:cNvPr id="2" name="TextBox 1">
+                <a:extLst>
+                  <a:ext uri="{FF2B5EF4-FFF2-40B4-BE49-F238E27FC236}">
+                    <a16:creationId xmlns:a16="http://schemas.microsoft.com/office/drawing/2014/main" id="{6EA4298D-5F44-BED8-C658-600C737FDBA5}"/>
+                  </a:ext>
+                </a:extLst>
+              </p:cNvPr>
+              <p:cNvSpPr txBox="1"/>
+              <p:nvPr/>
+            </p:nvSpPr>
+            <p:spPr>
+              <a:xfrm>
+                <a:off x="3545764" y="1886205"/>
+                <a:ext cx="1737078" cy="605807"/>
+              </a:xfrm>
+              <a:prstGeom prst="rect">
+                <a:avLst/>
+              </a:prstGeom>
+              <a:noFill/>
+            </p:spPr>
+            <p:txBody>
+              <a:bodyPr wrap="none" lIns="0" tIns="0" rIns="0" bIns="0" rtlCol="0">
+                <a:spAutoFit/>
+              </a:bodyPr>
+              <a:lstStyle/>
+              <a:p>
+                <a:pPr/>
+                <a14:m>
+                  <m:oMathPara xmlns:m="http://schemas.openxmlformats.org/officeDocument/2006/math">
+                    <m:oMathParaPr>
+                      <m:jc m:val="centerGroup"/>
+                    </m:oMathParaPr>
+                    <m:oMath xmlns:m="http://schemas.openxmlformats.org/officeDocument/2006/math">
+                      <m:r>
+                        <a:rPr lang="en-US" b="0" i="1" smtClean="0">
+                          <a:latin typeface="Cambria Math" panose="02040503050406030204" pitchFamily="18" charset="0"/>
+                        </a:rPr>
+                        <m:t>𝑔</m:t>
+                      </m:r>
+                      <m:d>
+                        <m:dPr>
+                          <m:ctrlPr>
+                            <a:rPr lang="en-US" b="0" i="1" smtClean="0">
+                              <a:latin typeface="Cambria Math" panose="02040503050406030204" pitchFamily="18" charset="0"/>
+                            </a:rPr>
+                          </m:ctrlPr>
+                        </m:dPr>
+                        <m:e>
+                          <m:sSup>
+                            <m:sSupPr>
+                              <m:ctrlPr>
+                                <a:rPr lang="en-US" b="0" i="1" smtClean="0">
+                                  <a:latin typeface="Cambria Math" panose="02040503050406030204" pitchFamily="18" charset="0"/>
+                                </a:rPr>
+                              </m:ctrlPr>
+                            </m:sSupPr>
+                            <m:e>
+                              <m:r>
+                                <a:rPr lang="en-US" b="0" i="1" smtClean="0">
+                                  <a:latin typeface="Cambria Math" panose="02040503050406030204" pitchFamily="18" charset="0"/>
+                                </a:rPr>
+                                <m:t>𝑥</m:t>
+                              </m:r>
+                            </m:e>
+                            <m:sup>
+                              <m:r>
+                                <a:rPr lang="en-US" b="0" i="1" smtClean="0">
+                                  <a:latin typeface="Cambria Math" panose="02040503050406030204" pitchFamily="18" charset="0"/>
+                                </a:rPr>
+                                <m:t>′</m:t>
+                              </m:r>
+                            </m:sup>
+                          </m:sSup>
+                        </m:e>
+                      </m:d>
+                      <m:r>
+                        <a:rPr lang="en-US" b="0" i="1" smtClean="0">
+                          <a:latin typeface="Cambria Math" panose="02040503050406030204" pitchFamily="18" charset="0"/>
+                        </a:rPr>
+                        <m:t>=</m:t>
+                      </m:r>
+                      <m:sSub>
+                        <m:sSubPr>
+                          <m:ctrlPr>
+                            <a:rPr lang="en-US" b="0" i="1" smtClean="0">
+                              <a:latin typeface="Cambria Math" panose="02040503050406030204" pitchFamily="18" charset="0"/>
+                            </a:rPr>
+                          </m:ctrlPr>
+                        </m:sSubPr>
+                        <m:e>
+                          <m:r>
+                            <a:rPr lang="en-US" b="0" i="1" smtClean="0">
+                              <a:latin typeface="Cambria Math" panose="02040503050406030204" pitchFamily="18" charset="0"/>
+                            </a:rPr>
+                            <m:t>𝜙</m:t>
+                          </m:r>
+                        </m:e>
+                        <m:sub>
+                          <m:r>
+                            <a:rPr lang="en-US" b="0" i="1" smtClean="0">
+                              <a:latin typeface="Cambria Math" panose="02040503050406030204" pitchFamily="18" charset="0"/>
+                            </a:rPr>
+                            <m:t>0</m:t>
+                          </m:r>
+                        </m:sub>
+                      </m:sSub>
+                      <m:r>
+                        <a:rPr lang="en-US" b="0" i="1" smtClean="0">
+                          <a:latin typeface="Cambria Math" panose="02040503050406030204" pitchFamily="18" charset="0"/>
+                        </a:rPr>
+                        <m:t>+</m:t>
+                      </m:r>
+                      <m:nary>
+                        <m:naryPr>
+                          <m:chr m:val="∑"/>
+                          <m:ctrlPr>
+                            <a:rPr lang="en-US" b="0" i="1" smtClean="0">
+                              <a:latin typeface="Cambria Math" panose="02040503050406030204" pitchFamily="18" charset="0"/>
+                            </a:rPr>
+                          </m:ctrlPr>
+                        </m:naryPr>
+                        <m:sub>
+                          <m:r>
+                            <a:rPr lang="en-US" b="0" i="1" smtClean="0">
+                              <a:latin typeface="Cambria Math" panose="02040503050406030204" pitchFamily="18" charset="0"/>
+                            </a:rPr>
+                            <m:t>𝑖</m:t>
+                          </m:r>
+                          <m:r>
+                            <a:rPr lang="en-US" b="0" i="1" smtClean="0">
+                              <a:latin typeface="Cambria Math" panose="02040503050406030204" pitchFamily="18" charset="0"/>
+                            </a:rPr>
+                            <m:t>=1</m:t>
+                          </m:r>
+                        </m:sub>
+                        <m:sup>
+                          <m:r>
+                            <a:rPr lang="en-US" b="0" i="1" smtClean="0">
+                              <a:latin typeface="Cambria Math" panose="02040503050406030204" pitchFamily="18" charset="0"/>
+                            </a:rPr>
+                            <m:t>𝑀</m:t>
+                          </m:r>
+                        </m:sup>
+                        <m:e>
+                          <m:sSub>
+                            <m:sSubPr>
+                              <m:ctrlPr>
+                                <a:rPr lang="en-US" b="0" i="1" smtClean="0">
+                                  <a:latin typeface="Cambria Math" panose="02040503050406030204" pitchFamily="18" charset="0"/>
+                                </a:rPr>
+                              </m:ctrlPr>
+                            </m:sSubPr>
+                            <m:e>
+                              <m:r>
+                                <a:rPr lang="en-US" b="0" i="1" smtClean="0">
+                                  <a:latin typeface="Cambria Math" panose="02040503050406030204" pitchFamily="18" charset="0"/>
+                                </a:rPr>
+                                <m:t>𝜙</m:t>
+                              </m:r>
+                            </m:e>
+                            <m:sub>
+                              <m:r>
+                                <a:rPr lang="en-US" b="0" i="1" smtClean="0">
+                                  <a:latin typeface="Cambria Math" panose="02040503050406030204" pitchFamily="18" charset="0"/>
+                                </a:rPr>
+                                <m:t>𝑖</m:t>
+                              </m:r>
+                            </m:sub>
+                          </m:sSub>
+                          <m:sSubSup>
+                            <m:sSubSupPr>
+                              <m:ctrlPr>
+                                <a:rPr lang="en-US" b="0" i="1" smtClean="0">
+                                  <a:latin typeface="Cambria Math" panose="02040503050406030204" pitchFamily="18" charset="0"/>
+                                </a:rPr>
+                              </m:ctrlPr>
+                            </m:sSubSupPr>
+                            <m:e>
+                              <m:r>
+                                <a:rPr lang="en-US" b="0" i="1" smtClean="0">
+                                  <a:latin typeface="Cambria Math" panose="02040503050406030204" pitchFamily="18" charset="0"/>
+                                </a:rPr>
+                                <m:t>𝑥</m:t>
+                              </m:r>
+                            </m:e>
+                            <m:sub>
+                              <m:r>
+                                <a:rPr lang="en-US" b="0" i="1" smtClean="0">
+                                  <a:latin typeface="Cambria Math" panose="02040503050406030204" pitchFamily="18" charset="0"/>
+                                </a:rPr>
+                                <m:t>𝑖</m:t>
+                              </m:r>
+                            </m:sub>
+                            <m:sup>
+                              <m:r>
+                                <a:rPr lang="en-US" b="0" i="1" smtClean="0">
+                                  <a:latin typeface="Cambria Math" panose="02040503050406030204" pitchFamily="18" charset="0"/>
+                                </a:rPr>
+                                <m:t>′</m:t>
+                              </m:r>
+                            </m:sup>
+                          </m:sSubSup>
+                        </m:e>
+                      </m:nary>
+                    </m:oMath>
+                  </m:oMathPara>
+                </a14:m>
+                <a:endParaRPr lang="en-US" dirty="0"/>
+              </a:p>
+            </p:txBody>
+          </p:sp>
+        </mc:Choice>
+        <mc:Fallback xmlns="">
+          <p:sp>
+            <p:nvSpPr>
+              <p:cNvPr id="2" name="TextBox 1">
+                <a:extLst>
+                  <a:ext uri="{FF2B5EF4-FFF2-40B4-BE49-F238E27FC236}">
+                    <a16:creationId xmlns:a16="http://schemas.microsoft.com/office/drawing/2014/main" id="{6EA4298D-5F44-BED8-C658-600C737FDBA5}"/>
+                  </a:ext>
+                </a:extLst>
+              </p:cNvPr>
+              <p:cNvSpPr txBox="1">
+                <a:spLocks noRot="1" noChangeAspect="1" noMove="1" noResize="1" noEditPoints="1" noAdjustHandles="1" noChangeArrowheads="1" noChangeShapeType="1" noTextEdit="1"/>
+              </p:cNvSpPr>
+              <p:nvPr/>
+            </p:nvSpPr>
+            <p:spPr>
+              <a:xfrm>
+                <a:off x="3545764" y="1886205"/>
+                <a:ext cx="1737078" cy="605807"/>
+              </a:xfrm>
+              <a:prstGeom prst="rect">
+                <a:avLst/>
+              </a:prstGeom>
+              <a:blipFill>
+                <a:blip r:embed="rId5"/>
+                <a:stretch>
+                  <a:fillRect/>
+                </a:stretch>
+              </a:blipFill>
+            </p:spPr>
+            <p:txBody>
+              <a:bodyPr/>
+              <a:lstStyle/>
+              <a:p>
+                <a:r>
+                  <a:rPr lang="en-US">
+                    <a:noFill/>
+                  </a:rPr>
+                  <a:t> </a:t>
+                </a:r>
+              </a:p>
+            </p:txBody>
+          </p:sp>
+        </mc:Fallback>
+      </mc:AlternateContent>
+      <mc:AlternateContent xmlns:mc="http://schemas.openxmlformats.org/markup-compatibility/2006" xmlns:a14="http://schemas.microsoft.com/office/drawing/2010/main">
+        <mc:Choice Requires="a14">
+          <p:sp>
+            <p:nvSpPr>
+              <p:cNvPr id="7" name="TextBox 6">
+                <a:extLst>
+                  <a:ext uri="{FF2B5EF4-FFF2-40B4-BE49-F238E27FC236}">
+                    <a16:creationId xmlns:a16="http://schemas.microsoft.com/office/drawing/2014/main" id="{747E3D42-0B81-C07C-1DCB-B0A1467D0262}"/>
+                  </a:ext>
+                </a:extLst>
+              </p:cNvPr>
+              <p:cNvSpPr txBox="1"/>
+              <p:nvPr/>
+            </p:nvSpPr>
+            <p:spPr>
+              <a:xfrm>
+                <a:off x="3545764" y="2481815"/>
+                <a:ext cx="4023024" cy="630173"/>
+              </a:xfrm>
+              <a:prstGeom prst="rect">
+                <a:avLst/>
+              </a:prstGeom>
+              <a:noFill/>
+            </p:spPr>
+            <p:txBody>
+              <a:bodyPr wrap="none" lIns="0" tIns="0" rIns="0" bIns="0" rtlCol="0">
+                <a:spAutoFit/>
+              </a:bodyPr>
+              <a:lstStyle/>
+              <a:p>
+                <a:pPr/>
+                <a14:m>
+                  <m:oMathPara xmlns:m="http://schemas.openxmlformats.org/officeDocument/2006/math">
+                    <m:oMathParaPr>
+                      <m:jc m:val="centerGroup"/>
+                    </m:oMathParaPr>
+                    <m:oMath xmlns:m="http://schemas.openxmlformats.org/officeDocument/2006/math">
+                      <m:acc>
+                        <m:accPr>
+                          <m:chr m:val="̂"/>
+                          <m:ctrlPr>
+                            <a:rPr lang="en-US" i="1" smtClean="0">
+                              <a:latin typeface="Cambria Math" panose="02040503050406030204" pitchFamily="18" charset="0"/>
+                            </a:rPr>
+                          </m:ctrlPr>
+                        </m:accPr>
+                        <m:e>
+                          <m:r>
+                            <a:rPr lang="en-US" i="1">
+                              <a:latin typeface="Cambria Math" panose="02040503050406030204" pitchFamily="18" charset="0"/>
+                            </a:rPr>
+                            <m:t>𝑓</m:t>
+                          </m:r>
+                        </m:e>
+                      </m:acc>
+                      <m:d>
+                        <m:dPr>
+                          <m:ctrlPr>
+                            <a:rPr lang="en-US" i="1">
+                              <a:latin typeface="Cambria Math" panose="02040503050406030204" pitchFamily="18" charset="0"/>
+                            </a:rPr>
+                          </m:ctrlPr>
+                        </m:dPr>
+                        <m:e>
+                          <m:r>
+                            <a:rPr lang="en-US" i="1">
+                              <a:latin typeface="Cambria Math" panose="02040503050406030204" pitchFamily="18" charset="0"/>
+                            </a:rPr>
+                            <m:t>𝑥</m:t>
+                          </m:r>
+                        </m:e>
+                      </m:d>
+                      <m:r>
+                        <a:rPr lang="en-US" b="0" i="1" smtClean="0">
+                          <a:latin typeface="Cambria Math" panose="02040503050406030204" pitchFamily="18" charset="0"/>
+                        </a:rPr>
+                        <m:t>=</m:t>
+                      </m:r>
+                      <m:r>
+                        <a:rPr lang="en-US" b="0" i="1" smtClean="0">
+                          <a:latin typeface="Cambria Math" panose="02040503050406030204" pitchFamily="18" charset="0"/>
+                        </a:rPr>
+                        <m:t>𝑔</m:t>
+                      </m:r>
+                      <m:d>
+                        <m:dPr>
+                          <m:ctrlPr>
+                            <a:rPr lang="en-US" b="0" i="1" smtClean="0">
+                              <a:latin typeface="Cambria Math" panose="02040503050406030204" pitchFamily="18" charset="0"/>
+                            </a:rPr>
+                          </m:ctrlPr>
+                        </m:dPr>
+                        <m:e>
+                          <m:sSup>
+                            <m:sSupPr>
+                              <m:ctrlPr>
+                                <a:rPr lang="en-US" b="0" i="1" smtClean="0">
+                                  <a:latin typeface="Cambria Math" panose="02040503050406030204" pitchFamily="18" charset="0"/>
+                                </a:rPr>
+                              </m:ctrlPr>
+                            </m:sSupPr>
+                            <m:e>
+                              <m:r>
+                                <a:rPr lang="en-US" b="0" i="1" smtClean="0">
+                                  <a:latin typeface="Cambria Math" panose="02040503050406030204" pitchFamily="18" charset="0"/>
+                                </a:rPr>
+                                <m:t>𝑥</m:t>
+                              </m:r>
+                            </m:e>
+                            <m:sup>
+                              <m:r>
+                                <a:rPr lang="en-US" b="0" i="1" smtClean="0">
+                                  <a:latin typeface="Cambria Math" panose="02040503050406030204" pitchFamily="18" charset="0"/>
+                                </a:rPr>
+                                <m:t>′</m:t>
+                              </m:r>
+                            </m:sup>
+                          </m:sSup>
+                        </m:e>
+                      </m:d>
+                      <m:r>
+                        <a:rPr lang="en-US" b="0" i="1" smtClean="0">
+                          <a:latin typeface="Cambria Math" panose="02040503050406030204" pitchFamily="18" charset="0"/>
+                        </a:rPr>
+                        <m:t>=</m:t>
+                      </m:r>
+                      <m:sSub>
+                        <m:sSubPr>
+                          <m:ctrlPr>
+                            <a:rPr lang="en-US" b="0" i="1" smtClean="0">
+                              <a:latin typeface="Cambria Math" panose="02040503050406030204" pitchFamily="18" charset="0"/>
+                            </a:rPr>
+                          </m:ctrlPr>
+                        </m:sSubPr>
+                        <m:e>
+                          <m:r>
+                            <a:rPr lang="en-US" b="0" i="1" smtClean="0">
+                              <a:latin typeface="Cambria Math" panose="02040503050406030204" pitchFamily="18" charset="0"/>
+                            </a:rPr>
+                            <m:t>𝜙</m:t>
+                          </m:r>
+                        </m:e>
+                        <m:sub>
+                          <m:r>
+                            <a:rPr lang="en-US" b="0" i="1" smtClean="0">
+                              <a:latin typeface="Cambria Math" panose="02040503050406030204" pitchFamily="18" charset="0"/>
+                            </a:rPr>
+                            <m:t>0</m:t>
+                          </m:r>
+                        </m:sub>
+                      </m:sSub>
+                      <m:r>
+                        <a:rPr lang="en-US" b="0" i="1" smtClean="0">
+                          <a:latin typeface="Cambria Math" panose="02040503050406030204" pitchFamily="18" charset="0"/>
+                        </a:rPr>
+                        <m:t>+</m:t>
+                      </m:r>
+                      <m:nary>
+                        <m:naryPr>
+                          <m:chr m:val="∑"/>
+                          <m:ctrlPr>
+                            <a:rPr lang="en-US" b="0" i="1" smtClean="0">
+                              <a:latin typeface="Cambria Math" panose="02040503050406030204" pitchFamily="18" charset="0"/>
+                            </a:rPr>
+                          </m:ctrlPr>
+                        </m:naryPr>
+                        <m:sub>
+                          <m:r>
+                            <a:rPr lang="en-US" b="0" i="1" smtClean="0">
+                              <a:latin typeface="Cambria Math" panose="02040503050406030204" pitchFamily="18" charset="0"/>
+                            </a:rPr>
+                            <m:t>𝑖</m:t>
+                          </m:r>
+                          <m:r>
+                            <a:rPr lang="en-US" b="0" i="1" smtClean="0">
+                              <a:latin typeface="Cambria Math" panose="02040503050406030204" pitchFamily="18" charset="0"/>
+                            </a:rPr>
+                            <m:t>=1</m:t>
+                          </m:r>
+                        </m:sub>
+                        <m:sup>
+                          <m:r>
+                            <a:rPr lang="en-US" b="0" i="1" smtClean="0">
+                              <a:latin typeface="Cambria Math" panose="02040503050406030204" pitchFamily="18" charset="0"/>
+                            </a:rPr>
+                            <m:t>𝑀</m:t>
+                          </m:r>
+                        </m:sup>
+                        <m:e>
+                          <m:sSub>
+                            <m:sSubPr>
+                              <m:ctrlPr>
+                                <a:rPr lang="en-US" b="0" i="1" smtClean="0">
+                                  <a:latin typeface="Cambria Math" panose="02040503050406030204" pitchFamily="18" charset="0"/>
+                                </a:rPr>
+                              </m:ctrlPr>
+                            </m:sSubPr>
+                            <m:e>
+                              <m:r>
+                                <a:rPr lang="en-US" b="0" i="1" smtClean="0">
+                                  <a:latin typeface="Cambria Math" panose="02040503050406030204" pitchFamily="18" charset="0"/>
+                                </a:rPr>
+                                <m:t>𝜙</m:t>
+                              </m:r>
+                            </m:e>
+                            <m:sub>
+                              <m:r>
+                                <a:rPr lang="en-US" b="0" i="1" smtClean="0">
+                                  <a:latin typeface="Cambria Math" panose="02040503050406030204" pitchFamily="18" charset="0"/>
+                                </a:rPr>
+                                <m:t>𝑖</m:t>
+                              </m:r>
+                            </m:sub>
+                          </m:sSub>
+                          <m:sSubSup>
+                            <m:sSubSupPr>
+                              <m:ctrlPr>
+                                <a:rPr lang="en-US" b="0" i="1" smtClean="0">
+                                  <a:latin typeface="Cambria Math" panose="02040503050406030204" pitchFamily="18" charset="0"/>
+                                </a:rPr>
+                              </m:ctrlPr>
+                            </m:sSubSupPr>
+                            <m:e>
+                              <m:r>
+                                <a:rPr lang="en-US" b="0" i="1" smtClean="0">
+                                  <a:latin typeface="Cambria Math" panose="02040503050406030204" pitchFamily="18" charset="0"/>
+                                </a:rPr>
+                                <m:t>𝑥</m:t>
+                              </m:r>
+                            </m:e>
+                            <m:sub>
+                              <m:r>
+                                <a:rPr lang="en-US" b="0" i="1" smtClean="0">
+                                  <a:latin typeface="Cambria Math" panose="02040503050406030204" pitchFamily="18" charset="0"/>
+                                </a:rPr>
+                                <m:t>𝑖</m:t>
+                              </m:r>
+                            </m:sub>
+                            <m:sup>
+                              <m:r>
+                                <a:rPr lang="en-US" b="0" i="1" smtClean="0">
+                                  <a:latin typeface="Cambria Math" panose="02040503050406030204" pitchFamily="18" charset="0"/>
+                                </a:rPr>
+                                <m:t>′</m:t>
+                              </m:r>
+                            </m:sup>
+                          </m:sSubSup>
+                        </m:e>
+                      </m:nary>
+                      <m:r>
+                        <a:rPr lang="en-US" b="0" i="1" smtClean="0">
+                          <a:latin typeface="Cambria Math" panose="02040503050406030204" pitchFamily="18" charset="0"/>
+                        </a:rPr>
+                        <m:t>=</m:t>
+                      </m:r>
+                      <m:sSub>
+                        <m:sSubPr>
+                          <m:ctrlPr>
+                            <a:rPr lang="en-US" i="1">
+                              <a:latin typeface="Cambria Math" panose="02040503050406030204" pitchFamily="18" charset="0"/>
+                            </a:rPr>
+                          </m:ctrlPr>
+                        </m:sSubPr>
+                        <m:e>
+                          <m:r>
+                            <a:rPr lang="en-US" i="1">
+                              <a:latin typeface="Cambria Math" panose="02040503050406030204" pitchFamily="18" charset="0"/>
+                            </a:rPr>
+                            <m:t>𝔼</m:t>
+                          </m:r>
+                        </m:e>
+                        <m:sub>
+                          <m:r>
+                            <a:rPr lang="en-US" i="1">
+                              <a:latin typeface="Cambria Math" panose="02040503050406030204" pitchFamily="18" charset="0"/>
+                            </a:rPr>
+                            <m:t>𝑋</m:t>
+                          </m:r>
+                        </m:sub>
+                      </m:sSub>
+                      <m:d>
+                        <m:dPr>
+                          <m:ctrlPr>
+                            <a:rPr lang="en-US" i="1">
+                              <a:latin typeface="Cambria Math" panose="02040503050406030204" pitchFamily="18" charset="0"/>
+                            </a:rPr>
+                          </m:ctrlPr>
+                        </m:dPr>
+                        <m:e>
+                          <m:acc>
+                            <m:accPr>
+                              <m:chr m:val="̅"/>
+                              <m:ctrlPr>
+                                <a:rPr lang="en-US" i="1">
+                                  <a:latin typeface="Cambria Math" panose="02040503050406030204" pitchFamily="18" charset="0"/>
+                                </a:rPr>
+                              </m:ctrlPr>
+                            </m:accPr>
+                            <m:e>
+                              <m:r>
+                                <a:rPr lang="en-US" i="1">
+                                  <a:latin typeface="Cambria Math" panose="02040503050406030204" pitchFamily="18" charset="0"/>
+                                </a:rPr>
+                                <m:t>𝑓</m:t>
+                              </m:r>
+                            </m:e>
+                          </m:acc>
+                          <m:d>
+                            <m:dPr>
+                              <m:ctrlPr>
+                                <a:rPr lang="en-US" i="1">
+                                  <a:latin typeface="Cambria Math" panose="02040503050406030204" pitchFamily="18" charset="0"/>
+                                </a:rPr>
+                              </m:ctrlPr>
+                            </m:dPr>
+                            <m:e>
+                              <m:r>
+                                <a:rPr lang="en-US" i="1">
+                                  <a:latin typeface="Cambria Math" panose="02040503050406030204" pitchFamily="18" charset="0"/>
+                                </a:rPr>
+                                <m:t>𝑋</m:t>
+                              </m:r>
+                            </m:e>
+                          </m:d>
+                        </m:e>
+                      </m:d>
+                      <m:r>
+                        <a:rPr lang="en-US" i="1">
+                          <a:latin typeface="Cambria Math" panose="02040503050406030204" pitchFamily="18" charset="0"/>
+                        </a:rPr>
+                        <m:t>+</m:t>
+                      </m:r>
+                      <m:nary>
+                        <m:naryPr>
+                          <m:chr m:val="∑"/>
+                          <m:ctrlPr>
+                            <a:rPr lang="en-US" i="1">
+                              <a:latin typeface="Cambria Math" panose="02040503050406030204" pitchFamily="18" charset="0"/>
+                            </a:rPr>
+                          </m:ctrlPr>
+                        </m:naryPr>
+                        <m:sub>
+                          <m:r>
+                            <a:rPr lang="en-US" i="1">
+                              <a:latin typeface="Cambria Math" panose="02040503050406030204" pitchFamily="18" charset="0"/>
+                            </a:rPr>
+                            <m:t>𝑗</m:t>
+                          </m:r>
+                          <m:r>
+                            <a:rPr lang="en-US" i="1">
+                              <a:latin typeface="Cambria Math" panose="02040503050406030204" pitchFamily="18" charset="0"/>
+                            </a:rPr>
+                            <m:t>=1</m:t>
+                          </m:r>
+                        </m:sub>
+                        <m:sup>
+                          <m:r>
+                            <a:rPr lang="en-US" i="1">
+                              <a:latin typeface="Cambria Math" panose="02040503050406030204" pitchFamily="18" charset="0"/>
+                            </a:rPr>
+                            <m:t>𝑀</m:t>
+                          </m:r>
+                        </m:sup>
+                        <m:e>
+                          <m:sSub>
+                            <m:sSubPr>
+                              <m:ctrlPr>
+                                <a:rPr lang="en-US" i="1">
+                                  <a:latin typeface="Cambria Math" panose="02040503050406030204" pitchFamily="18" charset="0"/>
+                                </a:rPr>
+                              </m:ctrlPr>
+                            </m:sSubPr>
+                            <m:e>
+                              <m:r>
+                                <a:rPr lang="en-US" i="1">
+                                  <a:latin typeface="Cambria Math" panose="02040503050406030204" pitchFamily="18" charset="0"/>
+                                </a:rPr>
+                                <m:t>𝜙</m:t>
+                              </m:r>
+                            </m:e>
+                            <m:sub>
+                              <m:r>
+                                <a:rPr lang="en-US" i="1">
+                                  <a:latin typeface="Cambria Math" panose="02040503050406030204" pitchFamily="18" charset="0"/>
+                                </a:rPr>
+                                <m:t>𝑗</m:t>
+                              </m:r>
+                            </m:sub>
+                          </m:sSub>
+                        </m:e>
+                      </m:nary>
+                    </m:oMath>
+                  </m:oMathPara>
+                </a14:m>
+                <a:endParaRPr lang="en-US" dirty="0"/>
+              </a:p>
+            </p:txBody>
+          </p:sp>
+        </mc:Choice>
+        <mc:Fallback xmlns="">
+          <p:sp>
+            <p:nvSpPr>
+              <p:cNvPr id="7" name="TextBox 6">
+                <a:extLst>
+                  <a:ext uri="{FF2B5EF4-FFF2-40B4-BE49-F238E27FC236}">
+                    <a16:creationId xmlns:a16="http://schemas.microsoft.com/office/drawing/2014/main" id="{747E3D42-0B81-C07C-1DCB-B0A1467D0262}"/>
+                  </a:ext>
+                </a:extLst>
+              </p:cNvPr>
+              <p:cNvSpPr txBox="1">
+                <a:spLocks noRot="1" noChangeAspect="1" noMove="1" noResize="1" noEditPoints="1" noAdjustHandles="1" noChangeArrowheads="1" noChangeShapeType="1" noTextEdit="1"/>
+              </p:cNvSpPr>
+              <p:nvPr/>
+            </p:nvSpPr>
+            <p:spPr>
+              <a:xfrm>
+                <a:off x="3545764" y="2481815"/>
+                <a:ext cx="4023024" cy="630173"/>
+              </a:xfrm>
+              <a:prstGeom prst="rect">
+                <a:avLst/>
+              </a:prstGeom>
+              <a:blipFill>
+                <a:blip r:embed="rId6"/>
+                <a:stretch>
+                  <a:fillRect b="-971"/>
+                </a:stretch>
+              </a:blipFill>
+            </p:spPr>
+            <p:txBody>
+              <a:bodyPr/>
+              <a:lstStyle/>
+              <a:p>
+                <a:r>
+                  <a:rPr lang="en-US">
+                    <a:noFill/>
+                  </a:rPr>
+                  <a:t> </a:t>
+                </a:r>
+              </a:p>
+            </p:txBody>
+          </p:sp>
+        </mc:Fallback>
+      </mc:AlternateContent>
+      <mc:AlternateContent xmlns:mc="http://schemas.openxmlformats.org/markup-compatibility/2006" xmlns:a14="http://schemas.microsoft.com/office/drawing/2010/main">
+        <mc:Choice Requires="a14">
+          <p:sp>
+            <p:nvSpPr>
+              <p:cNvPr id="8" name="TextBox 7">
+                <a:extLst>
+                  <a:ext uri="{FF2B5EF4-FFF2-40B4-BE49-F238E27FC236}">
+                    <a16:creationId xmlns:a16="http://schemas.microsoft.com/office/drawing/2014/main" id="{5A9CC2EE-7754-D322-E9F0-93EA28BC83BF}"/>
+                  </a:ext>
+                </a:extLst>
+              </p:cNvPr>
+              <p:cNvSpPr txBox="1"/>
+              <p:nvPr/>
+            </p:nvSpPr>
+            <p:spPr>
+              <a:xfrm>
+                <a:off x="723960" y="3499517"/>
+                <a:ext cx="8000940" cy="1224118"/>
+              </a:xfrm>
+              <a:prstGeom prst="rect">
+                <a:avLst/>
+              </a:prstGeom>
+              <a:noFill/>
+            </p:spPr>
+            <p:txBody>
+              <a:bodyPr wrap="square">
+                <a:spAutoFit/>
+              </a:bodyPr>
+              <a:lstStyle/>
+              <a:p>
+                <a:pPr algn="just"/>
+                <a:r>
+                  <a:rPr lang="en-US" sz="1200" dirty="0">
+                    <a:latin typeface="Amasis MT Pro Medium" panose="02040604050005020304" pitchFamily="18" charset="0"/>
+                    <a:ea typeface="CMU Serif Roman" panose="02000603000000000000" pitchFamily="2" charset="0"/>
+                    <a:cs typeface="CMU Serif Roman" panose="02000603000000000000" pitchFamily="2" charset="0"/>
+                  </a:rPr>
+                  <a:t>It means that the explanation of model </a:t>
+                </a:r>
+                <a14:m>
+                  <m:oMath xmlns:m="http://schemas.openxmlformats.org/officeDocument/2006/math">
+                    <m:r>
+                      <a:rPr lang="en-US" sz="1200" b="0" i="1" smtClean="0">
+                        <a:latin typeface="Cambria Math" panose="02040503050406030204" pitchFamily="18" charset="0"/>
+                        <a:ea typeface="CMU Serif Roman" panose="02000603000000000000" pitchFamily="2" charset="0"/>
+                        <a:cs typeface="CMU Serif Roman" panose="02000603000000000000" pitchFamily="2" charset="0"/>
+                      </a:rPr>
+                      <m:t>𝑔</m:t>
+                    </m:r>
+                    <m:r>
+                      <a:rPr lang="en-US" sz="1200" b="0" i="1" smtClean="0">
+                        <a:latin typeface="Cambria Math" panose="02040503050406030204" pitchFamily="18" charset="0"/>
+                        <a:ea typeface="CMU Serif Roman" panose="02000603000000000000" pitchFamily="2" charset="0"/>
+                        <a:cs typeface="CMU Serif Roman" panose="02000603000000000000" pitchFamily="2" charset="0"/>
+                      </a:rPr>
+                      <m:t>(</m:t>
+                    </m:r>
+                    <m:sSup>
+                      <m:sSupPr>
+                        <m:ctrlPr>
+                          <a:rPr lang="en-US" sz="1200" b="0" i="1" smtClean="0">
+                            <a:latin typeface="Cambria Math" panose="02040503050406030204" pitchFamily="18" charset="0"/>
+                            <a:ea typeface="CMU Serif Roman" panose="02000603000000000000" pitchFamily="2" charset="0"/>
+                            <a:cs typeface="CMU Serif Roman" panose="02000603000000000000" pitchFamily="2" charset="0"/>
+                          </a:rPr>
+                        </m:ctrlPr>
+                      </m:sSupPr>
+                      <m:e>
+                        <m:r>
+                          <a:rPr lang="en-US" sz="1200" b="0" i="1" smtClean="0">
+                            <a:latin typeface="Cambria Math" panose="02040503050406030204" pitchFamily="18" charset="0"/>
+                            <a:ea typeface="CMU Serif Roman" panose="02000603000000000000" pitchFamily="2" charset="0"/>
+                            <a:cs typeface="CMU Serif Roman" panose="02000603000000000000" pitchFamily="2" charset="0"/>
+                          </a:rPr>
+                          <m:t>𝑥</m:t>
+                        </m:r>
+                      </m:e>
+                      <m:sup>
+                        <m:r>
+                          <a:rPr lang="en-US" sz="1200" b="0" i="1" smtClean="0">
+                            <a:latin typeface="Cambria Math" panose="02040503050406030204" pitchFamily="18" charset="0"/>
+                            <a:ea typeface="CMU Serif Roman" panose="02000603000000000000" pitchFamily="2" charset="0"/>
+                            <a:cs typeface="CMU Serif Roman" panose="02000603000000000000" pitchFamily="2" charset="0"/>
+                          </a:rPr>
+                          <m:t>′</m:t>
+                        </m:r>
+                      </m:sup>
+                    </m:sSup>
+                    <m:r>
+                      <a:rPr lang="en-US" sz="1200" b="0" i="1" smtClean="0">
+                        <a:latin typeface="Cambria Math" panose="02040503050406030204" pitchFamily="18" charset="0"/>
+                        <a:ea typeface="CMU Serif Roman" panose="02000603000000000000" pitchFamily="2" charset="0"/>
+                        <a:cs typeface="CMU Serif Roman" panose="02000603000000000000" pitchFamily="2" charset="0"/>
+                      </a:rPr>
+                      <m:t>)</m:t>
+                    </m:r>
+                  </m:oMath>
+                </a14:m>
+                <a:r>
+                  <a:rPr lang="en-US" sz="1200" dirty="0">
+                    <a:latin typeface="Amasis MT Pro Medium" panose="02040604050005020304" pitchFamily="18" charset="0"/>
+                    <a:ea typeface="CMU Serif Roman" panose="02000603000000000000" pitchFamily="2" charset="0"/>
+                    <a:cs typeface="CMU Serif Roman" panose="02000603000000000000" pitchFamily="2" charset="0"/>
+                  </a:rPr>
+                  <a:t> should match the original model </a:t>
+                </a:r>
+                <a14:m>
+                  <m:oMath xmlns:m="http://schemas.openxmlformats.org/officeDocument/2006/math">
+                    <m:r>
+                      <a:rPr lang="en-US" sz="1200" b="0" i="1" smtClean="0">
+                        <a:latin typeface="Cambria Math" panose="02040503050406030204" pitchFamily="18" charset="0"/>
+                        <a:ea typeface="CMU Serif Roman" panose="02000603000000000000" pitchFamily="2" charset="0"/>
+                        <a:cs typeface="CMU Serif Roman" panose="02000603000000000000" pitchFamily="2" charset="0"/>
+                      </a:rPr>
+                      <m:t>𝑓</m:t>
+                    </m:r>
+                    <m:r>
+                      <a:rPr lang="en-US" sz="1200" b="0" i="1" smtClean="0">
+                        <a:latin typeface="Cambria Math" panose="02040503050406030204" pitchFamily="18" charset="0"/>
+                        <a:ea typeface="CMU Serif Roman" panose="02000603000000000000" pitchFamily="2" charset="0"/>
+                        <a:cs typeface="CMU Serif Roman" panose="02000603000000000000" pitchFamily="2" charset="0"/>
+                      </a:rPr>
+                      <m:t>(</m:t>
+                    </m:r>
+                    <m:r>
+                      <a:rPr lang="en-US" sz="1200" b="0" i="1" smtClean="0">
+                        <a:latin typeface="Cambria Math" panose="02040503050406030204" pitchFamily="18" charset="0"/>
+                        <a:ea typeface="CMU Serif Roman" panose="02000603000000000000" pitchFamily="2" charset="0"/>
+                        <a:cs typeface="CMU Serif Roman" panose="02000603000000000000" pitchFamily="2" charset="0"/>
+                      </a:rPr>
+                      <m:t>𝑥</m:t>
+                    </m:r>
+                    <m:r>
+                      <a:rPr lang="en-US" sz="1200" b="0" i="1" smtClean="0">
+                        <a:latin typeface="Cambria Math" panose="02040503050406030204" pitchFamily="18" charset="0"/>
+                        <a:ea typeface="CMU Serif Roman" panose="02000603000000000000" pitchFamily="2" charset="0"/>
+                        <a:cs typeface="CMU Serif Roman" panose="02000603000000000000" pitchFamily="2" charset="0"/>
+                      </a:rPr>
+                      <m:t>)</m:t>
+                    </m:r>
+                  </m:oMath>
+                </a14:m>
+                <a:r>
+                  <a:rPr lang="en-US" sz="1200" dirty="0">
+                    <a:latin typeface="Amasis MT Pro Medium" panose="02040604050005020304" pitchFamily="18" charset="0"/>
+                    <a:ea typeface="CMU Serif Roman" panose="02000603000000000000" pitchFamily="2" charset="0"/>
+                    <a:cs typeface="CMU Serif Roman" panose="02000603000000000000" pitchFamily="2" charset="0"/>
+                  </a:rPr>
+                  <a:t> in the situation when </a:t>
+                </a:r>
+              </a:p>
+              <a:p>
+                <a:pPr algn="just"/>
+                <a14:m>
+                  <m:oMath xmlns:m="http://schemas.openxmlformats.org/officeDocument/2006/math">
+                    <m:r>
+                      <a:rPr lang="en-US" sz="1200" b="0" i="1" smtClean="0">
+                        <a:latin typeface="Cambria Math" panose="02040503050406030204" pitchFamily="18" charset="0"/>
+                        <a:ea typeface="CMU Serif Roman" panose="02000603000000000000" pitchFamily="2" charset="0"/>
+                        <a:cs typeface="CMU Serif Roman" panose="02000603000000000000" pitchFamily="2" charset="0"/>
+                      </a:rPr>
+                      <m:t>𝑥</m:t>
+                    </m:r>
+                    <m:r>
+                      <a:rPr lang="en-US" sz="1200" b="0" i="1" smtClean="0">
+                        <a:latin typeface="Cambria Math" panose="02040503050406030204" pitchFamily="18" charset="0"/>
+                        <a:ea typeface="CMU Serif Roman" panose="02000603000000000000" pitchFamily="2" charset="0"/>
+                        <a:cs typeface="CMU Serif Roman" panose="02000603000000000000" pitchFamily="2" charset="0"/>
+                      </a:rPr>
+                      <m:t>=</m:t>
+                    </m:r>
+                    <m:sSub>
+                      <m:sSubPr>
+                        <m:ctrlPr>
+                          <a:rPr lang="en-US" sz="1200" b="0" i="1" smtClean="0">
+                            <a:latin typeface="Cambria Math" panose="02040503050406030204" pitchFamily="18" charset="0"/>
+                            <a:ea typeface="CMU Serif Roman" panose="02000603000000000000" pitchFamily="2" charset="0"/>
+                            <a:cs typeface="CMU Serif Roman" panose="02000603000000000000" pitchFamily="2" charset="0"/>
+                          </a:rPr>
+                        </m:ctrlPr>
+                      </m:sSubPr>
+                      <m:e>
+                        <m:r>
+                          <a:rPr lang="en-US" sz="1200" b="0" i="1" smtClean="0">
+                            <a:latin typeface="Cambria Math" panose="02040503050406030204" pitchFamily="18" charset="0"/>
+                            <a:ea typeface="CMU Serif Roman" panose="02000603000000000000" pitchFamily="2" charset="0"/>
+                            <a:cs typeface="CMU Serif Roman" panose="02000603000000000000" pitchFamily="2" charset="0"/>
+                          </a:rPr>
+                          <m:t>h</m:t>
+                        </m:r>
+                      </m:e>
+                      <m:sub>
+                        <m:r>
+                          <a:rPr lang="en-US" sz="1200" b="0" i="1" smtClean="0">
+                            <a:latin typeface="Cambria Math" panose="02040503050406030204" pitchFamily="18" charset="0"/>
+                            <a:ea typeface="CMU Serif Roman" panose="02000603000000000000" pitchFamily="2" charset="0"/>
+                            <a:cs typeface="CMU Serif Roman" panose="02000603000000000000" pitchFamily="2" charset="0"/>
+                          </a:rPr>
+                          <m:t>𝑥</m:t>
+                        </m:r>
+                      </m:sub>
+                    </m:sSub>
+                    <m:r>
+                      <a:rPr lang="en-US" sz="1200" b="0" i="1" smtClean="0">
+                        <a:latin typeface="Cambria Math" panose="02040503050406030204" pitchFamily="18" charset="0"/>
+                        <a:ea typeface="CMU Serif Roman" panose="02000603000000000000" pitchFamily="2" charset="0"/>
+                        <a:cs typeface="CMU Serif Roman" panose="02000603000000000000" pitchFamily="2" charset="0"/>
+                      </a:rPr>
+                      <m:t>(</m:t>
+                    </m:r>
+                    <m:sSup>
+                      <m:sSupPr>
+                        <m:ctrlPr>
+                          <a:rPr lang="en-US" sz="1200" b="0" i="1" smtClean="0">
+                            <a:latin typeface="Cambria Math" panose="02040503050406030204" pitchFamily="18" charset="0"/>
+                            <a:ea typeface="CMU Serif Roman" panose="02000603000000000000" pitchFamily="2" charset="0"/>
+                            <a:cs typeface="CMU Serif Roman" panose="02000603000000000000" pitchFamily="2" charset="0"/>
+                          </a:rPr>
+                        </m:ctrlPr>
+                      </m:sSupPr>
+                      <m:e>
+                        <m:r>
+                          <a:rPr lang="en-US" sz="1200" b="0" i="1" smtClean="0">
+                            <a:latin typeface="Cambria Math" panose="02040503050406030204" pitchFamily="18" charset="0"/>
+                            <a:ea typeface="CMU Serif Roman" panose="02000603000000000000" pitchFamily="2" charset="0"/>
+                            <a:cs typeface="CMU Serif Roman" panose="02000603000000000000" pitchFamily="2" charset="0"/>
+                          </a:rPr>
+                          <m:t>𝑥</m:t>
+                        </m:r>
+                      </m:e>
+                      <m:sup>
+                        <m:r>
+                          <a:rPr lang="en-US" sz="1200" b="0" i="1" smtClean="0">
+                            <a:latin typeface="Cambria Math" panose="02040503050406030204" pitchFamily="18" charset="0"/>
+                            <a:ea typeface="CMU Serif Roman" panose="02000603000000000000" pitchFamily="2" charset="0"/>
+                            <a:cs typeface="CMU Serif Roman" panose="02000603000000000000" pitchFamily="2" charset="0"/>
+                          </a:rPr>
+                          <m:t>′</m:t>
+                        </m:r>
+                      </m:sup>
+                    </m:sSup>
+                    <m:r>
+                      <a:rPr lang="en-US" sz="1200" b="0" i="1" smtClean="0">
+                        <a:latin typeface="Cambria Math" panose="02040503050406030204" pitchFamily="18" charset="0"/>
+                        <a:ea typeface="CMU Serif Roman" panose="02000603000000000000" pitchFamily="2" charset="0"/>
+                        <a:cs typeface="CMU Serif Roman" panose="02000603000000000000" pitchFamily="2" charset="0"/>
+                      </a:rPr>
+                      <m:t>)</m:t>
+                    </m:r>
+                  </m:oMath>
+                </a14:m>
+                <a:r>
+                  <a:rPr lang="en-US" sz="1200" dirty="0">
+                    <a:latin typeface="Amasis MT Pro Medium" panose="02040604050005020304" pitchFamily="18" charset="0"/>
+                    <a:ea typeface="CMU Serif Roman" panose="02000603000000000000" pitchFamily="2" charset="0"/>
+                    <a:cs typeface="CMU Serif Roman" panose="02000603000000000000" pitchFamily="2" charset="0"/>
+                  </a:rPr>
+                  <a:t> and </a:t>
+                </a:r>
+                <a14:m>
+                  <m:oMath xmlns:m="http://schemas.openxmlformats.org/officeDocument/2006/math">
+                    <m:r>
+                      <a:rPr lang="en-US" sz="1200" b="0" i="1" smtClean="0">
+                        <a:latin typeface="Cambria Math" panose="02040503050406030204" pitchFamily="18" charset="0"/>
+                        <a:ea typeface="CMU Serif Roman" panose="02000603000000000000" pitchFamily="2" charset="0"/>
+                        <a:cs typeface="CMU Serif Roman" panose="02000603000000000000" pitchFamily="2" charset="0"/>
+                      </a:rPr>
+                      <m:t>𝑓</m:t>
+                    </m:r>
+                    <m:d>
+                      <m:dPr>
+                        <m:ctrlPr>
+                          <a:rPr lang="en-US" sz="1200" b="0" i="1" smtClean="0">
+                            <a:latin typeface="Cambria Math" panose="02040503050406030204" pitchFamily="18" charset="0"/>
+                            <a:ea typeface="CMU Serif Roman" panose="02000603000000000000" pitchFamily="2" charset="0"/>
+                            <a:cs typeface="CMU Serif Roman" panose="02000603000000000000" pitchFamily="2" charset="0"/>
+                          </a:rPr>
+                        </m:ctrlPr>
+                      </m:dPr>
+                      <m:e>
+                        <m:sSub>
+                          <m:sSubPr>
+                            <m:ctrlPr>
+                              <a:rPr lang="en-US" sz="1200" b="0" i="1" smtClean="0">
+                                <a:latin typeface="Cambria Math" panose="02040503050406030204" pitchFamily="18" charset="0"/>
+                                <a:ea typeface="CMU Serif Roman" panose="02000603000000000000" pitchFamily="2" charset="0"/>
+                                <a:cs typeface="CMU Serif Roman" panose="02000603000000000000" pitchFamily="2" charset="0"/>
+                              </a:rPr>
+                            </m:ctrlPr>
+                          </m:sSubPr>
+                          <m:e>
+                            <m:r>
+                              <a:rPr lang="en-US" sz="1200" b="0" i="1" smtClean="0">
+                                <a:latin typeface="Cambria Math" panose="02040503050406030204" pitchFamily="18" charset="0"/>
+                                <a:ea typeface="CMU Serif Roman" panose="02000603000000000000" pitchFamily="2" charset="0"/>
+                                <a:cs typeface="CMU Serif Roman" panose="02000603000000000000" pitchFamily="2" charset="0"/>
+                              </a:rPr>
+                              <m:t>h</m:t>
+                            </m:r>
+                          </m:e>
+                          <m:sub>
+                            <m:r>
+                              <a:rPr lang="en-US" sz="1200" b="0" i="1" smtClean="0">
+                                <a:latin typeface="Cambria Math" panose="02040503050406030204" pitchFamily="18" charset="0"/>
+                                <a:ea typeface="CMU Serif Roman" panose="02000603000000000000" pitchFamily="2" charset="0"/>
+                                <a:cs typeface="CMU Serif Roman" panose="02000603000000000000" pitchFamily="2" charset="0"/>
+                              </a:rPr>
+                              <m:t>𝑥</m:t>
+                            </m:r>
+                          </m:sub>
+                        </m:sSub>
+                        <m:d>
+                          <m:dPr>
+                            <m:ctrlPr>
+                              <a:rPr lang="en-US" sz="1200" b="0" i="1" smtClean="0">
+                                <a:latin typeface="Cambria Math" panose="02040503050406030204" pitchFamily="18" charset="0"/>
+                                <a:ea typeface="CMU Serif Roman" panose="02000603000000000000" pitchFamily="2" charset="0"/>
+                                <a:cs typeface="CMU Serif Roman" panose="02000603000000000000" pitchFamily="2" charset="0"/>
+                              </a:rPr>
+                            </m:ctrlPr>
+                          </m:dPr>
+                          <m:e>
+                            <m:r>
+                              <a:rPr lang="en-US" sz="1200" b="0" i="1" smtClean="0">
+                                <a:latin typeface="Cambria Math" panose="02040503050406030204" pitchFamily="18" charset="0"/>
+                                <a:ea typeface="CMU Serif Roman" panose="02000603000000000000" pitchFamily="2" charset="0"/>
+                                <a:cs typeface="CMU Serif Roman" panose="02000603000000000000" pitchFamily="2" charset="0"/>
+                              </a:rPr>
+                              <m:t>0</m:t>
+                            </m:r>
+                          </m:e>
+                        </m:d>
+                      </m:e>
+                    </m:d>
+                  </m:oMath>
+                </a14:m>
+                <a:r>
+                  <a:rPr lang="en-US" sz="1200" dirty="0">
+                    <a:latin typeface="Amasis MT Pro Medium" panose="02040604050005020304" pitchFamily="18" charset="0"/>
+                    <a:ea typeface="CMU Serif Roman" panose="02000603000000000000" pitchFamily="2" charset="0"/>
+                    <a:cs typeface="CMU Serif Roman" panose="02000603000000000000" pitchFamily="2" charset="0"/>
+                  </a:rPr>
+                  <a:t> represent the model output for which all the inputs are missing.</a:t>
+                </a:r>
+              </a:p>
+              <a:p>
+                <a:endParaRPr lang="en-US" sz="1200" dirty="0">
+                  <a:latin typeface="Amasis MT Pro Medium" panose="02040604050005020304" pitchFamily="18" charset="0"/>
+                  <a:ea typeface="CMU Serif Roman" panose="02000603000000000000" pitchFamily="2" charset="0"/>
+                  <a:cs typeface="CMU Serif Roman" panose="02000603000000000000" pitchFamily="2" charset="0"/>
+                </a:endParaRPr>
+              </a:p>
+              <a:p>
+                <a:pPr algn="just"/>
+                <a:r>
+                  <a:rPr lang="en-US" sz="1200" dirty="0">
+                    <a:latin typeface="Amasis MT Pro Medium" panose="02040604050005020304" pitchFamily="18" charset="0"/>
+                    <a:ea typeface="CMU Serif Roman" panose="02000603000000000000" pitchFamily="2" charset="0"/>
+                    <a:cs typeface="CMU Serif Roman" panose="02000603000000000000" pitchFamily="2" charset="0"/>
+                  </a:rPr>
+                  <a:t>The sum of all the contributions should be equal [or approximately equal] to the prediction. In other words, the SHAP’s local accuracy property that ensures that the contributions of the features should add up to the difference between the prediction and the average prediction of the model.</a:t>
+                </a:r>
+              </a:p>
+            </p:txBody>
+          </p:sp>
+        </mc:Choice>
+        <mc:Fallback xmlns="">
+          <p:sp>
+            <p:nvSpPr>
+              <p:cNvPr id="8" name="TextBox 7">
+                <a:extLst>
+                  <a:ext uri="{FF2B5EF4-FFF2-40B4-BE49-F238E27FC236}">
+                    <a16:creationId xmlns:a16="http://schemas.microsoft.com/office/drawing/2014/main" id="{5A9CC2EE-7754-D322-E9F0-93EA28BC83BF}"/>
+                  </a:ext>
+                </a:extLst>
+              </p:cNvPr>
+              <p:cNvSpPr txBox="1">
+                <a:spLocks noRot="1" noChangeAspect="1" noMove="1" noResize="1" noEditPoints="1" noAdjustHandles="1" noChangeArrowheads="1" noChangeShapeType="1" noTextEdit="1"/>
+              </p:cNvSpPr>
+              <p:nvPr/>
+            </p:nvSpPr>
+            <p:spPr>
+              <a:xfrm>
+                <a:off x="723960" y="3499517"/>
+                <a:ext cx="8000940" cy="1224118"/>
+              </a:xfrm>
+              <a:prstGeom prst="rect">
+                <a:avLst/>
+              </a:prstGeom>
+              <a:blipFill>
+                <a:blip r:embed="rId7"/>
+                <a:stretch>
+                  <a:fillRect l="-76" b="-2985"/>
+                </a:stretch>
+              </a:blipFill>
+            </p:spPr>
+            <p:txBody>
+              <a:bodyPr/>
+              <a:lstStyle/>
+              <a:p>
+                <a:r>
+                  <a:rPr lang="en-US">
+                    <a:noFill/>
+                  </a:rPr>
+                  <a:t> </a:t>
+                </a:r>
+              </a:p>
+            </p:txBody>
+          </p:sp>
+        </mc:Fallback>
+      </mc:AlternateContent>
+    </p:spTree>
+    <p:extLst>
+      <p:ext uri="{BB962C8B-B14F-4D97-AF65-F5344CB8AC3E}">
+        <p14:creationId xmlns:p14="http://schemas.microsoft.com/office/powerpoint/2010/main" val="2926714031"/>
+      </p:ext>
+    </p:extLst>
+  </p:cSld>
+  <p:clrMapOvr>
+    <a:masterClrMapping/>
+  </p:clrMapOvr>
+</p:sld>
+</file>
+
+<file path=ppt/slides/slide5.xml><?xml version="1.0" encoding="utf-8"?>
+<p:sld xmlns:a="http://schemas.openxmlformats.org/drawingml/2006/main" xmlns:r="http://schemas.openxmlformats.org/officeDocument/2006/relationships" xmlns:p="http://schemas.openxmlformats.org/presentationml/2006/main">
+  <p:cSld>
+    <p:bg>
+      <p:bgPr>
+        <a:solidFill>
+          <a:schemeClr val="bg1"/>
+        </a:solidFill>
+        <a:effectLst/>
+      </p:bgPr>
+    </p:bg>
+    <p:spTree>
+      <p:nvGrpSpPr>
+        <p:cNvPr id="1" name=""/>
+        <p:cNvGrpSpPr/>
+        <p:nvPr/>
+      </p:nvGrpSpPr>
+      <p:grpSpPr>
+        <a:xfrm>
+          <a:off x="0" y="0"/>
+          <a:ext cx="0" cy="0"/>
+          <a:chOff x="0" y="0"/>
+          <a:chExt cx="0" cy="0"/>
+        </a:xfrm>
+      </p:grpSpPr>
+      <p:pic>
+        <p:nvPicPr>
+          <p:cNvPr id="3" name="Picture 2">
+            <a:extLst>
+              <a:ext uri="{FF2B5EF4-FFF2-40B4-BE49-F238E27FC236}">
+                <a16:creationId xmlns:a16="http://schemas.microsoft.com/office/drawing/2014/main" id="{46700E87-8086-48A9-8693-D0E60E156A3F}"/>
+              </a:ext>
+            </a:extLst>
+          </p:cNvPr>
+          <p:cNvPicPr>
+            <a:picLocks noChangeAspect="1"/>
+          </p:cNvPicPr>
+          <p:nvPr/>
+        </p:nvPicPr>
+        <p:blipFill rotWithShape="1">
+          <a:blip r:embed="rId3"/>
+          <a:srcRect l="-1939" t="65082" r="1939" b="12904"/>
+          <a:stretch/>
+        </p:blipFill>
+        <p:spPr>
+          <a:xfrm flipH="1">
+            <a:off x="-7088" y="-5779"/>
+            <a:ext cx="9342476" cy="431082"/>
+          </a:xfrm>
+          <a:prstGeom prst="rect">
+            <a:avLst/>
+          </a:prstGeom>
+        </p:spPr>
+      </p:pic>
+      <p:grpSp>
+        <p:nvGrpSpPr>
+          <p:cNvPr id="10" name="Group 9">
+            <a:extLst>
+              <a:ext uri="{FF2B5EF4-FFF2-40B4-BE49-F238E27FC236}">
+                <a16:creationId xmlns:a16="http://schemas.microsoft.com/office/drawing/2014/main" id="{8DDF8A9A-450D-4521-82DF-2DD77E890AB9}"/>
+              </a:ext>
+            </a:extLst>
+          </p:cNvPr>
+          <p:cNvGrpSpPr/>
+          <p:nvPr/>
+        </p:nvGrpSpPr>
+        <p:grpSpPr>
+          <a:xfrm>
+            <a:off x="-591509" y="4803813"/>
+            <a:ext cx="9919809" cy="339687"/>
+            <a:chOff x="-591509" y="4803813"/>
+            <a:chExt cx="9919809" cy="339687"/>
+          </a:xfrm>
+        </p:grpSpPr>
+        <p:pic>
+          <p:nvPicPr>
+            <p:cNvPr id="11" name="Picture 10">
+              <a:extLst>
+                <a:ext uri="{FF2B5EF4-FFF2-40B4-BE49-F238E27FC236}">
+                  <a16:creationId xmlns:a16="http://schemas.microsoft.com/office/drawing/2014/main" id="{AFADB262-AFBC-4F27-8CB1-14B3A8846B0A}"/>
+                </a:ext>
+              </a:extLst>
+            </p:cNvPr>
+            <p:cNvPicPr>
+              <a:picLocks noChangeAspect="1"/>
+            </p:cNvPicPr>
+            <p:nvPr/>
+          </p:nvPicPr>
+          <p:blipFill rotWithShape="1">
+            <a:blip r:embed="rId3"/>
+            <a:srcRect l="-1939" t="65082" r="1939" b="12904"/>
+            <a:stretch/>
+          </p:blipFill>
+          <p:spPr>
+            <a:xfrm flipH="1">
+              <a:off x="-14176" y="4889584"/>
+              <a:ext cx="9342476" cy="253916"/>
+            </a:xfrm>
+            <a:prstGeom prst="rect">
+              <a:avLst/>
+            </a:prstGeom>
+          </p:spPr>
+        </p:pic>
+        <p:sp>
+          <p:nvSpPr>
+            <p:cNvPr id="12" name="Title 1">
+              <a:extLst>
+                <a:ext uri="{FF2B5EF4-FFF2-40B4-BE49-F238E27FC236}">
+                  <a16:creationId xmlns:a16="http://schemas.microsoft.com/office/drawing/2014/main" id="{308218D6-C6AD-4ED5-897D-BDD05FD9B357}"/>
+                </a:ext>
+              </a:extLst>
+            </p:cNvPr>
+            <p:cNvSpPr txBox="1">
+              <a:spLocks/>
+            </p:cNvSpPr>
+            <p:nvPr/>
+          </p:nvSpPr>
+          <p:spPr>
+            <a:xfrm>
+              <a:off x="-591509" y="4817310"/>
+              <a:ext cx="8083610" cy="325191"/>
+            </a:xfrm>
+            <a:prstGeom prst="rect">
+              <a:avLst/>
+            </a:prstGeom>
+          </p:spPr>
+          <p:txBody>
+            <a:bodyPr vert="horz" lIns="91440" tIns="45720" rIns="91440" bIns="45720" rtlCol="0" anchor="b">
+              <a:noAutofit/>
+            </a:bodyPr>
+            <a:lstStyle>
+              <a:lvl1pPr algn="ctr" defTabSz="914400" rtl="0" eaLnBrk="1" latinLnBrk="0" hangingPunct="1">
+                <a:lnSpc>
+                  <a:spcPct val="90000"/>
+                </a:lnSpc>
+                <a:spcBef>
+                  <a:spcPct val="0"/>
+                </a:spcBef>
+                <a:buNone/>
+                <a:defRPr sz="6000" kern="1200">
+                  <a:solidFill>
+                    <a:schemeClr val="tx1"/>
+                  </a:solidFill>
+                  <a:latin typeface="+mj-lt"/>
+                  <a:ea typeface="+mj-ea"/>
+                  <a:cs typeface="+mj-cs"/>
+                </a:defRPr>
+              </a:lvl1pPr>
+            </a:lstStyle>
+            <a:p>
+              <a:r>
+                <a:rPr lang="en-US" sz="900" b="1" dirty="0">
+                  <a:solidFill>
+                    <a:schemeClr val="bg1"/>
+                  </a:solidFill>
+                  <a:latin typeface="Lexend Deca" panose="020B0604020202020204" charset="0"/>
+                  <a:ea typeface="Open Sans ExtraBold" panose="020B0906030804020204" pitchFamily="34" charset="0"/>
+                  <a:cs typeface="Poppins" panose="00000500000000000000" pitchFamily="50" charset="0"/>
+                </a:rPr>
+                <a:t>CLINICAL EPIDEMIOLOGY AND BIOSTATISTICS | </a:t>
+              </a:r>
+              <a:r>
+                <a:rPr lang="en-US" sz="900" dirty="0">
+                  <a:solidFill>
+                    <a:schemeClr val="bg1"/>
+                  </a:solidFill>
+                  <a:latin typeface="Lexend Deca" panose="020B0604020202020204" charset="0"/>
+                  <a:ea typeface="Open Sans ExtraBold" panose="020B0906030804020204" pitchFamily="34" charset="0"/>
+                  <a:cs typeface="Poppins" panose="00000500000000000000" pitchFamily="50" charset="0"/>
+                </a:rPr>
+                <a:t>DATA SCIENCE IN HEALTHCARE AND CLINICAL INFORMATICS</a:t>
+              </a:r>
+            </a:p>
+          </p:txBody>
+        </p:sp>
+        <p:sp>
+          <p:nvSpPr>
+            <p:cNvPr id="13" name="Title 1">
+              <a:extLst>
+                <a:ext uri="{FF2B5EF4-FFF2-40B4-BE49-F238E27FC236}">
+                  <a16:creationId xmlns:a16="http://schemas.microsoft.com/office/drawing/2014/main" id="{9D9AB90A-84B4-462E-9E2B-D2188E8A3C71}"/>
+                </a:ext>
+              </a:extLst>
+            </p:cNvPr>
+            <p:cNvSpPr txBox="1">
+              <a:spLocks/>
+            </p:cNvSpPr>
+            <p:nvPr/>
+          </p:nvSpPr>
+          <p:spPr>
+            <a:xfrm>
+              <a:off x="7910623" y="4803813"/>
+              <a:ext cx="1226289" cy="325191"/>
+            </a:xfrm>
+            <a:prstGeom prst="rect">
+              <a:avLst/>
+            </a:prstGeom>
+          </p:spPr>
+          <p:txBody>
+            <a:bodyPr vert="horz" lIns="91440" tIns="45720" rIns="91440" bIns="45720" rtlCol="0" anchor="b">
+              <a:noAutofit/>
+            </a:bodyPr>
+            <a:lstStyle>
+              <a:lvl1pPr algn="ctr" defTabSz="914400" rtl="0" eaLnBrk="1" latinLnBrk="0" hangingPunct="1">
+                <a:lnSpc>
+                  <a:spcPct val="90000"/>
+                </a:lnSpc>
+                <a:spcBef>
+                  <a:spcPct val="0"/>
+                </a:spcBef>
+                <a:buNone/>
+                <a:defRPr sz="6000" kern="1200">
+                  <a:solidFill>
+                    <a:schemeClr val="tx1"/>
+                  </a:solidFill>
+                  <a:latin typeface="+mj-lt"/>
+                  <a:ea typeface="+mj-ea"/>
+                  <a:cs typeface="+mj-cs"/>
+                </a:defRPr>
+              </a:lvl1pPr>
+            </a:lstStyle>
+            <a:p>
+              <a:r>
+                <a:rPr lang="en-US" sz="900" b="1" dirty="0">
+                  <a:solidFill>
+                    <a:schemeClr val="bg1"/>
+                  </a:solidFill>
+                  <a:latin typeface="Lexend Deca" panose="020B0604020202020204" charset="0"/>
+                  <a:ea typeface="Open Sans ExtraBold" panose="020B0906030804020204" pitchFamily="34" charset="0"/>
+                  <a:cs typeface="Poppins" panose="00000500000000000000" pitchFamily="50" charset="0"/>
+                </a:rPr>
+                <a:t>NOVEMBER </a:t>
+              </a:r>
+              <a:r>
+                <a:rPr lang="en-US" sz="900" dirty="0">
+                  <a:solidFill>
+                    <a:schemeClr val="bg1"/>
+                  </a:solidFill>
+                  <a:latin typeface="Lexend Deca" panose="020B0604020202020204" charset="0"/>
+                  <a:ea typeface="Open Sans ExtraBold" panose="020B0906030804020204" pitchFamily="34" charset="0"/>
+                  <a:cs typeface="Poppins" panose="00000500000000000000" pitchFamily="50" charset="0"/>
+                </a:rPr>
+                <a:t>2022</a:t>
+              </a:r>
+            </a:p>
+          </p:txBody>
+        </p:sp>
+      </p:grpSp>
+      <p:sp>
+        <p:nvSpPr>
+          <p:cNvPr id="14" name="TextBox 13">
+            <a:extLst>
+              <a:ext uri="{FF2B5EF4-FFF2-40B4-BE49-F238E27FC236}">
+                <a16:creationId xmlns:a16="http://schemas.microsoft.com/office/drawing/2014/main" id="{D4452BC4-9C91-4F71-BFF2-3060B60F5201}"/>
+              </a:ext>
+            </a:extLst>
+          </p:cNvPr>
+          <p:cNvSpPr txBox="1"/>
+          <p:nvPr/>
+        </p:nvSpPr>
+        <p:spPr>
+          <a:xfrm>
+            <a:off x="468200" y="877109"/>
+            <a:ext cx="7055675" cy="338554"/>
+          </a:xfrm>
+          <a:prstGeom prst="rect">
+            <a:avLst/>
+          </a:prstGeom>
+          <a:noFill/>
+        </p:spPr>
+        <p:txBody>
+          <a:bodyPr wrap="square">
+            <a:spAutoFit/>
+          </a:bodyPr>
+          <a:lstStyle/>
+          <a:p>
+            <a:pPr algn="just"/>
+            <a:r>
+              <a:rPr lang="en-US" sz="1600" dirty="0">
+                <a:latin typeface="Amasis MT Pro Medium" panose="020B0604020202020204" pitchFamily="18" charset="0"/>
+                <a:ea typeface="CMU Serif Roman" panose="02000603000000000000" pitchFamily="2" charset="0"/>
+                <a:cs typeface="CMU Serif Roman" panose="02000603000000000000" pitchFamily="2" charset="0"/>
+              </a:rPr>
+              <a:t>Properties Uniquely Determine</a:t>
+            </a:r>
+            <a:r>
+              <a:rPr lang="en-US" sz="1600" b="1" dirty="0">
+                <a:latin typeface="Amasis MT Pro Medium" panose="020B0604020202020204" pitchFamily="18" charset="0"/>
+                <a:ea typeface="CMU Serif Roman" panose="02000603000000000000" pitchFamily="2" charset="0"/>
+                <a:cs typeface="CMU Serif Roman" panose="02000603000000000000" pitchFamily="2" charset="0"/>
+              </a:rPr>
+              <a:t> Additive Feature Attributions </a:t>
+            </a:r>
+          </a:p>
+        </p:txBody>
+      </p:sp>
+      <p:sp>
+        <p:nvSpPr>
+          <p:cNvPr id="6" name="TextBox 5">
+            <a:extLst>
+              <a:ext uri="{FF2B5EF4-FFF2-40B4-BE49-F238E27FC236}">
+                <a16:creationId xmlns:a16="http://schemas.microsoft.com/office/drawing/2014/main" id="{E4F6AAE0-6423-A6C8-E61C-515E2FE85713}"/>
+              </a:ext>
+            </a:extLst>
+          </p:cNvPr>
+          <p:cNvSpPr txBox="1"/>
+          <p:nvPr/>
+        </p:nvSpPr>
+        <p:spPr>
+          <a:xfrm>
+            <a:off x="723960" y="1287937"/>
+            <a:ext cx="8000940" cy="438582"/>
+          </a:xfrm>
+          <a:prstGeom prst="rect">
+            <a:avLst/>
+          </a:prstGeom>
+          <a:noFill/>
+        </p:spPr>
+        <p:txBody>
+          <a:bodyPr wrap="square">
+            <a:spAutoFit/>
+          </a:bodyPr>
+          <a:lstStyle/>
+          <a:p>
+            <a:pPr algn="just"/>
+            <a:r>
+              <a:rPr lang="en-US" sz="1200" i="1" dirty="0">
+                <a:latin typeface="Amasis MT Pro Medium" panose="02040604050005020304" pitchFamily="18" charset="0"/>
+                <a:ea typeface="CMU Serif Roman" panose="02000603000000000000" pitchFamily="2" charset="0"/>
+                <a:cs typeface="CMU Serif Roman" panose="02000603000000000000" pitchFamily="2" charset="0"/>
+              </a:rPr>
+              <a:t>Property 2.</a:t>
+            </a:r>
+            <a:r>
+              <a:rPr lang="en-US" sz="1100" i="1" dirty="0">
+                <a:latin typeface="Amasis MT Pro Medium" panose="02040604050005020304" pitchFamily="18" charset="0"/>
+                <a:ea typeface="CMU Serif Roman" panose="02000603000000000000" pitchFamily="2" charset="0"/>
+                <a:cs typeface="CMU Serif Roman" panose="02000603000000000000" pitchFamily="2" charset="0"/>
+              </a:rPr>
+              <a:t> </a:t>
+            </a:r>
+            <a:r>
+              <a:rPr lang="en-US" sz="1100" b="1" dirty="0">
+                <a:latin typeface="Montserrat" panose="00000500000000000000" pitchFamily="2" charset="0"/>
+                <a:ea typeface="CMU Serif Roman" panose="02000603000000000000" pitchFamily="2" charset="0"/>
+                <a:cs typeface="CMU Serif Roman" panose="02000603000000000000" pitchFamily="2" charset="0"/>
+              </a:rPr>
+              <a:t>Missingness</a:t>
+            </a:r>
+          </a:p>
+          <a:p>
+            <a:pPr algn="just"/>
+            <a:endParaRPr lang="en-US" sz="1050" dirty="0">
+              <a:latin typeface="Amasis MT Pro Medium" panose="02040604050005020304" pitchFamily="18" charset="0"/>
+              <a:ea typeface="CMU Serif Roman" panose="02000603000000000000" pitchFamily="2" charset="0"/>
+              <a:cs typeface="CMU Serif Roman" panose="02000603000000000000" pitchFamily="2" charset="0"/>
+            </a:endParaRPr>
+          </a:p>
+        </p:txBody>
+      </p:sp>
+      <mc:AlternateContent xmlns:mc="http://schemas.openxmlformats.org/markup-compatibility/2006" xmlns:a14="http://schemas.microsoft.com/office/drawing/2010/main">
+        <mc:Choice Requires="a14">
+          <p:sp>
+            <p:nvSpPr>
+              <p:cNvPr id="2" name="TextBox 1">
+                <a:extLst>
+                  <a:ext uri="{FF2B5EF4-FFF2-40B4-BE49-F238E27FC236}">
+                    <a16:creationId xmlns:a16="http://schemas.microsoft.com/office/drawing/2014/main" id="{9E874626-014B-160A-40AC-BADC3736A1D8}"/>
+                  </a:ext>
+                </a:extLst>
+              </p:cNvPr>
+              <p:cNvSpPr txBox="1"/>
+              <p:nvPr/>
+            </p:nvSpPr>
+            <p:spPr>
+              <a:xfrm>
+                <a:off x="4005338" y="2078297"/>
+                <a:ext cx="1133324" cy="205762"/>
+              </a:xfrm>
+              <a:prstGeom prst="rect">
+                <a:avLst/>
+              </a:prstGeom>
+              <a:noFill/>
+            </p:spPr>
+            <p:txBody>
+              <a:bodyPr wrap="none" lIns="0" tIns="0" rIns="0" bIns="0" rtlCol="0">
+                <a:spAutoFit/>
+              </a:bodyPr>
+              <a:lstStyle/>
+              <a:p>
+                <a:pPr/>
+                <a14:m>
+                  <m:oMathPara xmlns:m="http://schemas.openxmlformats.org/officeDocument/2006/math">
+                    <m:oMathParaPr>
+                      <m:jc m:val="centerGroup"/>
+                    </m:oMathParaPr>
+                    <m:oMath xmlns:m="http://schemas.openxmlformats.org/officeDocument/2006/math">
+                      <m:sSubSup>
+                        <m:sSubSupPr>
+                          <m:ctrlPr>
+                            <a:rPr lang="en-US" sz="1200" b="0" i="1" smtClean="0">
+                              <a:latin typeface="Cambria Math" panose="02040503050406030204" pitchFamily="18" charset="0"/>
+                            </a:rPr>
+                          </m:ctrlPr>
+                        </m:sSubSupPr>
+                        <m:e>
+                          <m:r>
+                            <a:rPr lang="en-US" sz="1200" b="0" i="1" smtClean="0">
+                              <a:latin typeface="Cambria Math" panose="02040503050406030204" pitchFamily="18" charset="0"/>
+                            </a:rPr>
+                            <m:t>𝑥</m:t>
+                          </m:r>
+                        </m:e>
+                        <m:sub>
+                          <m:r>
+                            <a:rPr lang="en-US" sz="1200" b="0" i="1" smtClean="0">
+                              <a:latin typeface="Cambria Math" panose="02040503050406030204" pitchFamily="18" charset="0"/>
+                            </a:rPr>
+                            <m:t>𝑗</m:t>
+                          </m:r>
+                        </m:sub>
+                        <m:sup>
+                          <m:r>
+                            <a:rPr lang="en-US" sz="1200" b="0" i="1" smtClean="0">
+                              <a:latin typeface="Cambria Math" panose="02040503050406030204" pitchFamily="18" charset="0"/>
+                            </a:rPr>
+                            <m:t>′</m:t>
+                          </m:r>
+                        </m:sup>
+                      </m:sSubSup>
+                      <m:r>
+                        <a:rPr lang="en-US" sz="1200" b="0" i="1" smtClean="0">
+                          <a:latin typeface="Cambria Math" panose="02040503050406030204" pitchFamily="18" charset="0"/>
+                        </a:rPr>
+                        <m:t>=0⇒</m:t>
+                      </m:r>
+                      <m:sSub>
+                        <m:sSubPr>
+                          <m:ctrlPr>
+                            <a:rPr lang="en-US" sz="1200" b="0" i="1" smtClean="0">
+                              <a:latin typeface="Cambria Math" panose="02040503050406030204" pitchFamily="18" charset="0"/>
+                            </a:rPr>
+                          </m:ctrlPr>
+                        </m:sSubPr>
+                        <m:e>
+                          <m:r>
+                            <a:rPr lang="en-US" sz="1200" b="0" i="1" smtClean="0">
+                              <a:latin typeface="Cambria Math" panose="02040503050406030204" pitchFamily="18" charset="0"/>
+                            </a:rPr>
+                            <m:t>𝜙</m:t>
+                          </m:r>
+                        </m:e>
+                        <m:sub>
+                          <m:r>
+                            <a:rPr lang="en-US" sz="1200" b="0" i="1" smtClean="0">
+                              <a:latin typeface="Cambria Math" panose="02040503050406030204" pitchFamily="18" charset="0"/>
+                            </a:rPr>
+                            <m:t>𝑗</m:t>
+                          </m:r>
+                        </m:sub>
+                      </m:sSub>
+                      <m:r>
+                        <a:rPr lang="en-US" sz="1200" b="0" i="1" smtClean="0">
+                          <a:latin typeface="Cambria Math" panose="02040503050406030204" pitchFamily="18" charset="0"/>
+                        </a:rPr>
+                        <m:t>=0</m:t>
+                      </m:r>
+                    </m:oMath>
+                  </m:oMathPara>
+                </a14:m>
+                <a:endParaRPr lang="en-US" sz="1200" dirty="0"/>
+              </a:p>
+            </p:txBody>
+          </p:sp>
+        </mc:Choice>
+        <mc:Fallback xmlns="">
+          <p:sp>
+            <p:nvSpPr>
+              <p:cNvPr id="2" name="TextBox 1">
+                <a:extLst>
+                  <a:ext uri="{FF2B5EF4-FFF2-40B4-BE49-F238E27FC236}">
+                    <a16:creationId xmlns:a16="http://schemas.microsoft.com/office/drawing/2014/main" id="{9E874626-014B-160A-40AC-BADC3736A1D8}"/>
+                  </a:ext>
+                </a:extLst>
+              </p:cNvPr>
+              <p:cNvSpPr txBox="1">
+                <a:spLocks noRot="1" noChangeAspect="1" noMove="1" noResize="1" noEditPoints="1" noAdjustHandles="1" noChangeArrowheads="1" noChangeShapeType="1" noTextEdit="1"/>
+              </p:cNvSpPr>
+              <p:nvPr/>
+            </p:nvSpPr>
+            <p:spPr>
+              <a:xfrm>
+                <a:off x="4005338" y="2078297"/>
+                <a:ext cx="1133324" cy="205762"/>
+              </a:xfrm>
+              <a:prstGeom prst="rect">
+                <a:avLst/>
+              </a:prstGeom>
+              <a:blipFill>
+                <a:blip r:embed="rId4"/>
+                <a:stretch>
+                  <a:fillRect l="-1075" r="-2688" b="-29412"/>
+                </a:stretch>
+              </a:blipFill>
+            </p:spPr>
+            <p:txBody>
+              <a:bodyPr/>
+              <a:lstStyle/>
+              <a:p>
+                <a:r>
+                  <a:rPr lang="en-US">
+                    <a:noFill/>
+                  </a:rPr>
+                  <a:t> </a:t>
+                </a:r>
+              </a:p>
+            </p:txBody>
+          </p:sp>
+        </mc:Fallback>
+      </mc:AlternateContent>
+      <mc:AlternateContent xmlns:mc="http://schemas.openxmlformats.org/markup-compatibility/2006" xmlns:a14="http://schemas.microsoft.com/office/drawing/2010/main">
+        <mc:Choice Requires="a14">
+          <p:sp>
+            <p:nvSpPr>
+              <p:cNvPr id="7" name="TextBox 6">
+                <a:extLst>
+                  <a:ext uri="{FF2B5EF4-FFF2-40B4-BE49-F238E27FC236}">
+                    <a16:creationId xmlns:a16="http://schemas.microsoft.com/office/drawing/2014/main" id="{1F24E276-7EF0-AC6D-3132-618A75736AA5}"/>
+                  </a:ext>
+                </a:extLst>
+              </p:cNvPr>
+              <p:cNvSpPr txBox="1"/>
+              <p:nvPr/>
+            </p:nvSpPr>
+            <p:spPr>
+              <a:xfrm>
+                <a:off x="730886" y="1458739"/>
+                <a:ext cx="7838149" cy="517001"/>
+              </a:xfrm>
+              <a:prstGeom prst="rect">
+                <a:avLst/>
+              </a:prstGeom>
+              <a:noFill/>
+            </p:spPr>
+            <p:txBody>
+              <a:bodyPr wrap="square">
+                <a:spAutoFit/>
+              </a:bodyPr>
+              <a:lstStyle/>
+              <a:p>
+                <a:pPr algn="just"/>
+                <a:r>
+                  <a:rPr lang="en-US" sz="1200" dirty="0">
+                    <a:latin typeface="Amasis MT Pro Medium" panose="02040604050005020304" pitchFamily="18" charset="0"/>
+                    <a:ea typeface="CMU Serif Roman" panose="02000603000000000000" pitchFamily="2" charset="0"/>
+                    <a:cs typeface="CMU Serif Roman" panose="02000603000000000000" pitchFamily="2" charset="0"/>
+                  </a:rPr>
+                  <a:t>The Missingness property enforces that the </a:t>
+                </a:r>
+                <a:r>
+                  <a:rPr lang="en-US" sz="1200" u="sng" dirty="0">
+                    <a:latin typeface="Amasis MT Pro Medium" panose="02040604050005020304" pitchFamily="18" charset="0"/>
+                    <a:ea typeface="CMU Serif Roman" panose="02000603000000000000" pitchFamily="2" charset="0"/>
+                    <a:cs typeface="CMU Serif Roman" panose="02000603000000000000" pitchFamily="2" charset="0"/>
+                  </a:rPr>
+                  <a:t>missing features get a Shapley value of 0</a:t>
+                </a:r>
+                <a:r>
+                  <a:rPr lang="en-US" sz="1200" dirty="0">
+                    <a:latin typeface="Amasis MT Pro Medium" panose="02040604050005020304" pitchFamily="18" charset="0"/>
+                    <a:ea typeface="CMU Serif Roman" panose="02000603000000000000" pitchFamily="2" charset="0"/>
+                    <a:cs typeface="CMU Serif Roman" panose="02000603000000000000" pitchFamily="2" charset="0"/>
+                  </a:rPr>
+                  <a:t>. A missing feature could have an </a:t>
+                </a:r>
+                <a:r>
+                  <a:rPr lang="en-US" sz="1200" i="1" dirty="0">
+                    <a:latin typeface="Amasis MT Pro Medium" panose="02040604050005020304" pitchFamily="18" charset="0"/>
+                    <a:ea typeface="CMU Serif Roman" panose="02000603000000000000" pitchFamily="2" charset="0"/>
+                    <a:cs typeface="CMU Serif Roman" panose="02000603000000000000" pitchFamily="2" charset="0"/>
+                  </a:rPr>
+                  <a:t>arbitrary</a:t>
+                </a:r>
+                <a:r>
+                  <a:rPr lang="en-US" sz="1200" dirty="0">
+                    <a:latin typeface="Amasis MT Pro Medium" panose="02040604050005020304" pitchFamily="18" charset="0"/>
+                    <a:ea typeface="CMU Serif Roman" panose="02000603000000000000" pitchFamily="2" charset="0"/>
+                    <a:cs typeface="CMU Serif Roman" panose="02000603000000000000" pitchFamily="2" charset="0"/>
+                  </a:rPr>
+                  <a:t> Shapley Value without hurting the local accuracy property since it is multiplied with </a:t>
+                </a:r>
+                <a14:m>
+                  <m:oMath xmlns:m="http://schemas.openxmlformats.org/officeDocument/2006/math">
+                    <m:sSubSup>
+                      <m:sSubSupPr>
+                        <m:ctrlPr>
+                          <a:rPr lang="en-US" b="0" i="1" smtClean="0">
+                            <a:latin typeface="Cambria Math" panose="02040503050406030204" pitchFamily="18" charset="0"/>
+                            <a:ea typeface="CMU Serif Roman" panose="02000603000000000000" pitchFamily="2" charset="0"/>
+                            <a:cs typeface="CMU Serif Roman" panose="02000603000000000000" pitchFamily="2" charset="0"/>
+                          </a:rPr>
+                        </m:ctrlPr>
+                      </m:sSubSupPr>
+                      <m:e>
+                        <m:r>
+                          <a:rPr lang="en-US" b="0" i="1" smtClean="0">
+                            <a:latin typeface="Cambria Math" panose="02040503050406030204" pitchFamily="18" charset="0"/>
+                            <a:ea typeface="CMU Serif Roman" panose="02000603000000000000" pitchFamily="2" charset="0"/>
+                            <a:cs typeface="CMU Serif Roman" panose="02000603000000000000" pitchFamily="2" charset="0"/>
+                          </a:rPr>
+                          <m:t>𝑥</m:t>
+                        </m:r>
+                      </m:e>
+                      <m:sub>
+                        <m:r>
+                          <a:rPr lang="en-US" b="0" i="1" smtClean="0">
+                            <a:latin typeface="Cambria Math" panose="02040503050406030204" pitchFamily="18" charset="0"/>
+                            <a:ea typeface="CMU Serif Roman" panose="02000603000000000000" pitchFamily="2" charset="0"/>
+                            <a:cs typeface="CMU Serif Roman" panose="02000603000000000000" pitchFamily="2" charset="0"/>
+                          </a:rPr>
+                          <m:t>𝑗</m:t>
+                        </m:r>
+                      </m:sub>
+                      <m:sup>
+                        <m:r>
+                          <a:rPr lang="en-US" b="0" i="1" smtClean="0">
+                            <a:latin typeface="Cambria Math" panose="02040503050406030204" pitchFamily="18" charset="0"/>
+                            <a:ea typeface="CMU Serif Roman" panose="02000603000000000000" pitchFamily="2" charset="0"/>
+                            <a:cs typeface="CMU Serif Roman" panose="02000603000000000000" pitchFamily="2" charset="0"/>
+                          </a:rPr>
+                          <m:t>′</m:t>
+                        </m:r>
+                      </m:sup>
+                    </m:sSubSup>
+                    <m:r>
+                      <a:rPr lang="en-US" b="0" i="1" smtClean="0">
+                        <a:latin typeface="Cambria Math" panose="02040503050406030204" pitchFamily="18" charset="0"/>
+                        <a:ea typeface="CMU Serif Roman" panose="02000603000000000000" pitchFamily="2" charset="0"/>
+                        <a:cs typeface="CMU Serif Roman" panose="02000603000000000000" pitchFamily="2" charset="0"/>
+                      </a:rPr>
+                      <m:t>=0</m:t>
+                    </m:r>
+                  </m:oMath>
+                </a14:m>
+                <a:r>
+                  <a:rPr lang="en-US" sz="1200" dirty="0">
+                    <a:latin typeface="Amasis MT Pro Medium" panose="02040604050005020304" pitchFamily="18" charset="0"/>
+                    <a:ea typeface="CMU Serif Roman" panose="02000603000000000000" pitchFamily="2" charset="0"/>
+                    <a:cs typeface="CMU Serif Roman" panose="02000603000000000000" pitchFamily="2" charset="0"/>
+                  </a:rPr>
+                  <a:t> </a:t>
+                </a:r>
+              </a:p>
+            </p:txBody>
+          </p:sp>
+        </mc:Choice>
+        <mc:Fallback xmlns="">
+          <p:sp>
+            <p:nvSpPr>
+              <p:cNvPr id="7" name="TextBox 6">
+                <a:extLst>
+                  <a:ext uri="{FF2B5EF4-FFF2-40B4-BE49-F238E27FC236}">
+                    <a16:creationId xmlns:a16="http://schemas.microsoft.com/office/drawing/2014/main" id="{1F24E276-7EF0-AC6D-3132-618A75736AA5}"/>
+                  </a:ext>
+                </a:extLst>
+              </p:cNvPr>
+              <p:cNvSpPr txBox="1">
+                <a:spLocks noRot="1" noChangeAspect="1" noMove="1" noResize="1" noEditPoints="1" noAdjustHandles="1" noChangeArrowheads="1" noChangeShapeType="1" noTextEdit="1"/>
+              </p:cNvSpPr>
+              <p:nvPr/>
+            </p:nvSpPr>
+            <p:spPr>
+              <a:xfrm>
+                <a:off x="730886" y="1458739"/>
+                <a:ext cx="7838149" cy="517001"/>
+              </a:xfrm>
+              <a:prstGeom prst="rect">
+                <a:avLst/>
+              </a:prstGeom>
+              <a:blipFill>
+                <a:blip r:embed="rId5"/>
+                <a:stretch>
+                  <a:fillRect l="-78" b="-2353"/>
+                </a:stretch>
+              </a:blipFill>
+            </p:spPr>
+            <p:txBody>
+              <a:bodyPr/>
+              <a:lstStyle/>
+              <a:p>
+                <a:r>
+                  <a:rPr lang="en-US">
+                    <a:noFill/>
+                  </a:rPr>
+                  <a:t> </a:t>
+                </a:r>
+              </a:p>
+            </p:txBody>
+          </p:sp>
+        </mc:Fallback>
+      </mc:AlternateContent>
+      <mc:AlternateContent xmlns:mc="http://schemas.openxmlformats.org/markup-compatibility/2006" xmlns:a14="http://schemas.microsoft.com/office/drawing/2010/main">
+        <mc:Choice Requires="a14">
+          <p:sp>
+            <p:nvSpPr>
+              <p:cNvPr id="15" name="TextBox 14">
+                <a:extLst>
+                  <a:ext uri="{FF2B5EF4-FFF2-40B4-BE49-F238E27FC236}">
+                    <a16:creationId xmlns:a16="http://schemas.microsoft.com/office/drawing/2014/main" id="{1039AF90-2B0A-6F74-5F20-04AD68682FC3}"/>
+                  </a:ext>
+                </a:extLst>
+              </p:cNvPr>
+              <p:cNvSpPr txBox="1"/>
+              <p:nvPr/>
+            </p:nvSpPr>
+            <p:spPr>
+              <a:xfrm>
+                <a:off x="745075" y="2623166"/>
+                <a:ext cx="7838149" cy="298095"/>
+              </a:xfrm>
+              <a:prstGeom prst="rect">
+                <a:avLst/>
+              </a:prstGeom>
+              <a:noFill/>
+            </p:spPr>
+            <p:txBody>
+              <a:bodyPr wrap="square">
+                <a:spAutoFit/>
+              </a:bodyPr>
+              <a:lstStyle/>
+              <a:p>
+                <a:pPr algn="just"/>
+                <a:r>
+                  <a:rPr lang="en-US" sz="1200" dirty="0">
+                    <a:latin typeface="Amasis MT Pro Medium" panose="02040604050005020304" pitchFamily="18" charset="0"/>
+                    <a:ea typeface="CMU Serif Roman" panose="02000603000000000000" pitchFamily="2" charset="0"/>
+                    <a:cs typeface="CMU Serif Roman" panose="02000603000000000000" pitchFamily="2" charset="0"/>
+                  </a:rPr>
+                  <a:t>In other words, </a:t>
+                </a:r>
+                <a14:m>
+                  <m:oMath xmlns:m="http://schemas.openxmlformats.org/officeDocument/2006/math">
+                    <m:sSubSup>
+                      <m:sSubSupPr>
+                        <m:ctrlPr>
+                          <a:rPr lang="en-US" sz="1200" b="0" i="1" u="sng" smtClean="0">
+                            <a:latin typeface="Cambria Math" panose="02040503050406030204" pitchFamily="18" charset="0"/>
+                          </a:rPr>
+                        </m:ctrlPr>
+                      </m:sSubSupPr>
+                      <m:e>
+                        <m:r>
+                          <a:rPr lang="en-US" sz="1200" b="0" i="1" u="sng" smtClean="0">
+                            <a:latin typeface="Cambria Math" panose="02040503050406030204" pitchFamily="18" charset="0"/>
+                          </a:rPr>
+                          <m:t>𝑥</m:t>
+                        </m:r>
+                      </m:e>
+                      <m:sub>
+                        <m:r>
+                          <a:rPr lang="en-US" sz="1200" b="0" i="1" u="sng" smtClean="0">
+                            <a:latin typeface="Cambria Math" panose="02040503050406030204" pitchFamily="18" charset="0"/>
+                          </a:rPr>
+                          <m:t>𝑗</m:t>
+                        </m:r>
+                      </m:sub>
+                      <m:sup>
+                        <m:r>
+                          <a:rPr lang="en-US" sz="1200" b="0" i="1" u="sng" smtClean="0">
+                            <a:latin typeface="Cambria Math" panose="02040503050406030204" pitchFamily="18" charset="0"/>
+                          </a:rPr>
+                          <m:t>′</m:t>
+                        </m:r>
+                      </m:sup>
+                    </m:sSubSup>
+                    <m:r>
+                      <a:rPr lang="en-US" sz="1200" b="0" i="1" u="sng" smtClean="0">
+                        <a:latin typeface="Cambria Math" panose="02040503050406030204" pitchFamily="18" charset="0"/>
+                      </a:rPr>
+                      <m:t>=0</m:t>
+                    </m:r>
+                  </m:oMath>
+                </a14:m>
+                <a:r>
+                  <a:rPr lang="en-US" sz="1200" u="sng" dirty="0">
+                    <a:latin typeface="Amasis MT Pro Medium" panose="02040604050005020304" pitchFamily="18" charset="0"/>
+                    <a:ea typeface="CMU Serif Roman" panose="02000603000000000000" pitchFamily="2" charset="0"/>
+                    <a:cs typeface="CMU Serif Roman" panose="02000603000000000000" pitchFamily="2" charset="0"/>
+                  </a:rPr>
+                  <a:t> have no attributed contribution on the model</a:t>
+                </a:r>
+                <a:r>
+                  <a:rPr lang="en-US" sz="1200" dirty="0">
+                    <a:latin typeface="Amasis MT Pro Medium" panose="02040604050005020304" pitchFamily="18" charset="0"/>
+                    <a:ea typeface="CMU Serif Roman" panose="02000603000000000000" pitchFamily="2" charset="0"/>
+                    <a:cs typeface="CMU Serif Roman" panose="02000603000000000000" pitchFamily="2" charset="0"/>
+                  </a:rPr>
+                  <a:t>. </a:t>
+                </a:r>
+              </a:p>
+            </p:txBody>
+          </p:sp>
+        </mc:Choice>
+        <mc:Fallback xmlns="">
+          <p:sp>
+            <p:nvSpPr>
+              <p:cNvPr id="15" name="TextBox 14">
+                <a:extLst>
+                  <a:ext uri="{FF2B5EF4-FFF2-40B4-BE49-F238E27FC236}">
+                    <a16:creationId xmlns:a16="http://schemas.microsoft.com/office/drawing/2014/main" id="{1039AF90-2B0A-6F74-5F20-04AD68682FC3}"/>
+                  </a:ext>
+                </a:extLst>
+              </p:cNvPr>
+              <p:cNvSpPr txBox="1">
+                <a:spLocks noRot="1" noChangeAspect="1" noMove="1" noResize="1" noEditPoints="1" noAdjustHandles="1" noChangeArrowheads="1" noChangeShapeType="1" noTextEdit="1"/>
+              </p:cNvSpPr>
+              <p:nvPr/>
+            </p:nvSpPr>
+            <p:spPr>
+              <a:xfrm>
+                <a:off x="745075" y="2623166"/>
+                <a:ext cx="7838149" cy="298095"/>
+              </a:xfrm>
+              <a:prstGeom prst="rect">
+                <a:avLst/>
+              </a:prstGeom>
+              <a:blipFill>
+                <a:blip r:embed="rId6"/>
+                <a:stretch>
+                  <a:fillRect b="-8163"/>
+                </a:stretch>
+              </a:blipFill>
+            </p:spPr>
+            <p:txBody>
+              <a:bodyPr/>
+              <a:lstStyle/>
+              <a:p>
+                <a:r>
+                  <a:rPr lang="en-US">
+                    <a:noFill/>
+                  </a:rPr>
+                  <a:t> </a:t>
+                </a:r>
+              </a:p>
+            </p:txBody>
+          </p:sp>
+        </mc:Fallback>
+      </mc:AlternateContent>
+    </p:spTree>
+    <p:extLst>
+      <p:ext uri="{BB962C8B-B14F-4D97-AF65-F5344CB8AC3E}">
+        <p14:creationId xmlns:p14="http://schemas.microsoft.com/office/powerpoint/2010/main" val="1759762482"/>
+      </p:ext>
+    </p:extLst>
+  </p:cSld>
+  <p:clrMapOvr>
+    <a:masterClrMapping/>
+  </p:clrMapOvr>
+</p:sld>
+</file>
+
 <file path=ppt/slides/slide6.xml><?xml version="1.0" encoding="utf-8"?>
+<p:sld xmlns:a="http://schemas.openxmlformats.org/drawingml/2006/main" xmlns:r="http://schemas.openxmlformats.org/officeDocument/2006/relationships" xmlns:p="http://schemas.openxmlformats.org/presentationml/2006/main">
+  <p:cSld>
+    <p:bg>
+      <p:bgPr>
+        <a:solidFill>
+          <a:schemeClr val="bg1"/>
+        </a:solidFill>
+        <a:effectLst/>
+      </p:bgPr>
+    </p:bg>
+    <p:spTree>
+      <p:nvGrpSpPr>
+        <p:cNvPr id="1" name=""/>
+        <p:cNvGrpSpPr/>
+        <p:nvPr/>
+      </p:nvGrpSpPr>
+      <p:grpSpPr>
+        <a:xfrm>
+          <a:off x="0" y="0"/>
+          <a:ext cx="0" cy="0"/>
+          <a:chOff x="0" y="0"/>
+          <a:chExt cx="0" cy="0"/>
+        </a:xfrm>
+      </p:grpSpPr>
+      <p:pic>
+        <p:nvPicPr>
+          <p:cNvPr id="3" name="Picture 2">
+            <a:extLst>
+              <a:ext uri="{FF2B5EF4-FFF2-40B4-BE49-F238E27FC236}">
+                <a16:creationId xmlns:a16="http://schemas.microsoft.com/office/drawing/2014/main" id="{46700E87-8086-48A9-8693-D0E60E156A3F}"/>
+              </a:ext>
+            </a:extLst>
+          </p:cNvPr>
+          <p:cNvPicPr>
+            <a:picLocks noChangeAspect="1"/>
+          </p:cNvPicPr>
+          <p:nvPr/>
+        </p:nvPicPr>
+        <p:blipFill rotWithShape="1">
+          <a:blip r:embed="rId3"/>
+          <a:srcRect l="-1939" t="65082" r="1939" b="12904"/>
+          <a:stretch/>
+        </p:blipFill>
+        <p:spPr>
+          <a:xfrm flipH="1">
+            <a:off x="-7088" y="-5779"/>
+            <a:ext cx="9342476" cy="431082"/>
+          </a:xfrm>
+          <a:prstGeom prst="rect">
+            <a:avLst/>
+          </a:prstGeom>
+        </p:spPr>
+      </p:pic>
+      <p:grpSp>
+        <p:nvGrpSpPr>
+          <p:cNvPr id="10" name="Group 9">
+            <a:extLst>
+              <a:ext uri="{FF2B5EF4-FFF2-40B4-BE49-F238E27FC236}">
+                <a16:creationId xmlns:a16="http://schemas.microsoft.com/office/drawing/2014/main" id="{8DDF8A9A-450D-4521-82DF-2DD77E890AB9}"/>
+              </a:ext>
+            </a:extLst>
+          </p:cNvPr>
+          <p:cNvGrpSpPr/>
+          <p:nvPr/>
+        </p:nvGrpSpPr>
+        <p:grpSpPr>
+          <a:xfrm>
+            <a:off x="-591509" y="4803813"/>
+            <a:ext cx="9919809" cy="339687"/>
+            <a:chOff x="-591509" y="4803813"/>
+            <a:chExt cx="9919809" cy="339687"/>
+          </a:xfrm>
+        </p:grpSpPr>
+        <p:pic>
+          <p:nvPicPr>
+            <p:cNvPr id="11" name="Picture 10">
+              <a:extLst>
+                <a:ext uri="{FF2B5EF4-FFF2-40B4-BE49-F238E27FC236}">
+                  <a16:creationId xmlns:a16="http://schemas.microsoft.com/office/drawing/2014/main" id="{AFADB262-AFBC-4F27-8CB1-14B3A8846B0A}"/>
+                </a:ext>
+              </a:extLst>
+            </p:cNvPr>
+            <p:cNvPicPr>
+              <a:picLocks noChangeAspect="1"/>
+            </p:cNvPicPr>
+            <p:nvPr/>
+          </p:nvPicPr>
+          <p:blipFill rotWithShape="1">
+            <a:blip r:embed="rId3"/>
+            <a:srcRect l="-1939" t="65082" r="1939" b="12904"/>
+            <a:stretch/>
+          </p:blipFill>
+          <p:spPr>
+            <a:xfrm flipH="1">
+              <a:off x="-14176" y="4889584"/>
+              <a:ext cx="9342476" cy="253916"/>
+            </a:xfrm>
+            <a:prstGeom prst="rect">
+              <a:avLst/>
+            </a:prstGeom>
+          </p:spPr>
+        </p:pic>
+        <p:sp>
+          <p:nvSpPr>
+            <p:cNvPr id="12" name="Title 1">
+              <a:extLst>
+                <a:ext uri="{FF2B5EF4-FFF2-40B4-BE49-F238E27FC236}">
+                  <a16:creationId xmlns:a16="http://schemas.microsoft.com/office/drawing/2014/main" id="{308218D6-C6AD-4ED5-897D-BDD05FD9B357}"/>
+                </a:ext>
+              </a:extLst>
+            </p:cNvPr>
+            <p:cNvSpPr txBox="1">
+              <a:spLocks/>
+            </p:cNvSpPr>
+            <p:nvPr/>
+          </p:nvSpPr>
+          <p:spPr>
+            <a:xfrm>
+              <a:off x="-591509" y="4817310"/>
+              <a:ext cx="8083610" cy="325191"/>
+            </a:xfrm>
+            <a:prstGeom prst="rect">
+              <a:avLst/>
+            </a:prstGeom>
+          </p:spPr>
+          <p:txBody>
+            <a:bodyPr vert="horz" lIns="91440" tIns="45720" rIns="91440" bIns="45720" rtlCol="0" anchor="b">
+              <a:noAutofit/>
+            </a:bodyPr>
+            <a:lstStyle>
+              <a:lvl1pPr algn="ctr" defTabSz="914400" rtl="0" eaLnBrk="1" latinLnBrk="0" hangingPunct="1">
+                <a:lnSpc>
+                  <a:spcPct val="90000"/>
+                </a:lnSpc>
+                <a:spcBef>
+                  <a:spcPct val="0"/>
+                </a:spcBef>
+                <a:buNone/>
+                <a:defRPr sz="6000" kern="1200">
+                  <a:solidFill>
+                    <a:schemeClr val="tx1"/>
+                  </a:solidFill>
+                  <a:latin typeface="+mj-lt"/>
+                  <a:ea typeface="+mj-ea"/>
+                  <a:cs typeface="+mj-cs"/>
+                </a:defRPr>
+              </a:lvl1pPr>
+            </a:lstStyle>
+            <a:p>
+              <a:r>
+                <a:rPr lang="en-US" sz="900" b="1" dirty="0">
+                  <a:solidFill>
+                    <a:schemeClr val="bg1"/>
+                  </a:solidFill>
+                  <a:latin typeface="Lexend Deca" panose="020B0604020202020204" charset="0"/>
+                  <a:ea typeface="Open Sans ExtraBold" panose="020B0906030804020204" pitchFamily="34" charset="0"/>
+                  <a:cs typeface="Poppins" panose="00000500000000000000" pitchFamily="50" charset="0"/>
+                </a:rPr>
+                <a:t>CLINICAL EPIDEMIOLOGY AND BIOSTATISTICS | </a:t>
+              </a:r>
+              <a:r>
+                <a:rPr lang="en-US" sz="900" dirty="0">
+                  <a:solidFill>
+                    <a:schemeClr val="bg1"/>
+                  </a:solidFill>
+                  <a:latin typeface="Lexend Deca" panose="020B0604020202020204" charset="0"/>
+                  <a:ea typeface="Open Sans ExtraBold" panose="020B0906030804020204" pitchFamily="34" charset="0"/>
+                  <a:cs typeface="Poppins" panose="00000500000000000000" pitchFamily="50" charset="0"/>
+                </a:rPr>
+                <a:t>DATA SCIENCE IN HEALTHCARE AND CLINICAL INFORMATICS</a:t>
+              </a:r>
+            </a:p>
+          </p:txBody>
+        </p:sp>
+        <p:sp>
+          <p:nvSpPr>
+            <p:cNvPr id="13" name="Title 1">
+              <a:extLst>
+                <a:ext uri="{FF2B5EF4-FFF2-40B4-BE49-F238E27FC236}">
+                  <a16:creationId xmlns:a16="http://schemas.microsoft.com/office/drawing/2014/main" id="{9D9AB90A-84B4-462E-9E2B-D2188E8A3C71}"/>
+                </a:ext>
+              </a:extLst>
+            </p:cNvPr>
+            <p:cNvSpPr txBox="1">
+              <a:spLocks/>
+            </p:cNvSpPr>
+            <p:nvPr/>
+          </p:nvSpPr>
+          <p:spPr>
+            <a:xfrm>
+              <a:off x="7910623" y="4803813"/>
+              <a:ext cx="1226289" cy="325191"/>
+            </a:xfrm>
+            <a:prstGeom prst="rect">
+              <a:avLst/>
+            </a:prstGeom>
+          </p:spPr>
+          <p:txBody>
+            <a:bodyPr vert="horz" lIns="91440" tIns="45720" rIns="91440" bIns="45720" rtlCol="0" anchor="b">
+              <a:noAutofit/>
+            </a:bodyPr>
+            <a:lstStyle>
+              <a:lvl1pPr algn="ctr" defTabSz="914400" rtl="0" eaLnBrk="1" latinLnBrk="0" hangingPunct="1">
+                <a:lnSpc>
+                  <a:spcPct val="90000"/>
+                </a:lnSpc>
+                <a:spcBef>
+                  <a:spcPct val="0"/>
+                </a:spcBef>
+                <a:buNone/>
+                <a:defRPr sz="6000" kern="1200">
+                  <a:solidFill>
+                    <a:schemeClr val="tx1"/>
+                  </a:solidFill>
+                  <a:latin typeface="+mj-lt"/>
+                  <a:ea typeface="+mj-ea"/>
+                  <a:cs typeface="+mj-cs"/>
+                </a:defRPr>
+              </a:lvl1pPr>
+            </a:lstStyle>
+            <a:p>
+              <a:r>
+                <a:rPr lang="en-US" sz="900" b="1" dirty="0">
+                  <a:solidFill>
+                    <a:schemeClr val="bg1"/>
+                  </a:solidFill>
+                  <a:latin typeface="Lexend Deca" panose="020B0604020202020204" charset="0"/>
+                  <a:ea typeface="Open Sans ExtraBold" panose="020B0906030804020204" pitchFamily="34" charset="0"/>
+                  <a:cs typeface="Poppins" panose="00000500000000000000" pitchFamily="50" charset="0"/>
+                </a:rPr>
+                <a:t>NOVEMBER </a:t>
+              </a:r>
+              <a:r>
+                <a:rPr lang="en-US" sz="900" dirty="0">
+                  <a:solidFill>
+                    <a:schemeClr val="bg1"/>
+                  </a:solidFill>
+                  <a:latin typeface="Lexend Deca" panose="020B0604020202020204" charset="0"/>
+                  <a:ea typeface="Open Sans ExtraBold" panose="020B0906030804020204" pitchFamily="34" charset="0"/>
+                  <a:cs typeface="Poppins" panose="00000500000000000000" pitchFamily="50" charset="0"/>
+                </a:rPr>
+                <a:t>2022</a:t>
+              </a:r>
+            </a:p>
+          </p:txBody>
+        </p:sp>
+      </p:grpSp>
+      <p:sp>
+        <p:nvSpPr>
+          <p:cNvPr id="14" name="TextBox 13">
+            <a:extLst>
+              <a:ext uri="{FF2B5EF4-FFF2-40B4-BE49-F238E27FC236}">
+                <a16:creationId xmlns:a16="http://schemas.microsoft.com/office/drawing/2014/main" id="{D4452BC4-9C91-4F71-BFF2-3060B60F5201}"/>
+              </a:ext>
+            </a:extLst>
+          </p:cNvPr>
+          <p:cNvSpPr txBox="1"/>
+          <p:nvPr/>
+        </p:nvSpPr>
+        <p:spPr>
+          <a:xfrm>
+            <a:off x="468200" y="877109"/>
+            <a:ext cx="7055675" cy="338554"/>
+          </a:xfrm>
+          <a:prstGeom prst="rect">
+            <a:avLst/>
+          </a:prstGeom>
+          <a:noFill/>
+        </p:spPr>
+        <p:txBody>
+          <a:bodyPr wrap="square">
+            <a:spAutoFit/>
+          </a:bodyPr>
+          <a:lstStyle/>
+          <a:p>
+            <a:pPr algn="just"/>
+            <a:r>
+              <a:rPr lang="en-US" sz="1600" dirty="0">
+                <a:latin typeface="Amasis MT Pro Medium" panose="020B0604020202020204" pitchFamily="18" charset="0"/>
+                <a:ea typeface="CMU Serif Roman" panose="02000603000000000000" pitchFamily="2" charset="0"/>
+                <a:cs typeface="CMU Serif Roman" panose="02000603000000000000" pitchFamily="2" charset="0"/>
+              </a:rPr>
+              <a:t>Properties Uniquely Determine</a:t>
+            </a:r>
+            <a:r>
+              <a:rPr lang="en-US" sz="1600" b="1" dirty="0">
+                <a:latin typeface="Amasis MT Pro Medium" panose="020B0604020202020204" pitchFamily="18" charset="0"/>
+                <a:ea typeface="CMU Serif Roman" panose="02000603000000000000" pitchFamily="2" charset="0"/>
+                <a:cs typeface="CMU Serif Roman" panose="02000603000000000000" pitchFamily="2" charset="0"/>
+              </a:rPr>
+              <a:t> Additive Feature Attributions </a:t>
+            </a:r>
+          </a:p>
+        </p:txBody>
+      </p:sp>
+      <p:sp>
+        <p:nvSpPr>
+          <p:cNvPr id="6" name="TextBox 5">
+            <a:extLst>
+              <a:ext uri="{FF2B5EF4-FFF2-40B4-BE49-F238E27FC236}">
+                <a16:creationId xmlns:a16="http://schemas.microsoft.com/office/drawing/2014/main" id="{E4F6AAE0-6423-A6C8-E61C-515E2FE85713}"/>
+              </a:ext>
+            </a:extLst>
+          </p:cNvPr>
+          <p:cNvSpPr txBox="1"/>
+          <p:nvPr/>
+        </p:nvSpPr>
+        <p:spPr>
+          <a:xfrm>
+            <a:off x="723960" y="1287937"/>
+            <a:ext cx="8000940" cy="438582"/>
+          </a:xfrm>
+          <a:prstGeom prst="rect">
+            <a:avLst/>
+          </a:prstGeom>
+          <a:noFill/>
+        </p:spPr>
+        <p:txBody>
+          <a:bodyPr wrap="square">
+            <a:spAutoFit/>
+          </a:bodyPr>
+          <a:lstStyle/>
+          <a:p>
+            <a:pPr algn="just"/>
+            <a:r>
+              <a:rPr lang="en-US" sz="1200" i="1" dirty="0">
+                <a:latin typeface="Amasis MT Pro Medium" panose="02040604050005020304" pitchFamily="18" charset="0"/>
+                <a:ea typeface="CMU Serif Roman" panose="02000603000000000000" pitchFamily="2" charset="0"/>
+                <a:cs typeface="CMU Serif Roman" panose="02000603000000000000" pitchFamily="2" charset="0"/>
+              </a:rPr>
+              <a:t>Property 3.</a:t>
+            </a:r>
+            <a:r>
+              <a:rPr lang="en-US" sz="1100" i="1" dirty="0">
+                <a:latin typeface="Amasis MT Pro Medium" panose="02040604050005020304" pitchFamily="18" charset="0"/>
+                <a:ea typeface="CMU Serif Roman" panose="02000603000000000000" pitchFamily="2" charset="0"/>
+                <a:cs typeface="CMU Serif Roman" panose="02000603000000000000" pitchFamily="2" charset="0"/>
+              </a:rPr>
+              <a:t> </a:t>
+            </a:r>
+            <a:r>
+              <a:rPr lang="en-US" sz="1100" b="1" dirty="0">
+                <a:latin typeface="Montserrat" panose="00000500000000000000" pitchFamily="2" charset="0"/>
+                <a:ea typeface="CMU Serif Roman" panose="02000603000000000000" pitchFamily="2" charset="0"/>
+                <a:cs typeface="CMU Serif Roman" panose="02000603000000000000" pitchFamily="2" charset="0"/>
+              </a:rPr>
+              <a:t>Consistency</a:t>
+            </a:r>
+          </a:p>
+          <a:p>
+            <a:pPr algn="just"/>
+            <a:endParaRPr lang="en-US" sz="1050" dirty="0">
+              <a:latin typeface="Amasis MT Pro Medium" panose="02040604050005020304" pitchFamily="18" charset="0"/>
+              <a:ea typeface="CMU Serif Roman" panose="02000603000000000000" pitchFamily="2" charset="0"/>
+              <a:cs typeface="CMU Serif Roman" panose="02000603000000000000" pitchFamily="2" charset="0"/>
+            </a:endParaRPr>
+          </a:p>
+        </p:txBody>
+      </p:sp>
+      <mc:AlternateContent xmlns:mc="http://schemas.openxmlformats.org/markup-compatibility/2006" xmlns:a14="http://schemas.microsoft.com/office/drawing/2010/main">
+        <mc:Choice Requires="a14">
+          <p:sp>
+            <p:nvSpPr>
+              <p:cNvPr id="2" name="TextBox 1">
+                <a:extLst>
+                  <a:ext uri="{FF2B5EF4-FFF2-40B4-BE49-F238E27FC236}">
+                    <a16:creationId xmlns:a16="http://schemas.microsoft.com/office/drawing/2014/main" id="{9E874626-014B-160A-40AC-BADC3736A1D8}"/>
+                  </a:ext>
+                </a:extLst>
+              </p:cNvPr>
+              <p:cNvSpPr txBox="1"/>
+              <p:nvPr/>
+            </p:nvSpPr>
+            <p:spPr>
+              <a:xfrm>
+                <a:off x="3701271" y="3515373"/>
+                <a:ext cx="2196307" cy="218971"/>
+              </a:xfrm>
+              <a:prstGeom prst="rect">
+                <a:avLst/>
+              </a:prstGeom>
+              <a:noFill/>
+            </p:spPr>
+            <p:txBody>
+              <a:bodyPr wrap="none" lIns="0" tIns="0" rIns="0" bIns="0" rtlCol="0">
+                <a:spAutoFit/>
+              </a:bodyPr>
+              <a:lstStyle/>
+              <a:p>
+                <a:pPr/>
+                <a14:m>
+                  <m:oMathPara xmlns:m="http://schemas.openxmlformats.org/officeDocument/2006/math">
+                    <m:oMathParaPr>
+                      <m:jc m:val="centerGroup"/>
+                    </m:oMathParaPr>
+                    <m:oMath xmlns:m="http://schemas.openxmlformats.org/officeDocument/2006/math">
+                      <m:sSubSup>
+                        <m:sSubSupPr>
+                          <m:ctrlPr>
+                            <a:rPr lang="en-US" sz="1200" b="0" i="1" smtClean="0">
+                              <a:latin typeface="Cambria Math" panose="02040503050406030204" pitchFamily="18" charset="0"/>
+                            </a:rPr>
+                          </m:ctrlPr>
+                        </m:sSubSupPr>
+                        <m:e>
+                          <m:r>
+                            <a:rPr lang="en-US" sz="1200" b="0" i="1" smtClean="0">
+                              <a:latin typeface="Cambria Math" panose="02040503050406030204" pitchFamily="18" charset="0"/>
+                            </a:rPr>
+                            <m:t>𝑓</m:t>
+                          </m:r>
+                        </m:e>
+                        <m:sub>
+                          <m:r>
+                            <a:rPr lang="en-US" sz="1200" b="0" i="1" smtClean="0">
+                              <a:latin typeface="Cambria Math" panose="02040503050406030204" pitchFamily="18" charset="0"/>
+                            </a:rPr>
+                            <m:t>𝑥</m:t>
+                          </m:r>
+                        </m:sub>
+                        <m:sup>
+                          <m:r>
+                            <a:rPr lang="en-US" sz="1200" b="0" i="1" smtClean="0">
+                              <a:latin typeface="Cambria Math" panose="02040503050406030204" pitchFamily="18" charset="0"/>
+                            </a:rPr>
+                            <m:t>′</m:t>
+                          </m:r>
+                        </m:sup>
+                      </m:sSubSup>
+                      <m:d>
+                        <m:dPr>
+                          <m:ctrlPr>
+                            <a:rPr lang="en-US" sz="1200" b="0" i="1" smtClean="0">
+                              <a:latin typeface="Cambria Math" panose="02040503050406030204" pitchFamily="18" charset="0"/>
+                            </a:rPr>
+                          </m:ctrlPr>
+                        </m:dPr>
+                        <m:e>
+                          <m:sSup>
+                            <m:sSupPr>
+                              <m:ctrlPr>
+                                <a:rPr lang="en-US" sz="1200" b="0" i="1" smtClean="0">
+                                  <a:latin typeface="Cambria Math" panose="02040503050406030204" pitchFamily="18" charset="0"/>
+                                </a:rPr>
+                              </m:ctrlPr>
+                            </m:sSupPr>
+                            <m:e>
+                              <m:r>
+                                <a:rPr lang="en-US" sz="1200" b="0" i="1" smtClean="0">
+                                  <a:latin typeface="Cambria Math" panose="02040503050406030204" pitchFamily="18" charset="0"/>
+                                </a:rPr>
+                                <m:t>𝑧</m:t>
+                              </m:r>
+                            </m:e>
+                            <m:sup>
+                              <m:r>
+                                <a:rPr lang="en-US" sz="1200" b="0" i="1" smtClean="0">
+                                  <a:latin typeface="Cambria Math" panose="02040503050406030204" pitchFamily="18" charset="0"/>
+                                </a:rPr>
+                                <m:t>′</m:t>
+                              </m:r>
+                            </m:sup>
+                          </m:sSup>
+                        </m:e>
+                      </m:d>
+                      <m:r>
+                        <a:rPr lang="en-US" sz="1200" b="0" i="1" smtClean="0">
+                          <a:latin typeface="Cambria Math" panose="02040503050406030204" pitchFamily="18" charset="0"/>
+                        </a:rPr>
+                        <m:t>−</m:t>
+                      </m:r>
+                      <m:sSubSup>
+                        <m:sSubSupPr>
+                          <m:ctrlPr>
+                            <a:rPr lang="en-US" sz="1200" b="0" i="1" smtClean="0">
+                              <a:latin typeface="Cambria Math" panose="02040503050406030204" pitchFamily="18" charset="0"/>
+                            </a:rPr>
+                          </m:ctrlPr>
+                        </m:sSubSupPr>
+                        <m:e>
+                          <m:r>
+                            <a:rPr lang="en-US" sz="1200" b="0" i="1" smtClean="0">
+                              <a:latin typeface="Cambria Math" panose="02040503050406030204" pitchFamily="18" charset="0"/>
+                            </a:rPr>
+                            <m:t>𝑓</m:t>
+                          </m:r>
+                        </m:e>
+                        <m:sub>
+                          <m:r>
+                            <a:rPr lang="en-US" sz="1200" b="0" i="1" smtClean="0">
+                              <a:latin typeface="Cambria Math" panose="02040503050406030204" pitchFamily="18" charset="0"/>
+                            </a:rPr>
+                            <m:t>𝑥</m:t>
+                          </m:r>
+                        </m:sub>
+                        <m:sup>
+                          <m:r>
+                            <a:rPr lang="en-US" sz="1200" b="0" i="1" smtClean="0">
+                              <a:latin typeface="Cambria Math" panose="02040503050406030204" pitchFamily="18" charset="0"/>
+                            </a:rPr>
+                            <m:t>′</m:t>
+                          </m:r>
+                        </m:sup>
+                      </m:sSubSup>
+                      <m:d>
+                        <m:dPr>
+                          <m:ctrlPr>
+                            <a:rPr lang="en-US" sz="1200" b="0" i="1" smtClean="0">
+                              <a:latin typeface="Cambria Math" panose="02040503050406030204" pitchFamily="18" charset="0"/>
+                            </a:rPr>
+                          </m:ctrlPr>
+                        </m:dPr>
+                        <m:e>
+                          <m:sSubSup>
+                            <m:sSubSupPr>
+                              <m:ctrlPr>
+                                <a:rPr lang="en-US" sz="1200" b="0" i="1" smtClean="0">
+                                  <a:latin typeface="Cambria Math" panose="02040503050406030204" pitchFamily="18" charset="0"/>
+                                </a:rPr>
+                              </m:ctrlPr>
+                            </m:sSubSupPr>
+                            <m:e>
+                              <m:r>
+                                <a:rPr lang="en-US" sz="1200" b="0" i="1" smtClean="0">
+                                  <a:latin typeface="Cambria Math" panose="02040503050406030204" pitchFamily="18" charset="0"/>
+                                </a:rPr>
+                                <m:t>𝑧</m:t>
+                              </m:r>
+                            </m:e>
+                            <m:sub>
+                              <m:r>
+                                <a:rPr lang="en-US" sz="1200" b="0" i="1" smtClean="0">
+                                  <a:latin typeface="Cambria Math" panose="02040503050406030204" pitchFamily="18" charset="0"/>
+                                </a:rPr>
+                                <m:t>𝑗</m:t>
+                              </m:r>
+                            </m:sub>
+                            <m:sup>
+                              <m:r>
+                                <a:rPr lang="en-US" sz="1200" b="0" i="1" smtClean="0">
+                                  <a:latin typeface="Cambria Math" panose="02040503050406030204" pitchFamily="18" charset="0"/>
+                                </a:rPr>
+                                <m:t>′</m:t>
+                              </m:r>
+                            </m:sup>
+                          </m:sSubSup>
+                        </m:e>
+                      </m:d>
+                      <m:r>
+                        <a:rPr lang="en-US" sz="1200" b="0" i="1" smtClean="0">
+                          <a:latin typeface="Cambria Math" panose="02040503050406030204" pitchFamily="18" charset="0"/>
+                        </a:rPr>
+                        <m:t>≥</m:t>
+                      </m:r>
+                      <m:sSub>
+                        <m:sSubPr>
+                          <m:ctrlPr>
+                            <a:rPr lang="en-US" sz="1200" b="0" i="1" smtClean="0">
+                              <a:latin typeface="Cambria Math" panose="02040503050406030204" pitchFamily="18" charset="0"/>
+                            </a:rPr>
+                          </m:ctrlPr>
+                        </m:sSubPr>
+                        <m:e>
+                          <m:r>
+                            <a:rPr lang="en-US" sz="1200" b="0" i="1" smtClean="0">
+                              <a:latin typeface="Cambria Math" panose="02040503050406030204" pitchFamily="18" charset="0"/>
+                            </a:rPr>
+                            <m:t>𝑓</m:t>
+                          </m:r>
+                        </m:e>
+                        <m:sub>
+                          <m:r>
+                            <a:rPr lang="en-US" sz="1200" b="0" i="1" smtClean="0">
+                              <a:latin typeface="Cambria Math" panose="02040503050406030204" pitchFamily="18" charset="0"/>
+                            </a:rPr>
+                            <m:t>𝑥</m:t>
+                          </m:r>
+                        </m:sub>
+                      </m:sSub>
+                      <m:d>
+                        <m:dPr>
+                          <m:ctrlPr>
+                            <a:rPr lang="en-US" sz="1200" b="0" i="1" smtClean="0">
+                              <a:latin typeface="Cambria Math" panose="02040503050406030204" pitchFamily="18" charset="0"/>
+                            </a:rPr>
+                          </m:ctrlPr>
+                        </m:dPr>
+                        <m:e>
+                          <m:sSup>
+                            <m:sSupPr>
+                              <m:ctrlPr>
+                                <a:rPr lang="en-US" sz="1200" b="0" i="1" smtClean="0">
+                                  <a:latin typeface="Cambria Math" panose="02040503050406030204" pitchFamily="18" charset="0"/>
+                                </a:rPr>
+                              </m:ctrlPr>
+                            </m:sSupPr>
+                            <m:e>
+                              <m:r>
+                                <a:rPr lang="en-US" sz="1200" b="0" i="1" smtClean="0">
+                                  <a:latin typeface="Cambria Math" panose="02040503050406030204" pitchFamily="18" charset="0"/>
+                                </a:rPr>
+                                <m:t>𝑧</m:t>
+                              </m:r>
+                            </m:e>
+                            <m:sup>
+                              <m:r>
+                                <a:rPr lang="en-US" sz="1200" b="0" i="1" smtClean="0">
+                                  <a:latin typeface="Cambria Math" panose="02040503050406030204" pitchFamily="18" charset="0"/>
+                                </a:rPr>
+                                <m:t>′</m:t>
+                              </m:r>
+                            </m:sup>
+                          </m:sSup>
+                        </m:e>
+                      </m:d>
+                      <m:r>
+                        <a:rPr lang="en-US" sz="1200" b="0" i="1" smtClean="0">
+                          <a:latin typeface="Cambria Math" panose="02040503050406030204" pitchFamily="18" charset="0"/>
+                        </a:rPr>
+                        <m:t>−</m:t>
+                      </m:r>
+                      <m:sSub>
+                        <m:sSubPr>
+                          <m:ctrlPr>
+                            <a:rPr lang="en-US" sz="1200" b="0" i="1" smtClean="0">
+                              <a:latin typeface="Cambria Math" panose="02040503050406030204" pitchFamily="18" charset="0"/>
+                            </a:rPr>
+                          </m:ctrlPr>
+                        </m:sSubPr>
+                        <m:e>
+                          <m:r>
+                            <a:rPr lang="en-US" sz="1200" b="0" i="1" smtClean="0">
+                              <a:latin typeface="Cambria Math" panose="02040503050406030204" pitchFamily="18" charset="0"/>
+                            </a:rPr>
+                            <m:t>𝑓</m:t>
+                          </m:r>
+                        </m:e>
+                        <m:sub>
+                          <m:r>
+                            <a:rPr lang="en-US" sz="1200" b="0" i="1" smtClean="0">
+                              <a:latin typeface="Cambria Math" panose="02040503050406030204" pitchFamily="18" charset="0"/>
+                            </a:rPr>
+                            <m:t>𝑥</m:t>
+                          </m:r>
+                        </m:sub>
+                      </m:sSub>
+                      <m:d>
+                        <m:dPr>
+                          <m:ctrlPr>
+                            <a:rPr lang="en-US" sz="1200" b="0" i="1" smtClean="0">
+                              <a:latin typeface="Cambria Math" panose="02040503050406030204" pitchFamily="18" charset="0"/>
+                            </a:rPr>
+                          </m:ctrlPr>
+                        </m:dPr>
+                        <m:e>
+                          <m:sSubSup>
+                            <m:sSubSupPr>
+                              <m:ctrlPr>
+                                <a:rPr lang="en-US" sz="1200" b="0" i="1" smtClean="0">
+                                  <a:latin typeface="Cambria Math" panose="02040503050406030204" pitchFamily="18" charset="0"/>
+                                </a:rPr>
+                              </m:ctrlPr>
+                            </m:sSubSupPr>
+                            <m:e>
+                              <m:r>
+                                <a:rPr lang="en-US" sz="1200" b="0" i="1" smtClean="0">
+                                  <a:latin typeface="Cambria Math" panose="02040503050406030204" pitchFamily="18" charset="0"/>
+                                </a:rPr>
+                                <m:t>𝑧</m:t>
+                              </m:r>
+                            </m:e>
+                            <m:sub>
+                              <m:r>
+                                <a:rPr lang="en-US" sz="1200" b="0" i="1" smtClean="0">
+                                  <a:latin typeface="Cambria Math" panose="02040503050406030204" pitchFamily="18" charset="0"/>
+                                </a:rPr>
+                                <m:t>𝑗</m:t>
+                              </m:r>
+                            </m:sub>
+                            <m:sup>
+                              <m:r>
+                                <a:rPr lang="en-US" sz="1200" b="0" i="1" smtClean="0">
+                                  <a:latin typeface="Cambria Math" panose="02040503050406030204" pitchFamily="18" charset="0"/>
+                                </a:rPr>
+                                <m:t>′</m:t>
+                              </m:r>
+                            </m:sup>
+                          </m:sSubSup>
+                        </m:e>
+                      </m:d>
+                    </m:oMath>
+                  </m:oMathPara>
+                </a14:m>
+                <a:endParaRPr lang="en-US" sz="1200" dirty="0"/>
+              </a:p>
+            </p:txBody>
+          </p:sp>
+        </mc:Choice>
+        <mc:Fallback xmlns="">
+          <p:sp>
+            <p:nvSpPr>
+              <p:cNvPr id="2" name="TextBox 1">
+                <a:extLst>
+                  <a:ext uri="{FF2B5EF4-FFF2-40B4-BE49-F238E27FC236}">
+                    <a16:creationId xmlns:a16="http://schemas.microsoft.com/office/drawing/2014/main" id="{9E874626-014B-160A-40AC-BADC3736A1D8}"/>
+                  </a:ext>
+                </a:extLst>
+              </p:cNvPr>
+              <p:cNvSpPr txBox="1">
+                <a:spLocks noRot="1" noChangeAspect="1" noMove="1" noResize="1" noEditPoints="1" noAdjustHandles="1" noChangeArrowheads="1" noChangeShapeType="1" noTextEdit="1"/>
+              </p:cNvSpPr>
+              <p:nvPr/>
+            </p:nvSpPr>
+            <p:spPr>
+              <a:xfrm>
+                <a:off x="3701271" y="3515373"/>
+                <a:ext cx="2196307" cy="218971"/>
+              </a:xfrm>
+              <a:prstGeom prst="rect">
+                <a:avLst/>
+              </a:prstGeom>
+              <a:blipFill>
+                <a:blip r:embed="rId4"/>
+                <a:stretch>
+                  <a:fillRect l="-1944" b="-27778"/>
+                </a:stretch>
+              </a:blipFill>
+            </p:spPr>
+            <p:txBody>
+              <a:bodyPr/>
+              <a:lstStyle/>
+              <a:p>
+                <a:r>
+                  <a:rPr lang="en-US">
+                    <a:noFill/>
+                  </a:rPr>
+                  <a:t> </a:t>
+                </a:r>
+              </a:p>
+            </p:txBody>
+          </p:sp>
+        </mc:Fallback>
+      </mc:AlternateContent>
+      <mc:AlternateContent xmlns:mc="http://schemas.openxmlformats.org/markup-compatibility/2006" xmlns:a14="http://schemas.microsoft.com/office/drawing/2010/main">
+        <mc:Choice Requires="a14">
+          <p:sp>
+            <p:nvSpPr>
+              <p:cNvPr id="4" name="TextBox 3">
+                <a:extLst>
+                  <a:ext uri="{FF2B5EF4-FFF2-40B4-BE49-F238E27FC236}">
+                    <a16:creationId xmlns:a16="http://schemas.microsoft.com/office/drawing/2014/main" id="{D666E831-AD69-98A0-70B5-B58E6F28C953}"/>
+                  </a:ext>
+                </a:extLst>
+              </p:cNvPr>
+              <p:cNvSpPr txBox="1"/>
+              <p:nvPr/>
+            </p:nvSpPr>
+            <p:spPr>
+              <a:xfrm>
+                <a:off x="3701271" y="4106912"/>
+                <a:ext cx="1344599" cy="199542"/>
+              </a:xfrm>
+              <a:prstGeom prst="rect">
+                <a:avLst/>
+              </a:prstGeom>
+              <a:noFill/>
+            </p:spPr>
+            <p:txBody>
+              <a:bodyPr wrap="none" lIns="0" tIns="0" rIns="0" bIns="0" rtlCol="0">
+                <a:spAutoFit/>
+              </a:bodyPr>
+              <a:lstStyle/>
+              <a:p>
+                <a:pPr/>
+                <a14:m>
+                  <m:oMathPara xmlns:m="http://schemas.openxmlformats.org/officeDocument/2006/math">
+                    <m:oMathParaPr>
+                      <m:jc m:val="centerGroup"/>
+                    </m:oMathParaPr>
+                    <m:oMath xmlns:m="http://schemas.openxmlformats.org/officeDocument/2006/math">
+                      <m:sSub>
+                        <m:sSubPr>
+                          <m:ctrlPr>
+                            <a:rPr lang="en-US" sz="1200" b="0" i="1" smtClean="0">
+                              <a:latin typeface="Cambria Math" panose="02040503050406030204" pitchFamily="18" charset="0"/>
+                            </a:rPr>
+                          </m:ctrlPr>
+                        </m:sSubPr>
+                        <m:e>
+                          <m:r>
+                            <a:rPr lang="en-US" sz="1200" b="0" i="1" smtClean="0">
+                              <a:latin typeface="Cambria Math" panose="02040503050406030204" pitchFamily="18" charset="0"/>
+                            </a:rPr>
+                            <m:t>𝜙</m:t>
+                          </m:r>
+                        </m:e>
+                        <m:sub>
+                          <m:r>
+                            <a:rPr lang="en-US" sz="1200" b="0" i="1" smtClean="0">
+                              <a:latin typeface="Cambria Math" panose="02040503050406030204" pitchFamily="18" charset="0"/>
+                            </a:rPr>
+                            <m:t>𝑗</m:t>
+                          </m:r>
+                        </m:sub>
+                      </m:sSub>
+                      <m:d>
+                        <m:dPr>
+                          <m:ctrlPr>
+                            <a:rPr lang="en-US" sz="1200" b="0" i="1" smtClean="0">
+                              <a:latin typeface="Cambria Math" panose="02040503050406030204" pitchFamily="18" charset="0"/>
+                            </a:rPr>
+                          </m:ctrlPr>
+                        </m:dPr>
+                        <m:e>
+                          <m:sSup>
+                            <m:sSupPr>
+                              <m:ctrlPr>
+                                <a:rPr lang="en-US" sz="1200" b="0" i="1" smtClean="0">
+                                  <a:latin typeface="Cambria Math" panose="02040503050406030204" pitchFamily="18" charset="0"/>
+                                </a:rPr>
+                              </m:ctrlPr>
+                            </m:sSupPr>
+                            <m:e>
+                              <m:r>
+                                <a:rPr lang="en-US" sz="1200" b="0" i="1" smtClean="0">
+                                  <a:latin typeface="Cambria Math" panose="02040503050406030204" pitchFamily="18" charset="0"/>
+                                </a:rPr>
+                                <m:t>𝑓</m:t>
+                              </m:r>
+                            </m:e>
+                            <m:sup>
+                              <m:r>
+                                <a:rPr lang="en-US" sz="1200" b="0" i="1" smtClean="0">
+                                  <a:latin typeface="Cambria Math" panose="02040503050406030204" pitchFamily="18" charset="0"/>
+                                </a:rPr>
+                                <m:t>′</m:t>
+                              </m:r>
+                            </m:sup>
+                          </m:sSup>
+                          <m:r>
+                            <a:rPr lang="en-US" sz="1200" b="0" i="1" smtClean="0">
+                              <a:latin typeface="Cambria Math" panose="02040503050406030204" pitchFamily="18" charset="0"/>
+                            </a:rPr>
+                            <m:t>,</m:t>
+                          </m:r>
+                          <m:r>
+                            <a:rPr lang="en-US" sz="1200" b="0" i="1" smtClean="0">
+                              <a:latin typeface="Cambria Math" panose="02040503050406030204" pitchFamily="18" charset="0"/>
+                            </a:rPr>
+                            <m:t>𝑥</m:t>
+                          </m:r>
+                        </m:e>
+                      </m:d>
+                      <m:r>
+                        <a:rPr lang="en-US" sz="1200" b="0" i="1" smtClean="0">
+                          <a:latin typeface="Cambria Math" panose="02040503050406030204" pitchFamily="18" charset="0"/>
+                        </a:rPr>
+                        <m:t>≥</m:t>
+                      </m:r>
+                      <m:sSub>
+                        <m:sSubPr>
+                          <m:ctrlPr>
+                            <a:rPr lang="en-US" sz="1200" b="0" i="1" smtClean="0">
+                              <a:latin typeface="Cambria Math" panose="02040503050406030204" pitchFamily="18" charset="0"/>
+                            </a:rPr>
+                          </m:ctrlPr>
+                        </m:sSubPr>
+                        <m:e>
+                          <m:r>
+                            <a:rPr lang="en-US" sz="1200" b="0" i="1" smtClean="0">
+                              <a:latin typeface="Cambria Math" panose="02040503050406030204" pitchFamily="18" charset="0"/>
+                            </a:rPr>
+                            <m:t>𝜙</m:t>
+                          </m:r>
+                        </m:e>
+                        <m:sub>
+                          <m:r>
+                            <a:rPr lang="en-US" sz="1200" b="0" i="1" smtClean="0">
+                              <a:latin typeface="Cambria Math" panose="02040503050406030204" pitchFamily="18" charset="0"/>
+                            </a:rPr>
+                            <m:t>𝑗</m:t>
+                          </m:r>
+                        </m:sub>
+                      </m:sSub>
+                      <m:r>
+                        <a:rPr lang="en-US" sz="1200" b="0" i="1" smtClean="0">
+                          <a:latin typeface="Cambria Math" panose="02040503050406030204" pitchFamily="18" charset="0"/>
+                        </a:rPr>
+                        <m:t>(</m:t>
+                      </m:r>
+                      <m:r>
+                        <a:rPr lang="en-US" sz="1200" b="0" i="1" smtClean="0">
+                          <a:latin typeface="Cambria Math" panose="02040503050406030204" pitchFamily="18" charset="0"/>
+                        </a:rPr>
+                        <m:t>𝑓</m:t>
+                      </m:r>
+                      <m:r>
+                        <a:rPr lang="en-US" sz="1200" b="0" i="1" smtClean="0">
+                          <a:latin typeface="Cambria Math" panose="02040503050406030204" pitchFamily="18" charset="0"/>
+                        </a:rPr>
+                        <m:t>, </m:t>
+                      </m:r>
+                      <m:r>
+                        <a:rPr lang="en-US" sz="1200" b="0" i="1" smtClean="0">
+                          <a:latin typeface="Cambria Math" panose="02040503050406030204" pitchFamily="18" charset="0"/>
+                        </a:rPr>
+                        <m:t>𝑥</m:t>
+                      </m:r>
+                      <m:r>
+                        <a:rPr lang="en-US" sz="1200" b="0" i="1" smtClean="0">
+                          <a:latin typeface="Cambria Math" panose="02040503050406030204" pitchFamily="18" charset="0"/>
+                        </a:rPr>
+                        <m:t>)</m:t>
+                      </m:r>
+                    </m:oMath>
+                  </m:oMathPara>
+                </a14:m>
+                <a:endParaRPr lang="en-US" sz="1200" dirty="0"/>
+              </a:p>
+            </p:txBody>
+          </p:sp>
+        </mc:Choice>
+        <mc:Fallback xmlns="">
+          <p:sp>
+            <p:nvSpPr>
+              <p:cNvPr id="4" name="TextBox 3">
+                <a:extLst>
+                  <a:ext uri="{FF2B5EF4-FFF2-40B4-BE49-F238E27FC236}">
+                    <a16:creationId xmlns:a16="http://schemas.microsoft.com/office/drawing/2014/main" id="{D666E831-AD69-98A0-70B5-B58E6F28C953}"/>
+                  </a:ext>
+                </a:extLst>
+              </p:cNvPr>
+              <p:cNvSpPr txBox="1">
+                <a:spLocks noRot="1" noChangeAspect="1" noMove="1" noResize="1" noEditPoints="1" noAdjustHandles="1" noChangeArrowheads="1" noChangeShapeType="1" noTextEdit="1"/>
+              </p:cNvSpPr>
+              <p:nvPr/>
+            </p:nvSpPr>
+            <p:spPr>
+              <a:xfrm>
+                <a:off x="3701271" y="4106912"/>
+                <a:ext cx="1344599" cy="199542"/>
+              </a:xfrm>
+              <a:prstGeom prst="rect">
+                <a:avLst/>
+              </a:prstGeom>
+              <a:blipFill>
+                <a:blip r:embed="rId5"/>
+                <a:stretch>
+                  <a:fillRect l="-3167" t="-3125" r="-3167" b="-31250"/>
+                </a:stretch>
+              </a:blipFill>
+            </p:spPr>
+            <p:txBody>
+              <a:bodyPr/>
+              <a:lstStyle/>
+              <a:p>
+                <a:r>
+                  <a:rPr lang="en-US">
+                    <a:noFill/>
+                  </a:rPr>
+                  <a:t> </a:t>
+                </a:r>
+              </a:p>
+            </p:txBody>
+          </p:sp>
+        </mc:Fallback>
+      </mc:AlternateContent>
+      <p:sp>
+        <p:nvSpPr>
+          <p:cNvPr id="7" name="TextBox 6">
+            <a:extLst>
+              <a:ext uri="{FF2B5EF4-FFF2-40B4-BE49-F238E27FC236}">
+                <a16:creationId xmlns:a16="http://schemas.microsoft.com/office/drawing/2014/main" id="{1F24E276-7EF0-AC6D-3132-618A75736AA5}"/>
+              </a:ext>
+            </a:extLst>
+          </p:cNvPr>
+          <p:cNvSpPr txBox="1"/>
+          <p:nvPr/>
+        </p:nvSpPr>
+        <p:spPr>
+          <a:xfrm>
+            <a:off x="730886" y="1458739"/>
+            <a:ext cx="7838149" cy="1200329"/>
+          </a:xfrm>
+          <a:prstGeom prst="rect">
+            <a:avLst/>
+          </a:prstGeom>
+          <a:noFill/>
+        </p:spPr>
+        <p:txBody>
+          <a:bodyPr wrap="square">
+            <a:spAutoFit/>
+          </a:bodyPr>
+          <a:lstStyle/>
+          <a:p>
+            <a:pPr algn="just"/>
+            <a:r>
+              <a:rPr lang="en-US" sz="1200" dirty="0">
+                <a:latin typeface="Amasis MT Pro Medium" panose="02040604050005020304" pitchFamily="18" charset="0"/>
+                <a:ea typeface="CMU Serif Roman" panose="02000603000000000000" pitchFamily="2" charset="0"/>
+                <a:cs typeface="CMU Serif Roman" panose="02000603000000000000" pitchFamily="2" charset="0"/>
+              </a:rPr>
+              <a:t>The consistency property states that if a model changes in such a way that the </a:t>
+            </a:r>
+            <a:r>
+              <a:rPr lang="en-US" sz="1200" i="1" dirty="0">
+                <a:latin typeface="Amasis MT Pro Medium" panose="02040604050005020304" pitchFamily="18" charset="0"/>
+                <a:ea typeface="CMU Serif Roman" panose="02000603000000000000" pitchFamily="2" charset="0"/>
+                <a:cs typeface="CMU Serif Roman" panose="02000603000000000000" pitchFamily="2" charset="0"/>
+              </a:rPr>
+              <a:t>marginal contribution</a:t>
+            </a:r>
+            <a:r>
+              <a:rPr lang="en-US" sz="1200" dirty="0">
+                <a:latin typeface="Amasis MT Pro Medium" panose="02040604050005020304" pitchFamily="18" charset="0"/>
+                <a:ea typeface="CMU Serif Roman" panose="02000603000000000000" pitchFamily="2" charset="0"/>
+                <a:cs typeface="CMU Serif Roman" panose="02000603000000000000" pitchFamily="2" charset="0"/>
+              </a:rPr>
+              <a:t> of a feature value increases the same [or stays the same], regardless of other features, the Shapley Value also increases [or stays the same. </a:t>
+            </a:r>
+          </a:p>
+          <a:p>
+            <a:pPr algn="just"/>
+            <a:endParaRPr lang="en-US" sz="1200" dirty="0">
+              <a:latin typeface="Amasis MT Pro Medium" panose="02040604050005020304" pitchFamily="18" charset="0"/>
+              <a:ea typeface="CMU Serif Roman" panose="02000603000000000000" pitchFamily="2" charset="0"/>
+              <a:cs typeface="CMU Serif Roman" panose="02000603000000000000" pitchFamily="2" charset="0"/>
+            </a:endParaRPr>
+          </a:p>
+          <a:p>
+            <a:pPr algn="just"/>
+            <a:r>
+              <a:rPr lang="en-US" sz="1200" dirty="0">
+                <a:latin typeface="Amasis MT Pro Medium" panose="02040604050005020304" pitchFamily="18" charset="0"/>
+                <a:ea typeface="CMU Serif Roman" panose="02000603000000000000" pitchFamily="2" charset="0"/>
+                <a:cs typeface="CMU Serif Roman" panose="02000603000000000000" pitchFamily="2" charset="0"/>
+              </a:rPr>
+              <a:t>Consistency indicates that if a model changes such that some feature's contribution increases or stays the same regardless of the other inputs, that input's attribution should not decrease.</a:t>
+            </a:r>
+          </a:p>
+        </p:txBody>
+      </p:sp>
+      <mc:AlternateContent xmlns:mc="http://schemas.openxmlformats.org/markup-compatibility/2006" xmlns:a14="http://schemas.microsoft.com/office/drawing/2010/main">
+        <mc:Choice Requires="a14">
+          <p:sp>
+            <p:nvSpPr>
+              <p:cNvPr id="9" name="TextBox 8">
+                <a:extLst>
+                  <a:ext uri="{FF2B5EF4-FFF2-40B4-BE49-F238E27FC236}">
+                    <a16:creationId xmlns:a16="http://schemas.microsoft.com/office/drawing/2014/main" id="{336BB731-4A6D-F25A-0F98-77ABC1C10E2C}"/>
+                  </a:ext>
+                </a:extLst>
+              </p:cNvPr>
+              <p:cNvSpPr txBox="1"/>
+              <p:nvPr/>
+            </p:nvSpPr>
+            <p:spPr>
+              <a:xfrm>
+                <a:off x="1534392" y="3144600"/>
+                <a:ext cx="7034643" cy="960519"/>
+              </a:xfrm>
+              <a:prstGeom prst="rect">
+                <a:avLst/>
+              </a:prstGeom>
+              <a:noFill/>
+            </p:spPr>
+            <p:txBody>
+              <a:bodyPr wrap="square">
+                <a:spAutoFit/>
+              </a:bodyPr>
+              <a:lstStyle/>
+              <a:p>
+                <a:pPr algn="just"/>
+                <a:r>
+                  <a:rPr lang="en-US" sz="1100" dirty="0">
+                    <a:latin typeface="Amasis MT Pro Medium" panose="02040604050005020304" pitchFamily="18" charset="0"/>
+                    <a:ea typeface="CMU Serif Roman" panose="02000603000000000000" pitchFamily="2" charset="0"/>
+                    <a:cs typeface="CMU Serif Roman" panose="02000603000000000000" pitchFamily="2" charset="0"/>
+                  </a:rPr>
+                  <a:t>Let </a:t>
+                </a:r>
+                <a14:m>
+                  <m:oMath xmlns:m="http://schemas.openxmlformats.org/officeDocument/2006/math">
+                    <m:sSub>
+                      <m:sSubPr>
+                        <m:ctrlPr>
+                          <a:rPr lang="en-US" sz="1100" b="0" i="1" smtClean="0">
+                            <a:latin typeface="Cambria Math" panose="02040503050406030204" pitchFamily="18" charset="0"/>
+                            <a:ea typeface="CMU Serif Roman" panose="02000603000000000000" pitchFamily="2" charset="0"/>
+                            <a:cs typeface="CMU Serif Roman" panose="02000603000000000000" pitchFamily="2" charset="0"/>
+                          </a:rPr>
+                        </m:ctrlPr>
+                      </m:sSubPr>
+                      <m:e>
+                        <m:r>
+                          <a:rPr lang="en-US" sz="1100" i="1" smtClean="0">
+                            <a:latin typeface="Cambria Math" panose="02040503050406030204" pitchFamily="18" charset="0"/>
+                            <a:ea typeface="CMU Serif Roman" panose="02000603000000000000" pitchFamily="2" charset="0"/>
+                            <a:cs typeface="CMU Serif Roman" panose="02000603000000000000" pitchFamily="2" charset="0"/>
+                          </a:rPr>
+                          <m:t>𝑓</m:t>
+                        </m:r>
+                      </m:e>
+                      <m:sub>
+                        <m:r>
+                          <a:rPr lang="en-US" sz="1100" b="0" i="1" smtClean="0">
+                            <a:latin typeface="Cambria Math" panose="02040503050406030204" pitchFamily="18" charset="0"/>
+                            <a:ea typeface="CMU Serif Roman" panose="02000603000000000000" pitchFamily="2" charset="0"/>
+                            <a:cs typeface="CMU Serif Roman" panose="02000603000000000000" pitchFamily="2" charset="0"/>
+                          </a:rPr>
+                          <m:t>𝑥</m:t>
+                        </m:r>
+                      </m:sub>
+                    </m:sSub>
+                    <m:d>
+                      <m:dPr>
+                        <m:ctrlPr>
+                          <a:rPr lang="en-US" sz="1100" b="0" i="1" smtClean="0">
+                            <a:latin typeface="Cambria Math" panose="02040503050406030204" pitchFamily="18" charset="0"/>
+                            <a:ea typeface="CMU Serif Roman" panose="02000603000000000000" pitchFamily="2" charset="0"/>
+                            <a:cs typeface="CMU Serif Roman" panose="02000603000000000000" pitchFamily="2" charset="0"/>
+                          </a:rPr>
+                        </m:ctrlPr>
+                      </m:dPr>
+                      <m:e>
+                        <m:sSup>
+                          <m:sSupPr>
+                            <m:ctrlPr>
+                              <a:rPr lang="en-US" sz="1100" b="0" i="1" smtClean="0">
+                                <a:latin typeface="Cambria Math" panose="02040503050406030204" pitchFamily="18" charset="0"/>
+                                <a:ea typeface="CMU Serif Roman" panose="02000603000000000000" pitchFamily="2" charset="0"/>
+                                <a:cs typeface="CMU Serif Roman" panose="02000603000000000000" pitchFamily="2" charset="0"/>
+                              </a:rPr>
+                            </m:ctrlPr>
+                          </m:sSupPr>
+                          <m:e>
+                            <m:r>
+                              <a:rPr lang="en-US" sz="1100" b="0" i="1" smtClean="0">
+                                <a:latin typeface="Cambria Math" panose="02040503050406030204" pitchFamily="18" charset="0"/>
+                                <a:ea typeface="CMU Serif Roman" panose="02000603000000000000" pitchFamily="2" charset="0"/>
+                                <a:cs typeface="CMU Serif Roman" panose="02000603000000000000" pitchFamily="2" charset="0"/>
+                              </a:rPr>
+                              <m:t>𝑥</m:t>
+                            </m:r>
+                          </m:e>
+                          <m:sup>
+                            <m:r>
+                              <a:rPr lang="en-US" sz="1100" b="0" i="1" smtClean="0">
+                                <a:latin typeface="Cambria Math" panose="02040503050406030204" pitchFamily="18" charset="0"/>
+                                <a:ea typeface="CMU Serif Roman" panose="02000603000000000000" pitchFamily="2" charset="0"/>
+                                <a:cs typeface="CMU Serif Roman" panose="02000603000000000000" pitchFamily="2" charset="0"/>
+                              </a:rPr>
+                              <m:t>′</m:t>
+                            </m:r>
+                          </m:sup>
+                        </m:sSup>
+                      </m:e>
+                    </m:d>
+                    <m:r>
+                      <a:rPr lang="en-US" sz="1100" b="0" i="1" smtClean="0">
+                        <a:latin typeface="Cambria Math" panose="02040503050406030204" pitchFamily="18" charset="0"/>
+                        <a:ea typeface="CMU Serif Roman" panose="02000603000000000000" pitchFamily="2" charset="0"/>
+                        <a:cs typeface="CMU Serif Roman" panose="02000603000000000000" pitchFamily="2" charset="0"/>
+                      </a:rPr>
+                      <m:t>=</m:t>
+                    </m:r>
+                    <m:r>
+                      <a:rPr lang="en-US" sz="1100" b="0" i="1" smtClean="0">
+                        <a:latin typeface="Cambria Math" panose="02040503050406030204" pitchFamily="18" charset="0"/>
+                        <a:ea typeface="CMU Serif Roman" panose="02000603000000000000" pitchFamily="2" charset="0"/>
+                        <a:cs typeface="CMU Serif Roman" panose="02000603000000000000" pitchFamily="2" charset="0"/>
+                      </a:rPr>
+                      <m:t>𝑓</m:t>
+                    </m:r>
+                    <m:d>
+                      <m:dPr>
+                        <m:ctrlPr>
+                          <a:rPr lang="en-US" sz="1100" b="0" i="1" smtClean="0">
+                            <a:latin typeface="Cambria Math" panose="02040503050406030204" pitchFamily="18" charset="0"/>
+                            <a:ea typeface="CMU Serif Roman" panose="02000603000000000000" pitchFamily="2" charset="0"/>
+                            <a:cs typeface="CMU Serif Roman" panose="02000603000000000000" pitchFamily="2" charset="0"/>
+                          </a:rPr>
+                        </m:ctrlPr>
+                      </m:dPr>
+                      <m:e>
+                        <m:sSub>
+                          <m:sSubPr>
+                            <m:ctrlPr>
+                              <a:rPr lang="en-US" sz="1100" b="0" i="1" smtClean="0">
+                                <a:latin typeface="Cambria Math" panose="02040503050406030204" pitchFamily="18" charset="0"/>
+                                <a:ea typeface="CMU Serif Roman" panose="02000603000000000000" pitchFamily="2" charset="0"/>
+                                <a:cs typeface="CMU Serif Roman" panose="02000603000000000000" pitchFamily="2" charset="0"/>
+                              </a:rPr>
+                            </m:ctrlPr>
+                          </m:sSubPr>
+                          <m:e>
+                            <m:r>
+                              <a:rPr lang="en-US" sz="1100" b="0" i="1" smtClean="0">
+                                <a:latin typeface="Cambria Math" panose="02040503050406030204" pitchFamily="18" charset="0"/>
+                                <a:ea typeface="CMU Serif Roman" panose="02000603000000000000" pitchFamily="2" charset="0"/>
+                                <a:cs typeface="CMU Serif Roman" panose="02000603000000000000" pitchFamily="2" charset="0"/>
+                              </a:rPr>
+                              <m:t>h</m:t>
+                            </m:r>
+                          </m:e>
+                          <m:sub>
+                            <m:r>
+                              <a:rPr lang="en-US" sz="1100" b="0" i="1" smtClean="0">
+                                <a:latin typeface="Cambria Math" panose="02040503050406030204" pitchFamily="18" charset="0"/>
+                                <a:ea typeface="CMU Serif Roman" panose="02000603000000000000" pitchFamily="2" charset="0"/>
+                                <a:cs typeface="CMU Serif Roman" panose="02000603000000000000" pitchFamily="2" charset="0"/>
+                              </a:rPr>
+                              <m:t>𝑥</m:t>
+                            </m:r>
+                          </m:sub>
+                        </m:sSub>
+                        <m:d>
+                          <m:dPr>
+                            <m:ctrlPr>
+                              <a:rPr lang="en-US" sz="1100" b="0" i="1" smtClean="0">
+                                <a:latin typeface="Cambria Math" panose="02040503050406030204" pitchFamily="18" charset="0"/>
+                                <a:ea typeface="CMU Serif Roman" panose="02000603000000000000" pitchFamily="2" charset="0"/>
+                                <a:cs typeface="CMU Serif Roman" panose="02000603000000000000" pitchFamily="2" charset="0"/>
+                              </a:rPr>
+                            </m:ctrlPr>
+                          </m:dPr>
+                          <m:e>
+                            <m:sSup>
+                              <m:sSupPr>
+                                <m:ctrlPr>
+                                  <a:rPr lang="en-US" sz="1100" b="0" i="1" smtClean="0">
+                                    <a:latin typeface="Cambria Math" panose="02040503050406030204" pitchFamily="18" charset="0"/>
+                                    <a:ea typeface="CMU Serif Roman" panose="02000603000000000000" pitchFamily="2" charset="0"/>
+                                    <a:cs typeface="CMU Serif Roman" panose="02000603000000000000" pitchFamily="2" charset="0"/>
+                                  </a:rPr>
+                                </m:ctrlPr>
+                              </m:sSupPr>
+                              <m:e>
+                                <m:r>
+                                  <a:rPr lang="en-US" sz="1100" b="0" i="1" smtClean="0">
+                                    <a:latin typeface="Cambria Math" panose="02040503050406030204" pitchFamily="18" charset="0"/>
+                                    <a:ea typeface="CMU Serif Roman" panose="02000603000000000000" pitchFamily="2" charset="0"/>
+                                    <a:cs typeface="CMU Serif Roman" panose="02000603000000000000" pitchFamily="2" charset="0"/>
+                                  </a:rPr>
+                                  <m:t>𝑥</m:t>
+                                </m:r>
+                              </m:e>
+                              <m:sup>
+                                <m:r>
+                                  <a:rPr lang="en-US" sz="1100" b="0" i="1" smtClean="0">
+                                    <a:latin typeface="Cambria Math" panose="02040503050406030204" pitchFamily="18" charset="0"/>
+                                    <a:ea typeface="CMU Serif Roman" panose="02000603000000000000" pitchFamily="2" charset="0"/>
+                                    <a:cs typeface="CMU Serif Roman" panose="02000603000000000000" pitchFamily="2" charset="0"/>
+                                  </a:rPr>
+                                  <m:t>′</m:t>
+                                </m:r>
+                              </m:sup>
+                            </m:sSup>
+                          </m:e>
+                        </m:d>
+                      </m:e>
+                    </m:d>
+                  </m:oMath>
+                </a14:m>
+                <a:r>
+                  <a:rPr lang="en-US" sz="1100" dirty="0">
+                    <a:latin typeface="Amasis MT Pro Medium" panose="02040604050005020304" pitchFamily="18" charset="0"/>
+                    <a:ea typeface="CMU Serif Roman" panose="02000603000000000000" pitchFamily="2" charset="0"/>
+                    <a:cs typeface="CMU Serif Roman" panose="02000603000000000000" pitchFamily="2" charset="0"/>
+                  </a:rPr>
+                  <a:t> and </a:t>
+                </a:r>
+                <a14:m>
+                  <m:oMath xmlns:m="http://schemas.openxmlformats.org/officeDocument/2006/math">
+                    <m:sSub>
+                      <m:sSubPr>
+                        <m:ctrlPr>
+                          <a:rPr lang="en-US" sz="1100" b="0" i="1" smtClean="0">
+                            <a:latin typeface="Cambria Math" panose="02040503050406030204" pitchFamily="18" charset="0"/>
+                            <a:ea typeface="CMU Serif Roman" panose="02000603000000000000" pitchFamily="2" charset="0"/>
+                            <a:cs typeface="CMU Serif Roman" panose="02000603000000000000" pitchFamily="2" charset="0"/>
+                          </a:rPr>
+                        </m:ctrlPr>
+                      </m:sSubPr>
+                      <m:e>
+                        <m:r>
+                          <a:rPr lang="en-US" sz="1100" b="0" i="1" smtClean="0">
+                            <a:latin typeface="Cambria Math" panose="02040503050406030204" pitchFamily="18" charset="0"/>
+                            <a:ea typeface="CMU Serif Roman" panose="02000603000000000000" pitchFamily="2" charset="0"/>
+                            <a:cs typeface="CMU Serif Roman" panose="02000603000000000000" pitchFamily="2" charset="0"/>
+                          </a:rPr>
+                          <m:t>𝑧</m:t>
+                        </m:r>
+                      </m:e>
+                      <m:sub>
+                        <m:sSup>
+                          <m:sSupPr>
+                            <m:ctrlPr>
+                              <a:rPr lang="en-US" sz="1100" b="0" i="1" smtClean="0">
+                                <a:latin typeface="Cambria Math" panose="02040503050406030204" pitchFamily="18" charset="0"/>
+                                <a:ea typeface="CMU Serif Roman" panose="02000603000000000000" pitchFamily="2" charset="0"/>
+                                <a:cs typeface="CMU Serif Roman" panose="02000603000000000000" pitchFamily="2" charset="0"/>
+                              </a:rPr>
+                            </m:ctrlPr>
+                          </m:sSupPr>
+                          <m:e>
+                            <m:r>
+                              <a:rPr lang="en-US" sz="1100" b="0" i="1" smtClean="0">
+                                <a:latin typeface="Cambria Math" panose="02040503050406030204" pitchFamily="18" charset="0"/>
+                                <a:ea typeface="CMU Serif Roman" panose="02000603000000000000" pitchFamily="2" charset="0"/>
+                                <a:cs typeface="CMU Serif Roman" panose="02000603000000000000" pitchFamily="2" charset="0"/>
+                              </a:rPr>
+                              <m:t>𝑗</m:t>
+                            </m:r>
+                          </m:e>
+                          <m:sup>
+                            <m:r>
+                              <a:rPr lang="en-US" sz="1100" b="0" i="1" smtClean="0">
+                                <a:latin typeface="Cambria Math" panose="02040503050406030204" pitchFamily="18" charset="0"/>
+                                <a:ea typeface="CMU Serif Roman" panose="02000603000000000000" pitchFamily="2" charset="0"/>
+                                <a:cs typeface="CMU Serif Roman" panose="02000603000000000000" pitchFamily="2" charset="0"/>
+                              </a:rPr>
+                              <m:t>′</m:t>
+                            </m:r>
+                          </m:sup>
+                        </m:sSup>
+                      </m:sub>
+                    </m:sSub>
+                  </m:oMath>
+                </a14:m>
+                <a:r>
+                  <a:rPr lang="en-US" sz="1100" dirty="0">
+                    <a:latin typeface="Amasis MT Pro Medium" panose="02040604050005020304" pitchFamily="18" charset="0"/>
+                    <a:ea typeface="CMU Serif Roman" panose="02000603000000000000" pitchFamily="2" charset="0"/>
+                    <a:cs typeface="CMU Serif Roman" panose="02000603000000000000" pitchFamily="2" charset="0"/>
+                  </a:rPr>
+                  <a:t> indicate that </a:t>
+                </a:r>
+                <a14:m>
+                  <m:oMath xmlns:m="http://schemas.openxmlformats.org/officeDocument/2006/math">
+                    <m:sSub>
+                      <m:sSubPr>
+                        <m:ctrlPr>
+                          <a:rPr lang="en-US" sz="1100" i="1">
+                            <a:latin typeface="Cambria Math" panose="02040503050406030204" pitchFamily="18" charset="0"/>
+                            <a:ea typeface="CMU Serif Roman" panose="02000603000000000000" pitchFamily="2" charset="0"/>
+                            <a:cs typeface="CMU Serif Roman" panose="02000603000000000000" pitchFamily="2" charset="0"/>
+                          </a:rPr>
+                        </m:ctrlPr>
+                      </m:sSubPr>
+                      <m:e>
+                        <m:r>
+                          <a:rPr lang="en-US" sz="1100" i="1">
+                            <a:latin typeface="Cambria Math" panose="02040503050406030204" pitchFamily="18" charset="0"/>
+                            <a:ea typeface="CMU Serif Roman" panose="02000603000000000000" pitchFamily="2" charset="0"/>
+                            <a:cs typeface="CMU Serif Roman" panose="02000603000000000000" pitchFamily="2" charset="0"/>
+                          </a:rPr>
+                          <m:t>𝑧</m:t>
+                        </m:r>
+                      </m:e>
+                      <m:sub>
+                        <m:sSup>
+                          <m:sSupPr>
+                            <m:ctrlPr>
+                              <a:rPr lang="en-US" sz="1100" i="1">
+                                <a:latin typeface="Cambria Math" panose="02040503050406030204" pitchFamily="18" charset="0"/>
+                                <a:ea typeface="CMU Serif Roman" panose="02000603000000000000" pitchFamily="2" charset="0"/>
+                                <a:cs typeface="CMU Serif Roman" panose="02000603000000000000" pitchFamily="2" charset="0"/>
+                              </a:rPr>
+                            </m:ctrlPr>
+                          </m:sSupPr>
+                          <m:e>
+                            <m:r>
+                              <a:rPr lang="en-US" sz="1100" i="1">
+                                <a:latin typeface="Cambria Math" panose="02040503050406030204" pitchFamily="18" charset="0"/>
+                                <a:ea typeface="CMU Serif Roman" panose="02000603000000000000" pitchFamily="2" charset="0"/>
+                                <a:cs typeface="CMU Serif Roman" panose="02000603000000000000" pitchFamily="2" charset="0"/>
+                              </a:rPr>
+                              <m:t>𝑗</m:t>
+                            </m:r>
+                          </m:e>
+                          <m:sup>
+                            <m:r>
+                              <a:rPr lang="en-US" sz="1100" i="1">
+                                <a:latin typeface="Cambria Math" panose="02040503050406030204" pitchFamily="18" charset="0"/>
+                                <a:ea typeface="CMU Serif Roman" panose="02000603000000000000" pitchFamily="2" charset="0"/>
+                                <a:cs typeface="CMU Serif Roman" panose="02000603000000000000" pitchFamily="2" charset="0"/>
+                              </a:rPr>
+                              <m:t>′</m:t>
+                            </m:r>
+                          </m:sup>
+                        </m:sSup>
+                      </m:sub>
+                    </m:sSub>
+                    <m:r>
+                      <a:rPr lang="en-US" sz="1100" b="0" i="1" smtClean="0">
+                        <a:latin typeface="Cambria Math" panose="02040503050406030204" pitchFamily="18" charset="0"/>
+                        <a:ea typeface="CMU Serif Roman" panose="02000603000000000000" pitchFamily="2" charset="0"/>
+                        <a:cs typeface="CMU Serif Roman" panose="02000603000000000000" pitchFamily="2" charset="0"/>
+                      </a:rPr>
+                      <m:t>=0</m:t>
+                    </m:r>
+                  </m:oMath>
+                </a14:m>
+                <a:r>
+                  <a:rPr lang="en-US" sz="1100" dirty="0">
+                    <a:latin typeface="Amasis MT Pro Medium" panose="02040604050005020304" pitchFamily="18" charset="0"/>
+                    <a:ea typeface="CMU Serif Roman" panose="02000603000000000000" pitchFamily="2" charset="0"/>
+                    <a:cs typeface="CMU Serif Roman" panose="02000603000000000000" pitchFamily="2" charset="0"/>
+                  </a:rPr>
+                  <a:t>. For any two models </a:t>
+                </a:r>
+                <a14:m>
+                  <m:oMath xmlns:m="http://schemas.openxmlformats.org/officeDocument/2006/math">
+                    <m:r>
+                      <a:rPr lang="en-US" sz="1100" b="0" i="1" smtClean="0">
+                        <a:latin typeface="Cambria Math" panose="02040503050406030204" pitchFamily="18" charset="0"/>
+                        <a:ea typeface="CMU Serif Roman" panose="02000603000000000000" pitchFamily="2" charset="0"/>
+                        <a:cs typeface="CMU Serif Roman" panose="02000603000000000000" pitchFamily="2" charset="0"/>
+                      </a:rPr>
+                      <m:t>𝑓</m:t>
+                    </m:r>
+                  </m:oMath>
+                </a14:m>
+                <a:r>
+                  <a:rPr lang="en-US" sz="1100" dirty="0">
+                    <a:latin typeface="Amasis MT Pro Medium" panose="02040604050005020304" pitchFamily="18" charset="0"/>
+                    <a:ea typeface="CMU Serif Roman" panose="02000603000000000000" pitchFamily="2" charset="0"/>
+                    <a:cs typeface="CMU Serif Roman" panose="02000603000000000000" pitchFamily="2" charset="0"/>
+                  </a:rPr>
+                  <a:t> and </a:t>
+                </a:r>
+                <a14:m>
+                  <m:oMath xmlns:m="http://schemas.openxmlformats.org/officeDocument/2006/math">
+                    <m:sSup>
+                      <m:sSupPr>
+                        <m:ctrlPr>
+                          <a:rPr lang="en-US" sz="1100" b="0" i="1" smtClean="0">
+                            <a:latin typeface="Cambria Math" panose="02040503050406030204" pitchFamily="18" charset="0"/>
+                            <a:ea typeface="CMU Serif Roman" panose="02000603000000000000" pitchFamily="2" charset="0"/>
+                            <a:cs typeface="CMU Serif Roman" panose="02000603000000000000" pitchFamily="2" charset="0"/>
+                          </a:rPr>
+                        </m:ctrlPr>
+                      </m:sSupPr>
+                      <m:e>
+                        <m:r>
+                          <a:rPr lang="en-US" sz="1100" b="0" i="1" smtClean="0">
+                            <a:latin typeface="Cambria Math" panose="02040503050406030204" pitchFamily="18" charset="0"/>
+                            <a:ea typeface="CMU Serif Roman" panose="02000603000000000000" pitchFamily="2" charset="0"/>
+                            <a:cs typeface="CMU Serif Roman" panose="02000603000000000000" pitchFamily="2" charset="0"/>
+                          </a:rPr>
+                          <m:t>𝑓</m:t>
+                        </m:r>
+                      </m:e>
+                      <m:sup>
+                        <m:r>
+                          <a:rPr lang="en-US" sz="1100" b="0" i="1" smtClean="0">
+                            <a:latin typeface="Cambria Math" panose="02040503050406030204" pitchFamily="18" charset="0"/>
+                            <a:ea typeface="CMU Serif Roman" panose="02000603000000000000" pitchFamily="2" charset="0"/>
+                            <a:cs typeface="CMU Serif Roman" panose="02000603000000000000" pitchFamily="2" charset="0"/>
+                          </a:rPr>
+                          <m:t>′</m:t>
+                        </m:r>
+                      </m:sup>
+                    </m:sSup>
+                  </m:oMath>
+                </a14:m>
+                <a:r>
+                  <a:rPr lang="en-US" sz="1100" dirty="0">
+                    <a:latin typeface="Amasis MT Pro Medium" panose="02040604050005020304" pitchFamily="18" charset="0"/>
+                    <a:ea typeface="CMU Serif Roman" panose="02000603000000000000" pitchFamily="2" charset="0"/>
+                    <a:cs typeface="CMU Serif Roman" panose="02000603000000000000" pitchFamily="2" charset="0"/>
+                  </a:rPr>
+                  <a:t> that satisfy:  </a:t>
+                </a:r>
+              </a:p>
+              <a:p>
+                <a:pPr algn="just"/>
+                <a:endParaRPr lang="en-US" sz="1100" dirty="0">
+                  <a:latin typeface="Amasis MT Pro Medium" panose="02040604050005020304" pitchFamily="18" charset="0"/>
+                  <a:ea typeface="CMU Serif Roman" panose="02000603000000000000" pitchFamily="2" charset="0"/>
+                  <a:cs typeface="CMU Serif Roman" panose="02000603000000000000" pitchFamily="2" charset="0"/>
+                </a:endParaRPr>
+              </a:p>
+              <a:p>
+                <a:pPr algn="just"/>
+                <a:endParaRPr lang="en-US" sz="1100" dirty="0">
+                  <a:latin typeface="Amasis MT Pro Medium" panose="02040604050005020304" pitchFamily="18" charset="0"/>
+                  <a:ea typeface="CMU Serif Roman" panose="02000603000000000000" pitchFamily="2" charset="0"/>
+                  <a:cs typeface="CMU Serif Roman" panose="02000603000000000000" pitchFamily="2" charset="0"/>
+                </a:endParaRPr>
+              </a:p>
+              <a:p>
+                <a:pPr algn="just"/>
+                <a:endParaRPr lang="en-US" sz="1100" dirty="0">
+                  <a:latin typeface="Amasis MT Pro Medium" panose="02040604050005020304" pitchFamily="18" charset="0"/>
+                  <a:ea typeface="CMU Serif Roman" panose="02000603000000000000" pitchFamily="2" charset="0"/>
+                  <a:cs typeface="CMU Serif Roman" panose="02000603000000000000" pitchFamily="2" charset="0"/>
+                </a:endParaRPr>
+              </a:p>
+              <a:p>
+                <a:pPr algn="just"/>
+                <a:r>
+                  <a:rPr lang="en-US" sz="1100" dirty="0">
+                    <a:latin typeface="Amasis MT Pro Medium" panose="02040604050005020304" pitchFamily="18" charset="0"/>
+                    <a:ea typeface="CMU Serif Roman" panose="02000603000000000000" pitchFamily="2" charset="0"/>
+                    <a:cs typeface="CMU Serif Roman" panose="02000603000000000000" pitchFamily="2" charset="0"/>
+                  </a:rPr>
+                  <a:t>for all inputs </a:t>
+                </a:r>
+                <a14:m>
+                  <m:oMath xmlns:m="http://schemas.openxmlformats.org/officeDocument/2006/math">
+                    <m:sSup>
+                      <m:sSupPr>
+                        <m:ctrlPr>
+                          <a:rPr lang="en-US" sz="1100" b="0" i="1" smtClean="0">
+                            <a:latin typeface="Cambria Math" panose="02040503050406030204" pitchFamily="18" charset="0"/>
+                            <a:ea typeface="CMU Serif Roman" panose="02000603000000000000" pitchFamily="2" charset="0"/>
+                            <a:cs typeface="CMU Serif Roman" panose="02000603000000000000" pitchFamily="2" charset="0"/>
+                          </a:rPr>
+                        </m:ctrlPr>
+                      </m:sSupPr>
+                      <m:e>
+                        <m:r>
+                          <a:rPr lang="en-US" sz="1100" b="0" i="1" smtClean="0">
+                            <a:latin typeface="Cambria Math" panose="02040503050406030204" pitchFamily="18" charset="0"/>
+                            <a:ea typeface="CMU Serif Roman" panose="02000603000000000000" pitchFamily="2" charset="0"/>
+                            <a:cs typeface="CMU Serif Roman" panose="02000603000000000000" pitchFamily="2" charset="0"/>
+                          </a:rPr>
+                          <m:t>𝑧</m:t>
+                        </m:r>
+                      </m:e>
+                      <m:sup>
+                        <m:r>
+                          <a:rPr lang="en-US" sz="1100" b="0" i="1" smtClean="0">
+                            <a:latin typeface="Cambria Math" panose="02040503050406030204" pitchFamily="18" charset="0"/>
+                            <a:ea typeface="CMU Serif Roman" panose="02000603000000000000" pitchFamily="2" charset="0"/>
+                            <a:cs typeface="CMU Serif Roman" panose="02000603000000000000" pitchFamily="2" charset="0"/>
+                          </a:rPr>
+                          <m:t>′</m:t>
+                        </m:r>
+                      </m:sup>
+                    </m:sSup>
+                    <m:r>
+                      <a:rPr lang="en-US" sz="1100" b="0" i="1" smtClean="0">
+                        <a:latin typeface="Cambria Math" panose="02040503050406030204" pitchFamily="18" charset="0"/>
+                        <a:ea typeface="CMU Serif Roman" panose="02000603000000000000" pitchFamily="2" charset="0"/>
+                        <a:cs typeface="CMU Serif Roman" panose="02000603000000000000" pitchFamily="2" charset="0"/>
+                      </a:rPr>
+                      <m:t>∈</m:t>
+                    </m:r>
+                    <m:sSup>
+                      <m:sSupPr>
+                        <m:ctrlPr>
+                          <a:rPr lang="en-US" sz="1100" b="0" i="1" smtClean="0">
+                            <a:latin typeface="Cambria Math" panose="02040503050406030204" pitchFamily="18" charset="0"/>
+                            <a:ea typeface="CMU Serif Roman" panose="02000603000000000000" pitchFamily="2" charset="0"/>
+                            <a:cs typeface="CMU Serif Roman" panose="02000603000000000000" pitchFamily="2" charset="0"/>
+                          </a:rPr>
+                        </m:ctrlPr>
+                      </m:sSupPr>
+                      <m:e>
+                        <m:d>
+                          <m:dPr>
+                            <m:begChr m:val="{"/>
+                            <m:endChr m:val="}"/>
+                            <m:ctrlPr>
+                              <a:rPr lang="en-US" sz="1100" b="0" i="1" smtClean="0">
+                                <a:latin typeface="Cambria Math" panose="02040503050406030204" pitchFamily="18" charset="0"/>
+                                <a:ea typeface="CMU Serif Roman" panose="02000603000000000000" pitchFamily="2" charset="0"/>
+                                <a:cs typeface="CMU Serif Roman" panose="02000603000000000000" pitchFamily="2" charset="0"/>
+                              </a:rPr>
+                            </m:ctrlPr>
+                          </m:dPr>
+                          <m:e>
+                            <m:r>
+                              <a:rPr lang="en-US" sz="1100" b="0" i="1" smtClean="0">
+                                <a:latin typeface="Cambria Math" panose="02040503050406030204" pitchFamily="18" charset="0"/>
+                                <a:ea typeface="CMU Serif Roman" panose="02000603000000000000" pitchFamily="2" charset="0"/>
+                                <a:cs typeface="CMU Serif Roman" panose="02000603000000000000" pitchFamily="2" charset="0"/>
+                              </a:rPr>
+                              <m:t>0, 1</m:t>
+                            </m:r>
+                          </m:e>
+                        </m:d>
+                      </m:e>
+                      <m:sup>
+                        <m:r>
+                          <a:rPr lang="en-US" sz="1100" b="0" i="1" smtClean="0">
+                            <a:latin typeface="Cambria Math" panose="02040503050406030204" pitchFamily="18" charset="0"/>
+                            <a:ea typeface="CMU Serif Roman" panose="02000603000000000000" pitchFamily="2" charset="0"/>
+                            <a:cs typeface="CMU Serif Roman" panose="02000603000000000000" pitchFamily="2" charset="0"/>
+                          </a:rPr>
+                          <m:t>𝑀</m:t>
+                        </m:r>
+                      </m:sup>
+                    </m:sSup>
+                  </m:oMath>
+                </a14:m>
+                <a:r>
+                  <a:rPr lang="en-US" sz="1100" dirty="0">
+                    <a:latin typeface="Amasis MT Pro Medium" panose="02040604050005020304" pitchFamily="18" charset="0"/>
+                    <a:ea typeface="CMU Serif Roman" panose="02000603000000000000" pitchFamily="2" charset="0"/>
+                    <a:cs typeface="CMU Serif Roman" panose="02000603000000000000" pitchFamily="2" charset="0"/>
+                  </a:rPr>
+                  <a:t>, then</a:t>
+                </a:r>
+              </a:p>
+            </p:txBody>
+          </p:sp>
+        </mc:Choice>
+        <mc:Fallback xmlns="">
+          <p:sp>
+            <p:nvSpPr>
+              <p:cNvPr id="9" name="TextBox 8">
+                <a:extLst>
+                  <a:ext uri="{FF2B5EF4-FFF2-40B4-BE49-F238E27FC236}">
+                    <a16:creationId xmlns:a16="http://schemas.microsoft.com/office/drawing/2014/main" id="{336BB731-4A6D-F25A-0F98-77ABC1C10E2C}"/>
+                  </a:ext>
+                </a:extLst>
+              </p:cNvPr>
+              <p:cNvSpPr txBox="1">
+                <a:spLocks noRot="1" noChangeAspect="1" noMove="1" noResize="1" noEditPoints="1" noAdjustHandles="1" noChangeArrowheads="1" noChangeShapeType="1" noTextEdit="1"/>
+              </p:cNvSpPr>
+              <p:nvPr/>
+            </p:nvSpPr>
+            <p:spPr>
+              <a:xfrm>
+                <a:off x="1534392" y="3144600"/>
+                <a:ext cx="7034643" cy="960519"/>
+              </a:xfrm>
+              <a:prstGeom prst="rect">
+                <a:avLst/>
+              </a:prstGeom>
+              <a:blipFill>
+                <a:blip r:embed="rId6"/>
+                <a:stretch>
+                  <a:fillRect t="-637" b="-3822"/>
+                </a:stretch>
+              </a:blipFill>
+            </p:spPr>
+            <p:txBody>
+              <a:bodyPr/>
+              <a:lstStyle/>
+              <a:p>
+                <a:r>
+                  <a:rPr lang="en-US">
+                    <a:noFill/>
+                  </a:rPr>
+                  <a:t> </a:t>
+                </a:r>
+              </a:p>
+            </p:txBody>
+          </p:sp>
+        </mc:Fallback>
+      </mc:AlternateContent>
+    </p:spTree>
+    <p:extLst>
+      <p:ext uri="{BB962C8B-B14F-4D97-AF65-F5344CB8AC3E}">
+        <p14:creationId xmlns:p14="http://schemas.microsoft.com/office/powerpoint/2010/main" val="4119853112"/>
+      </p:ext>
+    </p:extLst>
+  </p:cSld>
+  <p:clrMapOvr>
+    <a:masterClrMapping/>
+  </p:clrMapOvr>
+</p:sld>
+</file>
+
+<file path=ppt/slides/slide7.xml><?xml version="1.0" encoding="utf-8"?>
 <p:sld xmlns:a="http://schemas.openxmlformats.org/drawingml/2006/main" xmlns:r="http://schemas.openxmlformats.org/officeDocument/2006/relationships" xmlns:p="http://schemas.openxmlformats.org/presentationml/2006/main">
   <p:cSld>
     <p:bg>
@@ -11536,7 +13653,7 @@
 </p:sld>
 </file>
 
-<file path=ppt/slides/slide7.xml><?xml version="1.0" encoding="utf-8"?>
+<file path=ppt/slides/slide8.xml><?xml version="1.0" encoding="utf-8"?>
 <p:sld xmlns:a="http://schemas.openxmlformats.org/drawingml/2006/main" xmlns:r="http://schemas.openxmlformats.org/officeDocument/2006/relationships" xmlns:p="http://schemas.openxmlformats.org/presentationml/2006/main">
   <p:cSld>
     <p:bg>
@@ -11950,7 +14067,7 @@
         </p:blipFill>
         <p:spPr>
           <a:xfrm>
-            <a:off x="1049240" y="1827145"/>
+            <a:off x="1009289" y="1899419"/>
             <a:ext cx="7474527" cy="2483273"/>
           </a:xfrm>
           <a:prstGeom prst="rect">
@@ -12010,7 +14127,7 @@
 </p:sld>
 </file>
 
-<file path=ppt/slides/slide8.xml><?xml version="1.0" encoding="utf-8"?>
+<file path=ppt/slides/slide9.xml><?xml version="1.0" encoding="utf-8"?>
 <p:sld xmlns:a="http://schemas.openxmlformats.org/drawingml/2006/main" xmlns:r="http://schemas.openxmlformats.org/officeDocument/2006/relationships" xmlns:p="http://schemas.openxmlformats.org/presentationml/2006/main">
   <p:cSld>
     <p:bg>
@@ -12415,8 +14532,8 @@
           </a:prstGeom>
         </p:spPr>
       </p:pic>
-      <mc:AlternateContent xmlns:mc="http://schemas.openxmlformats.org/markup-compatibility/2006">
-        <mc:Choice xmlns:a14="http://schemas.microsoft.com/office/drawing/2010/main" Requires="a14">
+      <mc:AlternateContent xmlns:mc="http://schemas.openxmlformats.org/markup-compatibility/2006" xmlns:a14="http://schemas.microsoft.com/office/drawing/2010/main">
+        <mc:Choice Requires="a14">
           <p:sp>
             <p:nvSpPr>
               <p:cNvPr id="20" name="TextBox 19">
@@ -12496,7 +14613,7 @@
                   <m:oMath xmlns:m="http://schemas.openxmlformats.org/officeDocument/2006/math">
                     <m:r>
                       <a:rPr lang="en-US" sz="900">
-                        <a:latin typeface="Abadi" panose="020B0604020104020204" pitchFamily="34" charset="0"/>
+                        <a:latin typeface="Cambria Math" panose="02040503050406030204" pitchFamily="18" charset="0"/>
                         <a:ea typeface="CMU Serif Roman" panose="02000603000000000000" pitchFamily="2" charset="0"/>
                         <a:cs typeface="CMU Serif Roman" panose="02000603000000000000" pitchFamily="2" charset="0"/>
                       </a:rPr>
@@ -12507,8 +14624,8 @@
                         <m:begChr m:val="["/>
                         <m:endChr m:val="]"/>
                         <m:ctrlPr>
-                          <a:rPr lang="en-US" sz="900">
-                            <a:latin typeface="Abadi" panose="020B0604020104020204" pitchFamily="34" charset="0"/>
+                          <a:rPr lang="en-US" sz="900" i="1">
+                            <a:latin typeface="Cambria Math" panose="02040503050406030204" pitchFamily="18" charset="0"/>
                             <a:ea typeface="CMU Serif Roman" panose="02000603000000000000" pitchFamily="2" charset="0"/>
                             <a:cs typeface="CMU Serif Roman" panose="02000603000000000000" pitchFamily="2" charset="0"/>
                           </a:rPr>
@@ -12517,7 +14634,7 @@
                       <m:e>
                         <m:r>
                           <a:rPr lang="en-US" sz="900">
-                            <a:latin typeface="Abadi" panose="020B0604020104020204" pitchFamily="34" charset="0"/>
+                            <a:latin typeface="Cambria Math" panose="02040503050406030204" pitchFamily="18" charset="0"/>
                             <a:ea typeface="CMU Serif Roman" panose="02000603000000000000" pitchFamily="2" charset="0"/>
                             <a:cs typeface="CMU Serif Roman" panose="02000603000000000000" pitchFamily="2" charset="0"/>
                           </a:rPr>
@@ -12526,8 +14643,8 @@
                         <m:d>
                           <m:dPr>
                             <m:ctrlPr>
-                              <a:rPr lang="en-US" sz="900">
-                                <a:latin typeface="Abadi" panose="020B0604020104020204" pitchFamily="34" charset="0"/>
+                              <a:rPr lang="en-US" sz="900" i="1">
+                                <a:latin typeface="Cambria Math" panose="02040503050406030204" pitchFamily="18" charset="0"/>
                                 <a:ea typeface="CMU Serif Roman" panose="02000603000000000000" pitchFamily="2" charset="0"/>
                                 <a:cs typeface="CMU Serif Roman" panose="02000603000000000000" pitchFamily="2" charset="0"/>
                               </a:rPr>
@@ -12536,7 +14653,7 @@
                           <m:e>
                             <m:r>
                               <a:rPr lang="en-US" sz="900">
-                                <a:latin typeface="Abadi" panose="020B0604020104020204" pitchFamily="34" charset="0"/>
+                                <a:latin typeface="Cambria Math" panose="02040503050406030204" pitchFamily="18" charset="0"/>
                                 <a:ea typeface="CMU Serif Roman" panose="02000603000000000000" pitchFamily="2" charset="0"/>
                                 <a:cs typeface="CMU Serif Roman" panose="02000603000000000000" pitchFamily="2" charset="0"/>
                               </a:rPr>
@@ -12548,7 +14665,7 @@
                     </m:d>
                     <m:r>
                       <a:rPr lang="en-US" sz="900">
-                        <a:latin typeface="Abadi" panose="020B0604020104020204" pitchFamily="34" charset="0"/>
+                        <a:latin typeface="Cambria Math" panose="02040503050406030204" pitchFamily="18" charset="0"/>
                         <a:ea typeface="CMU Serif Roman" panose="02000603000000000000" pitchFamily="2" charset="0"/>
                         <a:cs typeface="CMU Serif Roman" panose="02000603000000000000" pitchFamily="2" charset="0"/>
                       </a:rPr>
@@ -12576,7 +14693,7 @@
             </p:txBody>
           </p:sp>
         </mc:Choice>
-        <mc:Fallback>
+        <mc:Fallback xmlns="">
           <p:sp>
             <p:nvSpPr>
               <p:cNvPr id="20" name="TextBox 19">
